--- a/ALA/2160711_150124116006.pptx
+++ b/ALA/2160711_150124116006.pptx
@@ -2,13 +2,13 @@
 <file path=ppt/presentation.xml><?xml version="1.0" encoding="utf-8"?>
 <p:presentation xmlns:a="http://schemas.openxmlformats.org/drawingml/2006/main" xmlns:r="http://schemas.openxmlformats.org/officeDocument/2006/relationships" xmlns:p="http://schemas.openxmlformats.org/presentationml/2006/main" showSpecialPlsOnTitleSld="0" saveSubsetFonts="1">
   <p:sldMasterIdLst>
-    <p:sldMasterId id="2147483660" r:id="rId1"/>
+    <p:sldMasterId id="2147483672" r:id="rId1"/>
   </p:sldMasterIdLst>
   <p:notesMasterIdLst>
     <p:notesMasterId r:id="rId24"/>
   </p:notesMasterIdLst>
   <p:sldIdLst>
-    <p:sldId id="256" r:id="rId2"/>
+    <p:sldId id="312" r:id="rId2"/>
     <p:sldId id="258" r:id="rId3"/>
     <p:sldId id="262" r:id="rId4"/>
     <p:sldId id="300" r:id="rId5"/>
@@ -214,7 +214,7 @@
             <a:fld id="{879F7D41-FF6A-45B4-B983-E7142C044906}" type="datetimeFigureOut">
               <a:rPr lang="en-US" smtClean="0"/>
               <a:pPr/>
-              <a:t>2/7/2018</a:t>
+              <a:t>2/8/2018</a:t>
             </a:fld>
             <a:endParaRPr lang="en-US" dirty="0"/>
           </a:p>
@@ -499,6 +499,88 @@
       </p:grpSpPr>
       <p:sp>
         <p:nvSpPr>
+          <p:cNvPr id="2" name="Slide Image Placeholder 1"/>
+          <p:cNvSpPr>
+            <a:spLocks noGrp="1" noRot="1" noChangeAspect="1"/>
+          </p:cNvSpPr>
+          <p:nvPr>
+            <p:ph type="sldImg"/>
+          </p:nvPr>
+        </p:nvSpPr>
+        <p:spPr/>
+      </p:sp>
+      <p:sp>
+        <p:nvSpPr>
+          <p:cNvPr id="3" name="Notes Placeholder 2"/>
+          <p:cNvSpPr>
+            <a:spLocks noGrp="1"/>
+          </p:cNvSpPr>
+          <p:nvPr>
+            <p:ph type="body" idx="1"/>
+          </p:nvPr>
+        </p:nvSpPr>
+        <p:spPr/>
+        <p:txBody>
+          <a:bodyPr>
+            <a:normAutofit/>
+          </a:bodyPr>
+          <a:lstStyle/>
+          <a:p>
+            <a:endParaRPr lang="en-US"/>
+          </a:p>
+        </p:txBody>
+      </p:sp>
+      <p:sp>
+        <p:nvSpPr>
+          <p:cNvPr id="4" name="Slide Number Placeholder 3"/>
+          <p:cNvSpPr>
+            <a:spLocks noGrp="1"/>
+          </p:cNvSpPr>
+          <p:nvPr>
+            <p:ph type="sldNum" sz="quarter" idx="10"/>
+          </p:nvPr>
+        </p:nvSpPr>
+        <p:spPr/>
+        <p:txBody>
+          <a:bodyPr/>
+          <a:lstStyle/>
+          <a:p>
+            <a:fld id="{F3F274FA-FAC4-495D-A4AF-DFA5B98C9EED}" type="slidenum">
+              <a:rPr lang="en-US" smtClean="0"/>
+              <a:pPr/>
+              <a:t>9</a:t>
+            </a:fld>
+            <a:endParaRPr lang="en-US" dirty="0"/>
+          </a:p>
+        </p:txBody>
+      </p:sp>
+    </p:spTree>
+  </p:cSld>
+  <p:clrMapOvr>
+    <a:masterClrMapping/>
+  </p:clrMapOvr>
+</p:notes>
+</file>
+
+<file path=ppt/notesSlides/notesSlide2.xml><?xml version="1.0" encoding="utf-8"?>
+<p:notes xmlns:a="http://schemas.openxmlformats.org/drawingml/2006/main" xmlns:r="http://schemas.openxmlformats.org/officeDocument/2006/relationships" xmlns:p="http://schemas.openxmlformats.org/presentationml/2006/main">
+  <p:cSld>
+    <p:spTree>
+      <p:nvGrpSpPr>
+        <p:cNvPr id="1" name=""/>
+        <p:cNvGrpSpPr/>
+        <p:nvPr/>
+      </p:nvGrpSpPr>
+      <p:grpSpPr>
+        <a:xfrm>
+          <a:off x="0" y="0"/>
+          <a:ext cx="0" cy="0"/>
+          <a:chOff x="0" y="0"/>
+          <a:chExt cx="0" cy="0"/>
+        </a:xfrm>
+      </p:grpSpPr>
+      <p:sp>
+        <p:nvSpPr>
           <p:cNvPr id="36866" name="Slide Image Placeholder 1"/>
           <p:cNvSpPr>
             <a:spLocks noGrp="1" noRot="1" noChangeAspect="1" noTextEdit="1"/>
@@ -586,13 +668,8 @@
 </file>
 
 <file path=ppt/slideLayouts/slideLayout1.xml><?xml version="1.0" encoding="utf-8"?>
-<p:sldLayout xmlns:a="http://schemas.openxmlformats.org/drawingml/2006/main" xmlns:r="http://schemas.openxmlformats.org/officeDocument/2006/relationships" xmlns:p="http://schemas.openxmlformats.org/presentationml/2006/main" showMasterSp="0" type="title" preserve="1">
+<p:sldLayout xmlns:a="http://schemas.openxmlformats.org/drawingml/2006/main" xmlns:r="http://schemas.openxmlformats.org/officeDocument/2006/relationships" xmlns:p="http://schemas.openxmlformats.org/presentationml/2006/main" type="title" preserve="1">
   <p:cSld name="Title Slide">
-    <p:bg>
-      <p:bgRef idx="1003">
-        <a:schemeClr val="bg1"/>
-      </p:bgRef>
-    </p:bg>
     <p:spTree>
       <p:nvGrpSpPr>
         <p:cNvPr id="1" name=""/>
@@ -609,101 +686,35 @@
       </p:grpSpPr>
       <p:sp>
         <p:nvSpPr>
-          <p:cNvPr id="12" name="Rectangle 11"/>
-          <p:cNvSpPr/>
-          <p:nvPr/>
+          <p:cNvPr id="2" name="Title 1"/>
+          <p:cNvSpPr>
+            <a:spLocks noGrp="1"/>
+          </p:cNvSpPr>
+          <p:nvPr>
+            <p:ph type="ctrTitle"/>
+          </p:nvPr>
         </p:nvSpPr>
         <p:spPr>
           <a:xfrm>
-            <a:off x="0" y="0"/>
-            <a:ext cx="9144000" cy="6858000"/>
+            <a:off x="685800" y="2130425"/>
+            <a:ext cx="7772400" cy="1470025"/>
           </a:xfrm>
-          <a:prstGeom prst="rect">
-            <a:avLst/>
-          </a:prstGeom>
-          <a:solidFill>
-            <a:srgbClr val="FFFFFF"/>
-          </a:solidFill>
-          <a:ln w="12700" cap="flat" cmpd="sng" algn="ctr">
-            <a:noFill/>
-            <a:prstDash val="solid"/>
-          </a:ln>
         </p:spPr>
-        <p:style>
-          <a:lnRef idx="2">
-            <a:schemeClr val="accent1"/>
-          </a:lnRef>
-          <a:fillRef idx="1">
-            <a:schemeClr val="accent1"/>
-          </a:fillRef>
-          <a:effectRef idx="0">
-            <a:schemeClr val="accent1"/>
-          </a:effectRef>
-          <a:fontRef idx="minor">
-            <a:schemeClr val="lt1"/>
-          </a:fontRef>
-        </p:style>
         <p:txBody>
-          <a:bodyPr rtlCol="0" anchor="ctr"/>
+          <a:bodyPr/>
           <a:lstStyle/>
           <a:p>
-            <a:pPr algn="ctr" eaLnBrk="1" latinLnBrk="0" hangingPunct="1"/>
-            <a:endParaRPr kumimoji="0" lang="en-US" dirty="0"/>
-          </a:p>
-        </p:txBody>
-      </p:sp>
-      <p:sp useBgFill="1">
-        <p:nvSpPr>
-          <p:cNvPr id="13" name="Rounded Rectangle 12"/>
-          <p:cNvSpPr/>
-          <p:nvPr/>
-        </p:nvSpPr>
-        <p:spPr>
-          <a:xfrm>
-            <a:off x="65313" y="69755"/>
-            <a:ext cx="9013372" cy="6692201"/>
-          </a:xfrm>
-          <a:prstGeom prst="roundRect">
-            <a:avLst>
-              <a:gd name="adj" fmla="val 4929"/>
-            </a:avLst>
-          </a:prstGeom>
-          <a:ln w="6350" cap="sq" cmpd="sng" algn="ctr">
-            <a:solidFill>
-              <a:schemeClr val="tx1">
-                <a:alpha val="100000"/>
-              </a:schemeClr>
-            </a:solidFill>
-            <a:prstDash val="solid"/>
-          </a:ln>
-          <a:effectLst/>
-        </p:spPr>
-        <p:style>
-          <a:lnRef idx="3">
-            <a:schemeClr val="lt1"/>
-          </a:lnRef>
-          <a:fillRef idx="1001">
-            <a:schemeClr val="lt1"/>
-          </a:fillRef>
-          <a:effectRef idx="1">
-            <a:schemeClr val="accent1"/>
-          </a:effectRef>
-          <a:fontRef idx="minor">
-            <a:schemeClr val="lt1"/>
-          </a:fontRef>
-        </p:style>
-        <p:txBody>
-          <a:bodyPr anchor="ctr"/>
-          <a:lstStyle/>
-          <a:p>
-            <a:pPr algn="ctr" eaLnBrk="1" latinLnBrk="0" hangingPunct="1"/>
-            <a:endParaRPr kumimoji="0" lang="en-US" dirty="0"/>
+            <a:r>
+              <a:rPr lang="en-US" smtClean="0"/>
+              <a:t>Click to edit Master title style</a:t>
+            </a:r>
+            <a:endParaRPr lang="en-US"/>
           </a:p>
         </p:txBody>
       </p:sp>
       <p:sp>
         <p:nvSpPr>
-          <p:cNvPr id="9" name="Subtitle 8"/>
+          <p:cNvPr id="3" name="Subtitle 2"/>
           <p:cNvSpPr>
             <a:spLocks noGrp="1"/>
           </p:cNvSpPr>
@@ -713,8 +724,8 @@
         </p:nvSpPr>
         <p:spPr>
           <a:xfrm>
-            <a:off x="1295400" y="3200400"/>
-            <a:ext cx="6400800" cy="1600200"/>
+            <a:off x="1371600" y="3886200"/>
+            <a:ext cx="6400800" cy="1752600"/>
           </a:xfrm>
         </p:spPr>
         <p:txBody>
@@ -722,49 +733,107 @@
           <a:lstStyle>
             <a:lvl1pPr marL="0" indent="0" algn="ctr">
               <a:buNone/>
-              <a:defRPr sz="2600">
+              <a:defRPr>
                 <a:solidFill>
-                  <a:schemeClr val="tx2"/>
+                  <a:schemeClr val="tx1">
+                    <a:tint val="75000"/>
+                  </a:schemeClr>
                 </a:solidFill>
               </a:defRPr>
             </a:lvl1pPr>
             <a:lvl2pPr marL="457200" indent="0" algn="ctr">
               <a:buNone/>
+              <a:defRPr>
+                <a:solidFill>
+                  <a:schemeClr val="tx1">
+                    <a:tint val="75000"/>
+                  </a:schemeClr>
+                </a:solidFill>
+              </a:defRPr>
             </a:lvl2pPr>
             <a:lvl3pPr marL="914400" indent="0" algn="ctr">
               <a:buNone/>
+              <a:defRPr>
+                <a:solidFill>
+                  <a:schemeClr val="tx1">
+                    <a:tint val="75000"/>
+                  </a:schemeClr>
+                </a:solidFill>
+              </a:defRPr>
             </a:lvl3pPr>
             <a:lvl4pPr marL="1371600" indent="0" algn="ctr">
               <a:buNone/>
+              <a:defRPr>
+                <a:solidFill>
+                  <a:schemeClr val="tx1">
+                    <a:tint val="75000"/>
+                  </a:schemeClr>
+                </a:solidFill>
+              </a:defRPr>
             </a:lvl4pPr>
             <a:lvl5pPr marL="1828800" indent="0" algn="ctr">
               <a:buNone/>
+              <a:defRPr>
+                <a:solidFill>
+                  <a:schemeClr val="tx1">
+                    <a:tint val="75000"/>
+                  </a:schemeClr>
+                </a:solidFill>
+              </a:defRPr>
             </a:lvl5pPr>
             <a:lvl6pPr marL="2286000" indent="0" algn="ctr">
               <a:buNone/>
+              <a:defRPr>
+                <a:solidFill>
+                  <a:schemeClr val="tx1">
+                    <a:tint val="75000"/>
+                  </a:schemeClr>
+                </a:solidFill>
+              </a:defRPr>
             </a:lvl6pPr>
             <a:lvl7pPr marL="2743200" indent="0" algn="ctr">
               <a:buNone/>
+              <a:defRPr>
+                <a:solidFill>
+                  <a:schemeClr val="tx1">
+                    <a:tint val="75000"/>
+                  </a:schemeClr>
+                </a:solidFill>
+              </a:defRPr>
             </a:lvl7pPr>
             <a:lvl8pPr marL="3200400" indent="0" algn="ctr">
               <a:buNone/>
+              <a:defRPr>
+                <a:solidFill>
+                  <a:schemeClr val="tx1">
+                    <a:tint val="75000"/>
+                  </a:schemeClr>
+                </a:solidFill>
+              </a:defRPr>
             </a:lvl8pPr>
             <a:lvl9pPr marL="3657600" indent="0" algn="ctr">
               <a:buNone/>
+              <a:defRPr>
+                <a:solidFill>
+                  <a:schemeClr val="tx1">
+                    <a:tint val="75000"/>
+                  </a:schemeClr>
+                </a:solidFill>
+              </a:defRPr>
             </a:lvl9pPr>
           </a:lstStyle>
           <a:p>
             <a:r>
-              <a:rPr kumimoji="0" lang="en-US" smtClean="0"/>
+              <a:rPr lang="en-US" smtClean="0"/>
               <a:t>Click to edit Master subtitle style</a:t>
             </a:r>
-            <a:endParaRPr kumimoji="0" lang="en-US"/>
+            <a:endParaRPr lang="en-US"/>
           </a:p>
         </p:txBody>
       </p:sp>
       <p:sp>
         <p:nvSpPr>
-          <p:cNvPr id="28" name="Date Placeholder 27"/>
+          <p:cNvPr id="4" name="Date Placeholder 3"/>
           <p:cNvSpPr>
             <a:spLocks noGrp="1"/>
           </p:cNvSpPr>
@@ -777,10 +846,9 @@
           <a:bodyPr/>
           <a:lstStyle/>
           <a:p>
-            <a:fld id="{4005452C-99CA-42F6-8F04-849D850C9642}" type="datetime1">
+            <a:fld id="{B2F8D5FE-9965-4316-8840-882FF5C80990}" type="datetime1">
               <a:rPr lang="en-US" smtClean="0"/>
-              <a:pPr/>
-              <a:t>2/7/2018</a:t>
+              <a:t>2/8/2018</a:t>
             </a:fld>
             <a:endParaRPr lang="en-US" dirty="0"/>
           </a:p>
@@ -788,7 +856,7 @@
       </p:sp>
       <p:sp>
         <p:nvSpPr>
-          <p:cNvPr id="17" name="Footer Placeholder 16"/>
+          <p:cNvPr id="5" name="Footer Placeholder 4"/>
           <p:cNvSpPr>
             <a:spLocks noGrp="1"/>
           </p:cNvSpPr>
@@ -807,7 +875,7 @@
       </p:sp>
       <p:sp>
         <p:nvSpPr>
-          <p:cNvPr id="29" name="Slide Number Placeholder 28"/>
+          <p:cNvPr id="6" name="Slide Number Placeholder 5"/>
           <p:cNvSpPr>
             <a:spLocks noGrp="1"/>
           </p:cNvSpPr>
@@ -817,18 +885,8 @@
         </p:nvSpPr>
         <p:spPr/>
         <p:txBody>
-          <a:bodyPr lIns="0" tIns="0" rIns="0" bIns="0">
-            <a:noAutofit/>
-          </a:bodyPr>
-          <a:lstStyle>
-            <a:lvl1pPr>
-              <a:defRPr sz="1400">
-                <a:solidFill>
-                  <a:srgbClr val="FFFFFF"/>
-                </a:solidFill>
-              </a:defRPr>
-            </a:lvl1pPr>
-          </a:lstStyle>
+          <a:bodyPr/>
+          <a:lstStyle/>
           <a:p>
             <a:fld id="{B6F15528-21DE-4FAA-801E-634DDDAF4B2B}" type="slidenum">
               <a:rPr lang="en-US" smtClean="0"/>
@@ -839,188 +897,10 @@
           </a:p>
         </p:txBody>
       </p:sp>
-      <p:sp>
-        <p:nvSpPr>
-          <p:cNvPr id="7" name="Rectangle 6"/>
-          <p:cNvSpPr/>
-          <p:nvPr/>
-        </p:nvSpPr>
-        <p:spPr>
-          <a:xfrm>
-            <a:off x="62931" y="1449303"/>
-            <a:ext cx="9021537" cy="1527349"/>
-          </a:xfrm>
-          <a:prstGeom prst="rect">
-            <a:avLst/>
-          </a:prstGeom>
-          <a:solidFill>
-            <a:schemeClr val="accent1">
-              <a:alpha val="100000"/>
-            </a:schemeClr>
-          </a:solidFill>
-          <a:ln w="19050" cap="sq" cmpd="sng" algn="ctr">
-            <a:noFill/>
-            <a:prstDash val="solid"/>
-          </a:ln>
-          <a:effectLst/>
-        </p:spPr>
-        <p:style>
-          <a:lnRef idx="3">
-            <a:schemeClr val="lt1"/>
-          </a:lnRef>
-          <a:fillRef idx="1">
-            <a:schemeClr val="accent1"/>
-          </a:fillRef>
-          <a:effectRef idx="1">
-            <a:schemeClr val="accent1"/>
-          </a:effectRef>
-          <a:fontRef idx="minor">
-            <a:schemeClr val="lt1"/>
-          </a:fontRef>
-        </p:style>
-        <p:txBody>
-          <a:bodyPr anchor="ctr"/>
-          <a:lstStyle/>
-          <a:p>
-            <a:pPr algn="ctr" eaLnBrk="1" latinLnBrk="0" hangingPunct="1"/>
-            <a:endParaRPr kumimoji="0" lang="en-US" dirty="0"/>
-          </a:p>
-        </p:txBody>
-      </p:sp>
-      <p:sp>
-        <p:nvSpPr>
-          <p:cNvPr id="10" name="Rectangle 9"/>
-          <p:cNvSpPr/>
-          <p:nvPr/>
-        </p:nvSpPr>
-        <p:spPr>
-          <a:xfrm>
-            <a:off x="62931" y="1396720"/>
-            <a:ext cx="9021537" cy="120580"/>
-          </a:xfrm>
-          <a:prstGeom prst="rect">
-            <a:avLst/>
-          </a:prstGeom>
-          <a:solidFill>
-            <a:schemeClr val="accent1">
-              <a:tint val="60000"/>
-            </a:schemeClr>
-          </a:solidFill>
-          <a:ln w="19050" cap="sq" cmpd="sng" algn="ctr">
-            <a:noFill/>
-            <a:prstDash val="solid"/>
-          </a:ln>
-          <a:effectLst/>
-        </p:spPr>
-        <p:style>
-          <a:lnRef idx="3">
-            <a:schemeClr val="lt1"/>
-          </a:lnRef>
-          <a:fillRef idx="1">
-            <a:schemeClr val="accent1"/>
-          </a:fillRef>
-          <a:effectRef idx="1">
-            <a:schemeClr val="accent1"/>
-          </a:effectRef>
-          <a:fontRef idx="minor">
-            <a:schemeClr val="lt1"/>
-          </a:fontRef>
-        </p:style>
-        <p:txBody>
-          <a:bodyPr anchor="ctr"/>
-          <a:lstStyle/>
-          <a:p>
-            <a:pPr algn="ctr" eaLnBrk="1" latinLnBrk="0" hangingPunct="1"/>
-            <a:endParaRPr kumimoji="0" lang="en-US" dirty="0"/>
-          </a:p>
-        </p:txBody>
-      </p:sp>
-      <p:sp>
-        <p:nvSpPr>
-          <p:cNvPr id="11" name="Rectangle 10"/>
-          <p:cNvSpPr/>
-          <p:nvPr/>
-        </p:nvSpPr>
-        <p:spPr>
-          <a:xfrm>
-            <a:off x="62931" y="2976649"/>
-            <a:ext cx="9021537" cy="110532"/>
-          </a:xfrm>
-          <a:prstGeom prst="rect">
-            <a:avLst/>
-          </a:prstGeom>
-          <a:solidFill>
-            <a:schemeClr val="accent5"/>
-          </a:solidFill>
-          <a:ln w="19050" cap="sq" cmpd="sng" algn="ctr">
-            <a:noFill/>
-            <a:prstDash val="solid"/>
-          </a:ln>
-          <a:effectLst/>
-        </p:spPr>
-        <p:style>
-          <a:lnRef idx="3">
-            <a:schemeClr val="lt1"/>
-          </a:lnRef>
-          <a:fillRef idx="1">
-            <a:schemeClr val="accent1"/>
-          </a:fillRef>
-          <a:effectRef idx="1">
-            <a:schemeClr val="accent1"/>
-          </a:effectRef>
-          <a:fontRef idx="minor">
-            <a:schemeClr val="lt1"/>
-          </a:fontRef>
-        </p:style>
-        <p:txBody>
-          <a:bodyPr anchor="ctr"/>
-          <a:lstStyle/>
-          <a:p>
-            <a:pPr algn="ctr" eaLnBrk="1" latinLnBrk="0" hangingPunct="1"/>
-            <a:endParaRPr kumimoji="0" lang="en-US" dirty="0"/>
-          </a:p>
-        </p:txBody>
-      </p:sp>
-      <p:sp>
-        <p:nvSpPr>
-          <p:cNvPr id="8" name="Title 7"/>
-          <p:cNvSpPr>
-            <a:spLocks noGrp="1"/>
-          </p:cNvSpPr>
-          <p:nvPr>
-            <p:ph type="ctrTitle"/>
-          </p:nvPr>
-        </p:nvSpPr>
-        <p:spPr>
-          <a:xfrm>
-            <a:off x="457200" y="1505930"/>
-            <a:ext cx="8229600" cy="1470025"/>
-          </a:xfrm>
-        </p:spPr>
-        <p:txBody>
-          <a:bodyPr anchor="ctr"/>
-          <a:lstStyle>
-            <a:lvl1pPr algn="ctr">
-              <a:defRPr lang="en-US" dirty="0">
-                <a:solidFill>
-                  <a:srgbClr val="FFFFFF"/>
-                </a:solidFill>
-              </a:defRPr>
-            </a:lvl1pPr>
-          </a:lstStyle>
-          <a:p>
-            <a:r>
-              <a:rPr kumimoji="0" lang="en-US" smtClean="0"/>
-              <a:t>Click to edit Master title style</a:t>
-            </a:r>
-            <a:endParaRPr kumimoji="0" lang="en-US"/>
-          </a:p>
-        </p:txBody>
-      </p:sp>
     </p:spTree>
   </p:cSld>
   <p:clrMapOvr>
-    <a:overrideClrMapping bg1="lt1" tx1="dk1" bg2="lt2" tx2="dk2" accent1="accent1" accent2="accent2" accent3="accent3" accent4="accent4" accent5="accent5" accent6="accent6" hlink="hlink" folHlink="folHlink"/>
+    <a:masterClrMapping/>
   </p:clrMapOvr>
 </p:sldLayout>
 </file>
@@ -1058,10 +938,10 @@
           <a:lstStyle/>
           <a:p>
             <a:r>
-              <a:rPr kumimoji="0" lang="en-US" smtClean="0"/>
+              <a:rPr lang="en-US" smtClean="0"/>
               <a:t>Click to edit Master title style</a:t>
             </a:r>
-            <a:endParaRPr kumimoji="0" lang="en-US"/>
+            <a:endParaRPr lang="en-US"/>
           </a:p>
         </p:txBody>
       </p:sp>
@@ -1080,40 +960,40 @@
           <a:bodyPr vert="eaVert"/>
           <a:lstStyle/>
           <a:p>
-            <a:pPr lvl="0" eaLnBrk="1" latinLnBrk="0" hangingPunct="1"/>
+            <a:pPr lvl="0"/>
             <a:r>
               <a:rPr lang="en-US" smtClean="0"/>
               <a:t>Click to edit Master text styles</a:t>
             </a:r>
           </a:p>
           <a:p>
-            <a:pPr lvl="1" eaLnBrk="1" latinLnBrk="0" hangingPunct="1"/>
+            <a:pPr lvl="1"/>
             <a:r>
               <a:rPr lang="en-US" smtClean="0"/>
               <a:t>Second level</a:t>
             </a:r>
           </a:p>
           <a:p>
-            <a:pPr lvl="2" eaLnBrk="1" latinLnBrk="0" hangingPunct="1"/>
+            <a:pPr lvl="2"/>
             <a:r>
               <a:rPr lang="en-US" smtClean="0"/>
               <a:t>Third level</a:t>
             </a:r>
           </a:p>
           <a:p>
-            <a:pPr lvl="3" eaLnBrk="1" latinLnBrk="0" hangingPunct="1"/>
+            <a:pPr lvl="3"/>
             <a:r>
               <a:rPr lang="en-US" smtClean="0"/>
               <a:t>Fourth level</a:t>
             </a:r>
           </a:p>
           <a:p>
-            <a:pPr lvl="4" eaLnBrk="1" latinLnBrk="0" hangingPunct="1"/>
+            <a:pPr lvl="4"/>
             <a:r>
               <a:rPr lang="en-US" smtClean="0"/>
               <a:t>Fifth level</a:t>
             </a:r>
-            <a:endParaRPr kumimoji="0" lang="en-US"/>
+            <a:endParaRPr lang="en-US"/>
           </a:p>
         </p:txBody>
       </p:sp>
@@ -1132,10 +1012,9 @@
           <a:bodyPr/>
           <a:lstStyle/>
           <a:p>
-            <a:fld id="{7549B18C-5436-446D-BB80-87CC9BBA346C}" type="datetime1">
+            <a:fld id="{B220EFCE-C19E-4A7D-9BD1-23DF90848500}" type="datetime1">
               <a:rPr lang="en-US" smtClean="0"/>
-              <a:pPr/>
-              <a:t>2/7/2018</a:t>
+              <a:t>2/8/2018</a:t>
             </a:fld>
             <a:endParaRPr lang="en-US" dirty="0"/>
           </a:p>
@@ -1221,8 +1100,8 @@
         </p:nvSpPr>
         <p:spPr>
           <a:xfrm>
-            <a:off x="6629400" y="274641"/>
-            <a:ext cx="2011680" cy="5851525"/>
+            <a:off x="6629400" y="274638"/>
+            <a:ext cx="2057400" cy="5851525"/>
           </a:xfrm>
         </p:spPr>
         <p:txBody>
@@ -1230,10 +1109,10 @@
           <a:lstStyle/>
           <a:p>
             <a:r>
-              <a:rPr kumimoji="0" lang="en-US" smtClean="0"/>
+              <a:rPr lang="en-US" smtClean="0"/>
               <a:t>Click to edit Master title style</a:t>
             </a:r>
-            <a:endParaRPr kumimoji="0" lang="en-US"/>
+            <a:endParaRPr lang="en-US"/>
           </a:p>
         </p:txBody>
       </p:sp>
@@ -1249,48 +1128,48 @@
         </p:nvSpPr>
         <p:spPr>
           <a:xfrm>
-            <a:off x="914400" y="274640"/>
-            <a:ext cx="5562600" cy="5851525"/>
+            <a:off x="457200" y="274638"/>
+            <a:ext cx="6019800" cy="5851525"/>
           </a:xfrm>
         </p:spPr>
         <p:txBody>
           <a:bodyPr vert="eaVert"/>
           <a:lstStyle/>
           <a:p>
-            <a:pPr lvl="0" eaLnBrk="1" latinLnBrk="0" hangingPunct="1"/>
+            <a:pPr lvl="0"/>
             <a:r>
               <a:rPr lang="en-US" smtClean="0"/>
               <a:t>Click to edit Master text styles</a:t>
             </a:r>
           </a:p>
           <a:p>
-            <a:pPr lvl="1" eaLnBrk="1" latinLnBrk="0" hangingPunct="1"/>
+            <a:pPr lvl="1"/>
             <a:r>
               <a:rPr lang="en-US" smtClean="0"/>
               <a:t>Second level</a:t>
             </a:r>
           </a:p>
           <a:p>
-            <a:pPr lvl="2" eaLnBrk="1" latinLnBrk="0" hangingPunct="1"/>
+            <a:pPr lvl="2"/>
             <a:r>
               <a:rPr lang="en-US" smtClean="0"/>
               <a:t>Third level</a:t>
             </a:r>
           </a:p>
           <a:p>
-            <a:pPr lvl="3" eaLnBrk="1" latinLnBrk="0" hangingPunct="1"/>
+            <a:pPr lvl="3"/>
             <a:r>
               <a:rPr lang="en-US" smtClean="0"/>
               <a:t>Fourth level</a:t>
             </a:r>
           </a:p>
           <a:p>
-            <a:pPr lvl="4" eaLnBrk="1" latinLnBrk="0" hangingPunct="1"/>
+            <a:pPr lvl="4"/>
             <a:r>
               <a:rPr lang="en-US" smtClean="0"/>
               <a:t>Fifth level</a:t>
             </a:r>
-            <a:endParaRPr kumimoji="0" lang="en-US"/>
+            <a:endParaRPr lang="en-US"/>
           </a:p>
         </p:txBody>
       </p:sp>
@@ -1309,10 +1188,9 @@
           <a:bodyPr/>
           <a:lstStyle/>
           <a:p>
-            <a:fld id="{50C22E0E-5282-4DB8-9E03-82A09F8E2536}" type="datetime1">
+            <a:fld id="{738623D2-5336-47B8-A4C9-3CB9BA2D7BC5}" type="datetime1">
               <a:rPr lang="en-US" smtClean="0"/>
-              <a:pPr/>
-              <a:t>2/7/2018</a:t>
+              <a:t>2/8/2018</a:t>
             </a:fld>
             <a:endParaRPr lang="en-US" dirty="0"/>
           </a:p>
@@ -1402,10 +1280,62 @@
           <a:lstStyle/>
           <a:p>
             <a:r>
-              <a:rPr kumimoji="0" lang="en-US" smtClean="0"/>
+              <a:rPr lang="en-US" smtClean="0"/>
               <a:t>Click to edit Master title style</a:t>
             </a:r>
-            <a:endParaRPr kumimoji="0" lang="en-US"/>
+            <a:endParaRPr lang="en-US"/>
+          </a:p>
+        </p:txBody>
+      </p:sp>
+      <p:sp>
+        <p:nvSpPr>
+          <p:cNvPr id="3" name="Content Placeholder 2"/>
+          <p:cNvSpPr>
+            <a:spLocks noGrp="1"/>
+          </p:cNvSpPr>
+          <p:nvPr>
+            <p:ph idx="1"/>
+          </p:nvPr>
+        </p:nvSpPr>
+        <p:spPr/>
+        <p:txBody>
+          <a:bodyPr/>
+          <a:lstStyle/>
+          <a:p>
+            <a:pPr lvl="0"/>
+            <a:r>
+              <a:rPr lang="en-US" smtClean="0"/>
+              <a:t>Click to edit Master text styles</a:t>
+            </a:r>
+          </a:p>
+          <a:p>
+            <a:pPr lvl="1"/>
+            <a:r>
+              <a:rPr lang="en-US" smtClean="0"/>
+              <a:t>Second level</a:t>
+            </a:r>
+          </a:p>
+          <a:p>
+            <a:pPr lvl="2"/>
+            <a:r>
+              <a:rPr lang="en-US" smtClean="0"/>
+              <a:t>Third level</a:t>
+            </a:r>
+          </a:p>
+          <a:p>
+            <a:pPr lvl="3"/>
+            <a:r>
+              <a:rPr lang="en-US" smtClean="0"/>
+              <a:t>Fourth level</a:t>
+            </a:r>
+          </a:p>
+          <a:p>
+            <a:pPr lvl="4"/>
+            <a:r>
+              <a:rPr lang="en-US" smtClean="0"/>
+              <a:t>Fifth level</a:t>
+            </a:r>
+            <a:endParaRPr lang="en-US"/>
           </a:p>
         </p:txBody>
       </p:sp>
@@ -1424,10 +1354,9 @@
           <a:bodyPr/>
           <a:lstStyle/>
           <a:p>
-            <a:fld id="{84E2092B-2A34-4136-A548-EDE47004FF71}" type="datetime1">
+            <a:fld id="{61F9D1E5-2022-4EF0-929C-1FB5C4265DF6}" type="datetime1">
               <a:rPr lang="en-US" smtClean="0"/>
-              <a:pPr/>
-              <a:t>2/7/2018</a:t>
+              <a:t>2/8/2018</a:t>
             </a:fld>
             <a:endParaRPr lang="en-US" dirty="0"/>
           </a:p>
@@ -1476,63 +1405,6 @@
           </a:p>
         </p:txBody>
       </p:sp>
-      <p:sp>
-        <p:nvSpPr>
-          <p:cNvPr id="8" name="Content Placeholder 7"/>
-          <p:cNvSpPr>
-            <a:spLocks noGrp="1"/>
-          </p:cNvSpPr>
-          <p:nvPr>
-            <p:ph sz="quarter" idx="1"/>
-          </p:nvPr>
-        </p:nvSpPr>
-        <p:spPr>
-          <a:xfrm>
-            <a:off x="914400" y="1447800"/>
-            <a:ext cx="7772400" cy="4572000"/>
-          </a:xfrm>
-        </p:spPr>
-        <p:txBody>
-          <a:bodyPr vert="horz"/>
-          <a:lstStyle/>
-          <a:p>
-            <a:pPr lvl="0" eaLnBrk="1" latinLnBrk="0" hangingPunct="1"/>
-            <a:r>
-              <a:rPr lang="en-US" smtClean="0"/>
-              <a:t>Click to edit Master text styles</a:t>
-            </a:r>
-          </a:p>
-          <a:p>
-            <a:pPr lvl="1" eaLnBrk="1" latinLnBrk="0" hangingPunct="1"/>
-            <a:r>
-              <a:rPr lang="en-US" smtClean="0"/>
-              <a:t>Second level</a:t>
-            </a:r>
-          </a:p>
-          <a:p>
-            <a:pPr lvl="2" eaLnBrk="1" latinLnBrk="0" hangingPunct="1"/>
-            <a:r>
-              <a:rPr lang="en-US" smtClean="0"/>
-              <a:t>Third level</a:t>
-            </a:r>
-          </a:p>
-          <a:p>
-            <a:pPr lvl="3" eaLnBrk="1" latinLnBrk="0" hangingPunct="1"/>
-            <a:r>
-              <a:rPr lang="en-US" smtClean="0"/>
-              <a:t>Fourth level</a:t>
-            </a:r>
-          </a:p>
-          <a:p>
-            <a:pPr lvl="4" eaLnBrk="1" latinLnBrk="0" hangingPunct="1"/>
-            <a:r>
-              <a:rPr lang="en-US" smtClean="0"/>
-              <a:t>Fifth level</a:t>
-            </a:r>
-            <a:endParaRPr kumimoji="0" lang="en-US"/>
-          </a:p>
-        </p:txBody>
-      </p:sp>
     </p:spTree>
   </p:cSld>
   <p:clrMapOvr>
@@ -1542,13 +1414,8 @@
 </file>
 
 <file path=ppt/slideLayouts/slideLayout3.xml><?xml version="1.0" encoding="utf-8"?>
-<p:sldLayout xmlns:a="http://schemas.openxmlformats.org/drawingml/2006/main" xmlns:r="http://schemas.openxmlformats.org/officeDocument/2006/relationships" xmlns:p="http://schemas.openxmlformats.org/presentationml/2006/main" showMasterSp="0" type="secHead" preserve="1">
+<p:sldLayout xmlns:a="http://schemas.openxmlformats.org/drawingml/2006/main" xmlns:r="http://schemas.openxmlformats.org/officeDocument/2006/relationships" xmlns:p="http://schemas.openxmlformats.org/presentationml/2006/main" type="secHead" preserve="1">
   <p:cSld name="Section Header">
-    <p:bg>
-      <p:bgRef idx="1003">
-        <a:schemeClr val="bg1"/>
-      </p:bgRef>
-    </p:bg>
     <p:spTree>
       <p:nvGrpSpPr>
         <p:cNvPr id="1" name=""/>
@@ -1565,100 +1432,6 @@
       </p:grpSpPr>
       <p:sp>
         <p:nvSpPr>
-          <p:cNvPr id="11" name="Rectangle 10"/>
-          <p:cNvSpPr/>
-          <p:nvPr/>
-        </p:nvSpPr>
-        <p:spPr>
-          <a:xfrm>
-            <a:off x="0" y="0"/>
-            <a:ext cx="9144000" cy="6858000"/>
-          </a:xfrm>
-          <a:prstGeom prst="rect">
-            <a:avLst/>
-          </a:prstGeom>
-          <a:solidFill>
-            <a:srgbClr val="FFFFFF"/>
-          </a:solidFill>
-          <a:ln w="12700" cap="flat" cmpd="sng" algn="ctr">
-            <a:noFill/>
-            <a:prstDash val="solid"/>
-          </a:ln>
-        </p:spPr>
-        <p:style>
-          <a:lnRef idx="2">
-            <a:schemeClr val="accent1"/>
-          </a:lnRef>
-          <a:fillRef idx="1">
-            <a:schemeClr val="accent1"/>
-          </a:fillRef>
-          <a:effectRef idx="0">
-            <a:schemeClr val="accent1"/>
-          </a:effectRef>
-          <a:fontRef idx="minor">
-            <a:schemeClr val="lt1"/>
-          </a:fontRef>
-        </p:style>
-        <p:txBody>
-          <a:bodyPr rtlCol="0" anchor="ctr"/>
-          <a:lstStyle/>
-          <a:p>
-            <a:pPr algn="ctr" eaLnBrk="1" latinLnBrk="0" hangingPunct="1"/>
-            <a:endParaRPr kumimoji="0" lang="en-US" dirty="0"/>
-          </a:p>
-        </p:txBody>
-      </p:sp>
-      <p:sp useBgFill="1">
-        <p:nvSpPr>
-          <p:cNvPr id="10" name="Rounded Rectangle 9"/>
-          <p:cNvSpPr/>
-          <p:nvPr/>
-        </p:nvSpPr>
-        <p:spPr>
-          <a:xfrm>
-            <a:off x="65313" y="69755"/>
-            <a:ext cx="9013372" cy="6692201"/>
-          </a:xfrm>
-          <a:prstGeom prst="roundRect">
-            <a:avLst>
-              <a:gd name="adj" fmla="val 4929"/>
-            </a:avLst>
-          </a:prstGeom>
-          <a:ln w="6350" cap="sq" cmpd="sng" algn="ctr">
-            <a:solidFill>
-              <a:schemeClr val="tx1">
-                <a:alpha val="100000"/>
-              </a:schemeClr>
-            </a:solidFill>
-            <a:prstDash val="solid"/>
-          </a:ln>
-          <a:effectLst/>
-        </p:spPr>
-        <p:style>
-          <a:lnRef idx="3">
-            <a:schemeClr val="lt1"/>
-          </a:lnRef>
-          <a:fillRef idx="1003">
-            <a:schemeClr val="lt1"/>
-          </a:fillRef>
-          <a:effectRef idx="1">
-            <a:schemeClr val="accent1"/>
-          </a:effectRef>
-          <a:fontRef idx="minor">
-            <a:schemeClr val="lt1"/>
-          </a:fontRef>
-        </p:style>
-        <p:txBody>
-          <a:bodyPr anchor="ctr"/>
-          <a:lstStyle/>
-          <a:p>
-            <a:pPr algn="ctr" eaLnBrk="1" latinLnBrk="0" hangingPunct="1"/>
-            <a:endParaRPr kumimoji="0" lang="en-US" dirty="0"/>
-          </a:p>
-        </p:txBody>
-      </p:sp>
-      <p:sp>
-        <p:nvSpPr>
           <p:cNvPr id="2" name="Title 1"/>
           <p:cNvSpPr>
             <a:spLocks noGrp="1"/>
@@ -1669,24 +1442,23 @@
         </p:nvSpPr>
         <p:spPr>
           <a:xfrm>
-            <a:off x="722313" y="952500"/>
+            <a:off x="722313" y="4406900"/>
             <a:ext cx="7772400" cy="1362075"/>
           </a:xfrm>
         </p:spPr>
         <p:txBody>
-          <a:bodyPr anchor="b" anchorCtr="0"/>
+          <a:bodyPr anchor="t"/>
           <a:lstStyle>
             <a:lvl1pPr algn="l">
-              <a:buNone/>
-              <a:defRPr sz="4000" b="0" cap="none"/>
+              <a:defRPr sz="4000" b="1" cap="all"/>
             </a:lvl1pPr>
           </a:lstStyle>
           <a:p>
             <a:r>
-              <a:rPr kumimoji="0" lang="en-US" smtClean="0"/>
+              <a:rPr lang="en-US" smtClean="0"/>
               <a:t>Click to edit Master title style</a:t>
             </a:r>
-            <a:endParaRPr kumimoji="0" lang="en-US"/>
+            <a:endParaRPr lang="en-US"/>
           </a:p>
         </p:txBody>
       </p:sp>
@@ -1702,16 +1474,16 @@
         </p:nvSpPr>
         <p:spPr>
           <a:xfrm>
-            <a:off x="722313" y="2547938"/>
-            <a:ext cx="7772400" cy="1338262"/>
+            <a:off x="722313" y="2906713"/>
+            <a:ext cx="7772400" cy="1500187"/>
           </a:xfrm>
         </p:spPr>
         <p:txBody>
-          <a:bodyPr anchor="t" anchorCtr="0"/>
+          <a:bodyPr anchor="b"/>
           <a:lstStyle>
             <a:lvl1pPr marL="0" indent="0">
               <a:buNone/>
-              <a:defRPr sz="2400">
+              <a:defRPr sz="2000">
                 <a:solidFill>
                   <a:schemeClr val="tx1">
                     <a:tint val="75000"/>
@@ -1719,7 +1491,7 @@
                 </a:solidFill>
               </a:defRPr>
             </a:lvl1pPr>
-            <a:lvl2pPr>
+            <a:lvl2pPr marL="457200" indent="0">
               <a:buNone/>
               <a:defRPr sz="1800">
                 <a:solidFill>
@@ -1729,7 +1501,7 @@
                 </a:solidFill>
               </a:defRPr>
             </a:lvl2pPr>
-            <a:lvl3pPr>
+            <a:lvl3pPr marL="914400" indent="0">
               <a:buNone/>
               <a:defRPr sz="1600">
                 <a:solidFill>
@@ -1739,7 +1511,7 @@
                 </a:solidFill>
               </a:defRPr>
             </a:lvl3pPr>
-            <a:lvl4pPr>
+            <a:lvl4pPr marL="1371600" indent="0">
               <a:buNone/>
               <a:defRPr sz="1400">
                 <a:solidFill>
@@ -1749,7 +1521,7 @@
                 </a:solidFill>
               </a:defRPr>
             </a:lvl4pPr>
-            <a:lvl5pPr>
+            <a:lvl5pPr marL="1828800" indent="0">
               <a:buNone/>
               <a:defRPr sz="1400">
                 <a:solidFill>
@@ -1759,11 +1531,51 @@
                 </a:solidFill>
               </a:defRPr>
             </a:lvl5pPr>
+            <a:lvl6pPr marL="2286000" indent="0">
+              <a:buNone/>
+              <a:defRPr sz="1400">
+                <a:solidFill>
+                  <a:schemeClr val="tx1">
+                    <a:tint val="75000"/>
+                  </a:schemeClr>
+                </a:solidFill>
+              </a:defRPr>
+            </a:lvl6pPr>
+            <a:lvl7pPr marL="2743200" indent="0">
+              <a:buNone/>
+              <a:defRPr sz="1400">
+                <a:solidFill>
+                  <a:schemeClr val="tx1">
+                    <a:tint val="75000"/>
+                  </a:schemeClr>
+                </a:solidFill>
+              </a:defRPr>
+            </a:lvl7pPr>
+            <a:lvl8pPr marL="3200400" indent="0">
+              <a:buNone/>
+              <a:defRPr sz="1400">
+                <a:solidFill>
+                  <a:schemeClr val="tx1">
+                    <a:tint val="75000"/>
+                  </a:schemeClr>
+                </a:solidFill>
+              </a:defRPr>
+            </a:lvl8pPr>
+            <a:lvl9pPr marL="3657600" indent="0">
+              <a:buNone/>
+              <a:defRPr sz="1400">
+                <a:solidFill>
+                  <a:schemeClr val="tx1">
+                    <a:tint val="75000"/>
+                  </a:schemeClr>
+                </a:solidFill>
+              </a:defRPr>
+            </a:lvl9pPr>
           </a:lstStyle>
           <a:p>
-            <a:pPr lvl="0" eaLnBrk="1" latinLnBrk="0" hangingPunct="1"/>
-            <a:r>
-              <a:rPr kumimoji="0" lang="en-US" smtClean="0"/>
+            <a:pPr lvl="0"/>
+            <a:r>
+              <a:rPr lang="en-US" smtClean="0"/>
               <a:t>Click to edit Master text styles</a:t>
             </a:r>
           </a:p>
@@ -1784,10 +1596,9 @@
           <a:bodyPr/>
           <a:lstStyle/>
           <a:p>
-            <a:fld id="{74AE89ED-F78F-4439-AC27-D4E073EAF3A7}" type="datetime1">
+            <a:fld id="{9576C2B8-4D28-4A17-A2C9-60EC8CA32445}" type="datetime1">
               <a:rPr lang="en-US" smtClean="0"/>
-              <a:pPr/>
-              <a:t>2/7/2018</a:t>
+              <a:t>2/8/2018</a:t>
             </a:fld>
             <a:endParaRPr lang="en-US" dirty="0"/>
           </a:p>
@@ -1803,159 +1614,12 @@
             <p:ph type="ftr" sz="quarter" idx="11"/>
           </p:nvPr>
         </p:nvSpPr>
-        <p:spPr>
-          <a:xfrm>
-            <a:off x="800100" y="6172200"/>
-            <a:ext cx="4000500" cy="457200"/>
-          </a:xfrm>
-        </p:spPr>
+        <p:spPr/>
         <p:txBody>
           <a:bodyPr/>
           <a:lstStyle/>
           <a:p>
             <a:endParaRPr lang="en-US" dirty="0"/>
-          </a:p>
-        </p:txBody>
-      </p:sp>
-      <p:sp>
-        <p:nvSpPr>
-          <p:cNvPr id="7" name="Rectangle 6"/>
-          <p:cNvSpPr/>
-          <p:nvPr/>
-        </p:nvSpPr>
-        <p:spPr>
-          <a:xfrm flipV="1">
-            <a:off x="69412" y="2376830"/>
-            <a:ext cx="9013515" cy="91440"/>
-          </a:xfrm>
-          <a:prstGeom prst="rect">
-            <a:avLst/>
-          </a:prstGeom>
-          <a:solidFill>
-            <a:schemeClr val="accent1">
-              <a:alpha val="100000"/>
-            </a:schemeClr>
-          </a:solidFill>
-          <a:ln w="19050" cap="sq" cmpd="sng" algn="ctr">
-            <a:noFill/>
-            <a:prstDash val="solid"/>
-          </a:ln>
-          <a:effectLst/>
-        </p:spPr>
-        <p:style>
-          <a:lnRef idx="3">
-            <a:schemeClr val="lt1"/>
-          </a:lnRef>
-          <a:fillRef idx="1">
-            <a:schemeClr val="accent1"/>
-          </a:fillRef>
-          <a:effectRef idx="1">
-            <a:schemeClr val="accent1"/>
-          </a:effectRef>
-          <a:fontRef idx="minor">
-            <a:schemeClr val="lt1"/>
-          </a:fontRef>
-        </p:style>
-        <p:txBody>
-          <a:bodyPr anchor="ctr"/>
-          <a:lstStyle/>
-          <a:p>
-            <a:pPr algn="ctr" eaLnBrk="1" latinLnBrk="0" hangingPunct="1"/>
-            <a:endParaRPr kumimoji="0" lang="en-US" dirty="0"/>
-          </a:p>
-        </p:txBody>
-      </p:sp>
-      <p:sp>
-        <p:nvSpPr>
-          <p:cNvPr id="8" name="Rectangle 7"/>
-          <p:cNvSpPr/>
-          <p:nvPr/>
-        </p:nvSpPr>
-        <p:spPr>
-          <a:xfrm>
-            <a:off x="69146" y="2341475"/>
-            <a:ext cx="9013781" cy="45719"/>
-          </a:xfrm>
-          <a:prstGeom prst="rect">
-            <a:avLst/>
-          </a:prstGeom>
-          <a:solidFill>
-            <a:schemeClr val="accent1">
-              <a:tint val="60000"/>
-            </a:schemeClr>
-          </a:solidFill>
-          <a:ln w="19050" cap="sq" cmpd="sng" algn="ctr">
-            <a:noFill/>
-            <a:prstDash val="solid"/>
-          </a:ln>
-          <a:effectLst/>
-        </p:spPr>
-        <p:style>
-          <a:lnRef idx="3">
-            <a:schemeClr val="lt1"/>
-          </a:lnRef>
-          <a:fillRef idx="1">
-            <a:schemeClr val="accent1"/>
-          </a:fillRef>
-          <a:effectRef idx="1">
-            <a:schemeClr val="accent1"/>
-          </a:effectRef>
-          <a:fontRef idx="minor">
-            <a:schemeClr val="lt1"/>
-          </a:fontRef>
-        </p:style>
-        <p:txBody>
-          <a:bodyPr anchor="ctr"/>
-          <a:lstStyle/>
-          <a:p>
-            <a:pPr algn="ctr" eaLnBrk="1" latinLnBrk="0" hangingPunct="1"/>
-            <a:endParaRPr kumimoji="0" lang="en-US" dirty="0"/>
-          </a:p>
-        </p:txBody>
-      </p:sp>
-      <p:sp>
-        <p:nvSpPr>
-          <p:cNvPr id="9" name="Rectangle 8"/>
-          <p:cNvSpPr/>
-          <p:nvPr/>
-        </p:nvSpPr>
-        <p:spPr>
-          <a:xfrm>
-            <a:off x="68306" y="2468880"/>
-            <a:ext cx="9014621" cy="45720"/>
-          </a:xfrm>
-          <a:prstGeom prst="rect">
-            <a:avLst/>
-          </a:prstGeom>
-          <a:solidFill>
-            <a:schemeClr val="accent5"/>
-          </a:solidFill>
-          <a:ln w="19050" cap="sq" cmpd="sng" algn="ctr">
-            <a:noFill/>
-            <a:prstDash val="solid"/>
-          </a:ln>
-          <a:effectLst/>
-        </p:spPr>
-        <p:style>
-          <a:lnRef idx="3">
-            <a:schemeClr val="lt1"/>
-          </a:lnRef>
-          <a:fillRef idx="1">
-            <a:schemeClr val="accent1"/>
-          </a:fillRef>
-          <a:effectRef idx="1">
-            <a:schemeClr val="accent1"/>
-          </a:effectRef>
-          <a:fontRef idx="minor">
-            <a:schemeClr val="lt1"/>
-          </a:fontRef>
-        </p:style>
-        <p:txBody>
-          <a:bodyPr anchor="ctr"/>
-          <a:lstStyle/>
-          <a:p>
-            <a:pPr algn="ctr" eaLnBrk="1" latinLnBrk="0" hangingPunct="1"/>
-            <a:endParaRPr kumimoji="0" lang="en-US" dirty="0"/>
           </a:p>
         </p:txBody>
       </p:sp>
@@ -1969,12 +1633,7 @@
             <p:ph type="sldNum" sz="quarter" idx="12"/>
           </p:nvPr>
         </p:nvSpPr>
-        <p:spPr>
-          <a:xfrm>
-            <a:off x="146304" y="6208776"/>
-            <a:ext cx="457200" cy="457200"/>
-          </a:xfrm>
-        </p:spPr>
+        <p:spPr/>
         <p:txBody>
           <a:bodyPr/>
           <a:lstStyle/>
@@ -1991,7 +1650,7 @@
     </p:spTree>
   </p:cSld>
   <p:clrMapOvr>
-    <a:overrideClrMapping bg1="lt1" tx1="dk1" bg2="lt2" tx2="dk2" accent1="accent1" accent2="accent2" accent3="accent3" accent4="accent4" accent5="accent5" accent6="accent6" hlink="hlink" folHlink="folHlink"/>
+    <a:masterClrMapping/>
   </p:clrMapOvr>
 </p:sldLayout>
 </file>
@@ -2029,10 +1688,180 @@
           <a:lstStyle/>
           <a:p>
             <a:r>
-              <a:rPr kumimoji="0" lang="en-US" smtClean="0"/>
+              <a:rPr lang="en-US" smtClean="0"/>
               <a:t>Click to edit Master title style</a:t>
             </a:r>
-            <a:endParaRPr kumimoji="0" lang="en-US"/>
+            <a:endParaRPr lang="en-US"/>
+          </a:p>
+        </p:txBody>
+      </p:sp>
+      <p:sp>
+        <p:nvSpPr>
+          <p:cNvPr id="3" name="Content Placeholder 2"/>
+          <p:cNvSpPr>
+            <a:spLocks noGrp="1"/>
+          </p:cNvSpPr>
+          <p:nvPr>
+            <p:ph sz="half" idx="1"/>
+          </p:nvPr>
+        </p:nvSpPr>
+        <p:spPr>
+          <a:xfrm>
+            <a:off x="457200" y="1600200"/>
+            <a:ext cx="4038600" cy="4525963"/>
+          </a:xfrm>
+        </p:spPr>
+        <p:txBody>
+          <a:bodyPr/>
+          <a:lstStyle>
+            <a:lvl1pPr>
+              <a:defRPr sz="2800"/>
+            </a:lvl1pPr>
+            <a:lvl2pPr>
+              <a:defRPr sz="2400"/>
+            </a:lvl2pPr>
+            <a:lvl3pPr>
+              <a:defRPr sz="2000"/>
+            </a:lvl3pPr>
+            <a:lvl4pPr>
+              <a:defRPr sz="1800"/>
+            </a:lvl4pPr>
+            <a:lvl5pPr>
+              <a:defRPr sz="1800"/>
+            </a:lvl5pPr>
+            <a:lvl6pPr>
+              <a:defRPr sz="1800"/>
+            </a:lvl6pPr>
+            <a:lvl7pPr>
+              <a:defRPr sz="1800"/>
+            </a:lvl7pPr>
+            <a:lvl8pPr>
+              <a:defRPr sz="1800"/>
+            </a:lvl8pPr>
+            <a:lvl9pPr>
+              <a:defRPr sz="1800"/>
+            </a:lvl9pPr>
+          </a:lstStyle>
+          <a:p>
+            <a:pPr lvl="0"/>
+            <a:r>
+              <a:rPr lang="en-US" smtClean="0"/>
+              <a:t>Click to edit Master text styles</a:t>
+            </a:r>
+          </a:p>
+          <a:p>
+            <a:pPr lvl="1"/>
+            <a:r>
+              <a:rPr lang="en-US" smtClean="0"/>
+              <a:t>Second level</a:t>
+            </a:r>
+          </a:p>
+          <a:p>
+            <a:pPr lvl="2"/>
+            <a:r>
+              <a:rPr lang="en-US" smtClean="0"/>
+              <a:t>Third level</a:t>
+            </a:r>
+          </a:p>
+          <a:p>
+            <a:pPr lvl="3"/>
+            <a:r>
+              <a:rPr lang="en-US" smtClean="0"/>
+              <a:t>Fourth level</a:t>
+            </a:r>
+          </a:p>
+          <a:p>
+            <a:pPr lvl="4"/>
+            <a:r>
+              <a:rPr lang="en-US" smtClean="0"/>
+              <a:t>Fifth level</a:t>
+            </a:r>
+            <a:endParaRPr lang="en-US"/>
+          </a:p>
+        </p:txBody>
+      </p:sp>
+      <p:sp>
+        <p:nvSpPr>
+          <p:cNvPr id="4" name="Content Placeholder 3"/>
+          <p:cNvSpPr>
+            <a:spLocks noGrp="1"/>
+          </p:cNvSpPr>
+          <p:nvPr>
+            <p:ph sz="half" idx="2"/>
+          </p:nvPr>
+        </p:nvSpPr>
+        <p:spPr>
+          <a:xfrm>
+            <a:off x="4648200" y="1600200"/>
+            <a:ext cx="4038600" cy="4525963"/>
+          </a:xfrm>
+        </p:spPr>
+        <p:txBody>
+          <a:bodyPr/>
+          <a:lstStyle>
+            <a:lvl1pPr>
+              <a:defRPr sz="2800"/>
+            </a:lvl1pPr>
+            <a:lvl2pPr>
+              <a:defRPr sz="2400"/>
+            </a:lvl2pPr>
+            <a:lvl3pPr>
+              <a:defRPr sz="2000"/>
+            </a:lvl3pPr>
+            <a:lvl4pPr>
+              <a:defRPr sz="1800"/>
+            </a:lvl4pPr>
+            <a:lvl5pPr>
+              <a:defRPr sz="1800"/>
+            </a:lvl5pPr>
+            <a:lvl6pPr>
+              <a:defRPr sz="1800"/>
+            </a:lvl6pPr>
+            <a:lvl7pPr>
+              <a:defRPr sz="1800"/>
+            </a:lvl7pPr>
+            <a:lvl8pPr>
+              <a:defRPr sz="1800"/>
+            </a:lvl8pPr>
+            <a:lvl9pPr>
+              <a:defRPr sz="1800"/>
+            </a:lvl9pPr>
+          </a:lstStyle>
+          <a:p>
+            <a:pPr lvl="0"/>
+            <a:r>
+              <a:rPr lang="en-US" smtClean="0"/>
+              <a:t>Click to edit Master text styles</a:t>
+            </a:r>
+          </a:p>
+          <a:p>
+            <a:pPr lvl="1"/>
+            <a:r>
+              <a:rPr lang="en-US" smtClean="0"/>
+              <a:t>Second level</a:t>
+            </a:r>
+          </a:p>
+          <a:p>
+            <a:pPr lvl="2"/>
+            <a:r>
+              <a:rPr lang="en-US" smtClean="0"/>
+              <a:t>Third level</a:t>
+            </a:r>
+          </a:p>
+          <a:p>
+            <a:pPr lvl="3"/>
+            <a:r>
+              <a:rPr lang="en-US" smtClean="0"/>
+              <a:t>Fourth level</a:t>
+            </a:r>
+          </a:p>
+          <a:p>
+            <a:pPr lvl="4"/>
+            <a:r>
+              <a:rPr lang="en-US" smtClean="0"/>
+              <a:t>Fifth level</a:t>
+            </a:r>
+            <a:endParaRPr lang="en-US"/>
           </a:p>
         </p:txBody>
       </p:sp>
@@ -2051,10 +1880,9 @@
           <a:bodyPr/>
           <a:lstStyle/>
           <a:p>
-            <a:fld id="{CA5FE788-95F1-4C3B-94B6-001B8A1DE9F5}" type="datetime1">
+            <a:fld id="{D91A83BE-178A-4EC6-8F9D-96F91E93EFFB}" type="datetime1">
               <a:rPr lang="en-US" smtClean="0"/>
-              <a:pPr/>
-              <a:t>2/7/2018</a:t>
+              <a:t>2/8/2018</a:t>
             </a:fld>
             <a:endParaRPr lang="en-US" dirty="0"/>
           </a:p>
@@ -2100,120 +1928,6 @@
               <a:t>‹#›</a:t>
             </a:fld>
             <a:endParaRPr lang="en-US" dirty="0"/>
-          </a:p>
-        </p:txBody>
-      </p:sp>
-      <p:sp>
-        <p:nvSpPr>
-          <p:cNvPr id="9" name="Content Placeholder 8"/>
-          <p:cNvSpPr>
-            <a:spLocks noGrp="1"/>
-          </p:cNvSpPr>
-          <p:nvPr>
-            <p:ph sz="quarter" idx="1"/>
-          </p:nvPr>
-        </p:nvSpPr>
-        <p:spPr>
-          <a:xfrm>
-            <a:off x="914400" y="1447800"/>
-            <a:ext cx="3749040" cy="4572000"/>
-          </a:xfrm>
-        </p:spPr>
-        <p:txBody>
-          <a:bodyPr vert="horz"/>
-          <a:lstStyle/>
-          <a:p>
-            <a:pPr lvl="0" eaLnBrk="1" latinLnBrk="0" hangingPunct="1"/>
-            <a:r>
-              <a:rPr lang="en-US" smtClean="0"/>
-              <a:t>Click to edit Master text styles</a:t>
-            </a:r>
-          </a:p>
-          <a:p>
-            <a:pPr lvl="1" eaLnBrk="1" latinLnBrk="0" hangingPunct="1"/>
-            <a:r>
-              <a:rPr lang="en-US" smtClean="0"/>
-              <a:t>Second level</a:t>
-            </a:r>
-          </a:p>
-          <a:p>
-            <a:pPr lvl="2" eaLnBrk="1" latinLnBrk="0" hangingPunct="1"/>
-            <a:r>
-              <a:rPr lang="en-US" smtClean="0"/>
-              <a:t>Third level</a:t>
-            </a:r>
-          </a:p>
-          <a:p>
-            <a:pPr lvl="3" eaLnBrk="1" latinLnBrk="0" hangingPunct="1"/>
-            <a:r>
-              <a:rPr lang="en-US" smtClean="0"/>
-              <a:t>Fourth level</a:t>
-            </a:r>
-          </a:p>
-          <a:p>
-            <a:pPr lvl="4" eaLnBrk="1" latinLnBrk="0" hangingPunct="1"/>
-            <a:r>
-              <a:rPr lang="en-US" smtClean="0"/>
-              <a:t>Fifth level</a:t>
-            </a:r>
-            <a:endParaRPr kumimoji="0" lang="en-US"/>
-          </a:p>
-        </p:txBody>
-      </p:sp>
-      <p:sp>
-        <p:nvSpPr>
-          <p:cNvPr id="11" name="Content Placeholder 10"/>
-          <p:cNvSpPr>
-            <a:spLocks noGrp="1"/>
-          </p:cNvSpPr>
-          <p:nvPr>
-            <p:ph sz="quarter" idx="2"/>
-          </p:nvPr>
-        </p:nvSpPr>
-        <p:spPr>
-          <a:xfrm>
-            <a:off x="4933950" y="1447800"/>
-            <a:ext cx="3749040" cy="4572000"/>
-          </a:xfrm>
-        </p:spPr>
-        <p:txBody>
-          <a:bodyPr vert="horz"/>
-          <a:lstStyle/>
-          <a:p>
-            <a:pPr lvl="0" eaLnBrk="1" latinLnBrk="0" hangingPunct="1"/>
-            <a:r>
-              <a:rPr lang="en-US" smtClean="0"/>
-              <a:t>Click to edit Master text styles</a:t>
-            </a:r>
-          </a:p>
-          <a:p>
-            <a:pPr lvl="1" eaLnBrk="1" latinLnBrk="0" hangingPunct="1"/>
-            <a:r>
-              <a:rPr lang="en-US" smtClean="0"/>
-              <a:t>Second level</a:t>
-            </a:r>
-          </a:p>
-          <a:p>
-            <a:pPr lvl="2" eaLnBrk="1" latinLnBrk="0" hangingPunct="1"/>
-            <a:r>
-              <a:rPr lang="en-US" smtClean="0"/>
-              <a:t>Third level</a:t>
-            </a:r>
-          </a:p>
-          <a:p>
-            <a:pPr lvl="3" eaLnBrk="1" latinLnBrk="0" hangingPunct="1"/>
-            <a:r>
-              <a:rPr lang="en-US" smtClean="0"/>
-              <a:t>Fourth level</a:t>
-            </a:r>
-          </a:p>
-          <a:p>
-            <a:pPr lvl="4" eaLnBrk="1" latinLnBrk="0" hangingPunct="1"/>
-            <a:r>
-              <a:rPr lang="en-US" smtClean="0"/>
-              <a:t>Fifth level</a:t>
-            </a:r>
-            <a:endParaRPr kumimoji="0" lang="en-US"/>
           </a:p>
         </p:txBody>
       </p:sp>
@@ -2252,14 +1966,9 @@
             <p:ph type="title"/>
           </p:nvPr>
         </p:nvSpPr>
-        <p:spPr>
-          <a:xfrm>
-            <a:off x="914400" y="273050"/>
-            <a:ext cx="7772400" cy="1143000"/>
-          </a:xfrm>
-        </p:spPr>
+        <p:spPr/>
         <p:txBody>
-          <a:bodyPr anchor="b" anchorCtr="0"/>
+          <a:bodyPr/>
           <a:lstStyle>
             <a:lvl1pPr>
               <a:defRPr/>
@@ -2267,10 +1976,10 @@
           </a:lstStyle>
           <a:p>
             <a:r>
-              <a:rPr kumimoji="0" lang="en-US" smtClean="0"/>
+              <a:rPr lang="en-US" smtClean="0"/>
               <a:t>Click to edit Master title style</a:t>
             </a:r>
-            <a:endParaRPr kumimoji="0" lang="en-US"/>
+            <a:endParaRPr lang="en-US"/>
           </a:p>
         </p:txBody>
       </p:sp>
@@ -2286,52 +1995,54 @@
         </p:nvSpPr>
         <p:spPr>
           <a:xfrm>
-            <a:off x="914400" y="1447800"/>
-            <a:ext cx="3733800" cy="762000"/>
+            <a:off x="457200" y="1535113"/>
+            <a:ext cx="4040188" cy="639762"/>
           </a:xfrm>
-          <a:noFill/>
-          <a:ln w="12700" cap="sq" cmpd="sng" algn="ctr">
-            <a:noFill/>
-            <a:prstDash val="solid"/>
-          </a:ln>
         </p:spPr>
         <p:txBody>
-          <a:bodyPr lIns="91440" anchor="b" anchorCtr="0">
-            <a:noAutofit/>
-          </a:bodyPr>
+          <a:bodyPr anchor="b"/>
           <a:lstStyle>
             <a:lvl1pPr marL="0" indent="0">
               <a:buNone/>
-              <a:defRPr sz="2400" b="1">
-                <a:solidFill>
-                  <a:schemeClr val="accent1"/>
-                </a:solidFill>
-                <a:latin typeface="+mj-lt"/>
-                <a:ea typeface="+mj-ea"/>
-                <a:cs typeface="+mj-cs"/>
-              </a:defRPr>
+              <a:defRPr sz="2400" b="1"/>
             </a:lvl1pPr>
-            <a:lvl2pPr>
+            <a:lvl2pPr marL="457200" indent="0">
               <a:buNone/>
               <a:defRPr sz="2000" b="1"/>
             </a:lvl2pPr>
-            <a:lvl3pPr>
+            <a:lvl3pPr marL="914400" indent="0">
               <a:buNone/>
               <a:defRPr sz="1800" b="1"/>
             </a:lvl3pPr>
-            <a:lvl4pPr>
+            <a:lvl4pPr marL="1371600" indent="0">
               <a:buNone/>
               <a:defRPr sz="1600" b="1"/>
             </a:lvl4pPr>
-            <a:lvl5pPr>
+            <a:lvl5pPr marL="1828800" indent="0">
               <a:buNone/>
               <a:defRPr sz="1600" b="1"/>
             </a:lvl5pPr>
+            <a:lvl6pPr marL="2286000" indent="0">
+              <a:buNone/>
+              <a:defRPr sz="1600" b="1"/>
+            </a:lvl6pPr>
+            <a:lvl7pPr marL="2743200" indent="0">
+              <a:buNone/>
+              <a:defRPr sz="1600" b="1"/>
+            </a:lvl7pPr>
+            <a:lvl8pPr marL="3200400" indent="0">
+              <a:buNone/>
+              <a:defRPr sz="1600" b="1"/>
+            </a:lvl8pPr>
+            <a:lvl9pPr marL="3657600" indent="0">
+              <a:buNone/>
+              <a:defRPr sz="1600" b="1"/>
+            </a:lvl9pPr>
           </a:lstStyle>
           <a:p>
-            <a:pPr lvl="0" eaLnBrk="1" latinLnBrk="0" hangingPunct="1"/>
-            <a:r>
-              <a:rPr kumimoji="0" lang="en-US" smtClean="0"/>
+            <a:pPr lvl="0"/>
+            <a:r>
+              <a:rPr lang="en-US" smtClean="0"/>
               <a:t>Click to edit Master text styles</a:t>
             </a:r>
           </a:p>
@@ -2339,64 +2050,236 @@
       </p:sp>
       <p:sp>
         <p:nvSpPr>
-          <p:cNvPr id="4" name="Text Placeholder 3"/>
+          <p:cNvPr id="4" name="Content Placeholder 3"/>
           <p:cNvSpPr>
             <a:spLocks noGrp="1"/>
           </p:cNvSpPr>
           <p:nvPr>
-            <p:ph type="body" sz="half" idx="3"/>
+            <p:ph sz="half" idx="2"/>
           </p:nvPr>
         </p:nvSpPr>
         <p:spPr>
           <a:xfrm>
-            <a:off x="4953000" y="1447800"/>
-            <a:ext cx="3733800" cy="762000"/>
+            <a:off x="457200" y="2174875"/>
+            <a:ext cx="4040188" cy="3951288"/>
           </a:xfrm>
-          <a:noFill/>
-          <a:ln w="12700" cap="sq" cmpd="sng" algn="ctr">
-            <a:noFill/>
-            <a:prstDash val="solid"/>
-          </a:ln>
         </p:spPr>
         <p:txBody>
-          <a:bodyPr lIns="91440" anchor="b" anchorCtr="0">
-            <a:noAutofit/>
-          </a:bodyPr>
+          <a:bodyPr/>
+          <a:lstStyle>
+            <a:lvl1pPr>
+              <a:defRPr sz="2400"/>
+            </a:lvl1pPr>
+            <a:lvl2pPr>
+              <a:defRPr sz="2000"/>
+            </a:lvl2pPr>
+            <a:lvl3pPr>
+              <a:defRPr sz="1800"/>
+            </a:lvl3pPr>
+            <a:lvl4pPr>
+              <a:defRPr sz="1600"/>
+            </a:lvl4pPr>
+            <a:lvl5pPr>
+              <a:defRPr sz="1600"/>
+            </a:lvl5pPr>
+            <a:lvl6pPr>
+              <a:defRPr sz="1600"/>
+            </a:lvl6pPr>
+            <a:lvl7pPr>
+              <a:defRPr sz="1600"/>
+            </a:lvl7pPr>
+            <a:lvl8pPr>
+              <a:defRPr sz="1600"/>
+            </a:lvl8pPr>
+            <a:lvl9pPr>
+              <a:defRPr sz="1600"/>
+            </a:lvl9pPr>
+          </a:lstStyle>
+          <a:p>
+            <a:pPr lvl="0"/>
+            <a:r>
+              <a:rPr lang="en-US" smtClean="0"/>
+              <a:t>Click to edit Master text styles</a:t>
+            </a:r>
+          </a:p>
+          <a:p>
+            <a:pPr lvl="1"/>
+            <a:r>
+              <a:rPr lang="en-US" smtClean="0"/>
+              <a:t>Second level</a:t>
+            </a:r>
+          </a:p>
+          <a:p>
+            <a:pPr lvl="2"/>
+            <a:r>
+              <a:rPr lang="en-US" smtClean="0"/>
+              <a:t>Third level</a:t>
+            </a:r>
+          </a:p>
+          <a:p>
+            <a:pPr lvl="3"/>
+            <a:r>
+              <a:rPr lang="en-US" smtClean="0"/>
+              <a:t>Fourth level</a:t>
+            </a:r>
+          </a:p>
+          <a:p>
+            <a:pPr lvl="4"/>
+            <a:r>
+              <a:rPr lang="en-US" smtClean="0"/>
+              <a:t>Fifth level</a:t>
+            </a:r>
+            <a:endParaRPr lang="en-US"/>
+          </a:p>
+        </p:txBody>
+      </p:sp>
+      <p:sp>
+        <p:nvSpPr>
+          <p:cNvPr id="5" name="Text Placeholder 4"/>
+          <p:cNvSpPr>
+            <a:spLocks noGrp="1"/>
+          </p:cNvSpPr>
+          <p:nvPr>
+            <p:ph type="body" sz="quarter" idx="3"/>
+          </p:nvPr>
+        </p:nvSpPr>
+        <p:spPr>
+          <a:xfrm>
+            <a:off x="4645025" y="1535113"/>
+            <a:ext cx="4041775" cy="639762"/>
+          </a:xfrm>
+        </p:spPr>
+        <p:txBody>
+          <a:bodyPr anchor="b"/>
           <a:lstStyle>
             <a:lvl1pPr marL="0" indent="0">
               <a:buNone/>
-              <a:defRPr sz="2400" b="1">
-                <a:solidFill>
-                  <a:schemeClr val="accent1"/>
-                </a:solidFill>
-                <a:latin typeface="+mj-lt"/>
-                <a:ea typeface="+mj-ea"/>
-                <a:cs typeface="+mj-cs"/>
-              </a:defRPr>
+              <a:defRPr sz="2400" b="1"/>
             </a:lvl1pPr>
-            <a:lvl2pPr>
+            <a:lvl2pPr marL="457200" indent="0">
               <a:buNone/>
               <a:defRPr sz="2000" b="1"/>
             </a:lvl2pPr>
-            <a:lvl3pPr>
+            <a:lvl3pPr marL="914400" indent="0">
               <a:buNone/>
               <a:defRPr sz="1800" b="1"/>
             </a:lvl3pPr>
-            <a:lvl4pPr>
+            <a:lvl4pPr marL="1371600" indent="0">
               <a:buNone/>
               <a:defRPr sz="1600" b="1"/>
             </a:lvl4pPr>
-            <a:lvl5pPr>
+            <a:lvl5pPr marL="1828800" indent="0">
               <a:buNone/>
               <a:defRPr sz="1600" b="1"/>
             </a:lvl5pPr>
+            <a:lvl6pPr marL="2286000" indent="0">
+              <a:buNone/>
+              <a:defRPr sz="1600" b="1"/>
+            </a:lvl6pPr>
+            <a:lvl7pPr marL="2743200" indent="0">
+              <a:buNone/>
+              <a:defRPr sz="1600" b="1"/>
+            </a:lvl7pPr>
+            <a:lvl8pPr marL="3200400" indent="0">
+              <a:buNone/>
+              <a:defRPr sz="1600" b="1"/>
+            </a:lvl8pPr>
+            <a:lvl9pPr marL="3657600" indent="0">
+              <a:buNone/>
+              <a:defRPr sz="1600" b="1"/>
+            </a:lvl9pPr>
           </a:lstStyle>
           <a:p>
-            <a:pPr lvl="0" eaLnBrk="1" latinLnBrk="0" hangingPunct="1"/>
-            <a:r>
-              <a:rPr kumimoji="0" lang="en-US" smtClean="0"/>
+            <a:pPr lvl="0"/>
+            <a:r>
+              <a:rPr lang="en-US" smtClean="0"/>
               <a:t>Click to edit Master text styles</a:t>
             </a:r>
+          </a:p>
+        </p:txBody>
+      </p:sp>
+      <p:sp>
+        <p:nvSpPr>
+          <p:cNvPr id="6" name="Content Placeholder 5"/>
+          <p:cNvSpPr>
+            <a:spLocks noGrp="1"/>
+          </p:cNvSpPr>
+          <p:nvPr>
+            <p:ph sz="quarter" idx="4"/>
+          </p:nvPr>
+        </p:nvSpPr>
+        <p:spPr>
+          <a:xfrm>
+            <a:off x="4645025" y="2174875"/>
+            <a:ext cx="4041775" cy="3951288"/>
+          </a:xfrm>
+        </p:spPr>
+        <p:txBody>
+          <a:bodyPr/>
+          <a:lstStyle>
+            <a:lvl1pPr>
+              <a:defRPr sz="2400"/>
+            </a:lvl1pPr>
+            <a:lvl2pPr>
+              <a:defRPr sz="2000"/>
+            </a:lvl2pPr>
+            <a:lvl3pPr>
+              <a:defRPr sz="1800"/>
+            </a:lvl3pPr>
+            <a:lvl4pPr>
+              <a:defRPr sz="1600"/>
+            </a:lvl4pPr>
+            <a:lvl5pPr>
+              <a:defRPr sz="1600"/>
+            </a:lvl5pPr>
+            <a:lvl6pPr>
+              <a:defRPr sz="1600"/>
+            </a:lvl6pPr>
+            <a:lvl7pPr>
+              <a:defRPr sz="1600"/>
+            </a:lvl7pPr>
+            <a:lvl8pPr>
+              <a:defRPr sz="1600"/>
+            </a:lvl8pPr>
+            <a:lvl9pPr>
+              <a:defRPr sz="1600"/>
+            </a:lvl9pPr>
+          </a:lstStyle>
+          <a:p>
+            <a:pPr lvl="0"/>
+            <a:r>
+              <a:rPr lang="en-US" smtClean="0"/>
+              <a:t>Click to edit Master text styles</a:t>
+            </a:r>
+          </a:p>
+          <a:p>
+            <a:pPr lvl="1"/>
+            <a:r>
+              <a:rPr lang="en-US" smtClean="0"/>
+              <a:t>Second level</a:t>
+            </a:r>
+          </a:p>
+          <a:p>
+            <a:pPr lvl="2"/>
+            <a:r>
+              <a:rPr lang="en-US" smtClean="0"/>
+              <a:t>Third level</a:t>
+            </a:r>
+          </a:p>
+          <a:p>
+            <a:pPr lvl="3"/>
+            <a:r>
+              <a:rPr lang="en-US" smtClean="0"/>
+              <a:t>Fourth level</a:t>
+            </a:r>
+          </a:p>
+          <a:p>
+            <a:pPr lvl="4"/>
+            <a:r>
+              <a:rPr lang="en-US" smtClean="0"/>
+              <a:t>Fifth level</a:t>
+            </a:r>
+            <a:endParaRPr lang="en-US"/>
           </a:p>
         </p:txBody>
       </p:sp>
@@ -2415,10 +2298,9 @@
           <a:bodyPr/>
           <a:lstStyle/>
           <a:p>
-            <a:fld id="{A87D91C5-E161-40C6-94C5-D4073C46FF3C}" type="datetime1">
+            <a:fld id="{F1BF4C04-CE41-48FB-A8F9-89847F8884F9}" type="datetime1">
               <a:rPr lang="en-US" smtClean="0"/>
-              <a:pPr/>
-              <a:t>2/7/2018</a:t>
+              <a:t>2/8/2018</a:t>
             </a:fld>
             <a:endParaRPr lang="en-US" dirty="0"/>
           </a:p>
@@ -2464,120 +2346,6 @@
               <a:t>‹#›</a:t>
             </a:fld>
             <a:endParaRPr lang="en-US" dirty="0"/>
-          </a:p>
-        </p:txBody>
-      </p:sp>
-      <p:sp>
-        <p:nvSpPr>
-          <p:cNvPr id="11" name="Content Placeholder 10"/>
-          <p:cNvSpPr>
-            <a:spLocks noGrp="1"/>
-          </p:cNvSpPr>
-          <p:nvPr>
-            <p:ph sz="half" idx="2"/>
-          </p:nvPr>
-        </p:nvSpPr>
-        <p:spPr>
-          <a:xfrm>
-            <a:off x="914400" y="2247900"/>
-            <a:ext cx="3733800" cy="3886200"/>
-          </a:xfrm>
-        </p:spPr>
-        <p:txBody>
-          <a:bodyPr vert="horz"/>
-          <a:lstStyle/>
-          <a:p>
-            <a:pPr lvl="0" eaLnBrk="1" latinLnBrk="0" hangingPunct="1"/>
-            <a:r>
-              <a:rPr lang="en-US" smtClean="0"/>
-              <a:t>Click to edit Master text styles</a:t>
-            </a:r>
-          </a:p>
-          <a:p>
-            <a:pPr lvl="1" eaLnBrk="1" latinLnBrk="0" hangingPunct="1"/>
-            <a:r>
-              <a:rPr lang="en-US" smtClean="0"/>
-              <a:t>Second level</a:t>
-            </a:r>
-          </a:p>
-          <a:p>
-            <a:pPr lvl="2" eaLnBrk="1" latinLnBrk="0" hangingPunct="1"/>
-            <a:r>
-              <a:rPr lang="en-US" smtClean="0"/>
-              <a:t>Third level</a:t>
-            </a:r>
-          </a:p>
-          <a:p>
-            <a:pPr lvl="3" eaLnBrk="1" latinLnBrk="0" hangingPunct="1"/>
-            <a:r>
-              <a:rPr lang="en-US" smtClean="0"/>
-              <a:t>Fourth level</a:t>
-            </a:r>
-          </a:p>
-          <a:p>
-            <a:pPr lvl="4" eaLnBrk="1" latinLnBrk="0" hangingPunct="1"/>
-            <a:r>
-              <a:rPr lang="en-US" smtClean="0"/>
-              <a:t>Fifth level</a:t>
-            </a:r>
-            <a:endParaRPr kumimoji="0" lang="en-US"/>
-          </a:p>
-        </p:txBody>
-      </p:sp>
-      <p:sp>
-        <p:nvSpPr>
-          <p:cNvPr id="13" name="Content Placeholder 12"/>
-          <p:cNvSpPr>
-            <a:spLocks noGrp="1"/>
-          </p:cNvSpPr>
-          <p:nvPr>
-            <p:ph sz="half" idx="4"/>
-          </p:nvPr>
-        </p:nvSpPr>
-        <p:spPr>
-          <a:xfrm>
-            <a:off x="4953000" y="2247900"/>
-            <a:ext cx="3733800" cy="3886200"/>
-          </a:xfrm>
-        </p:spPr>
-        <p:txBody>
-          <a:bodyPr vert="horz"/>
-          <a:lstStyle/>
-          <a:p>
-            <a:pPr lvl="0" eaLnBrk="1" latinLnBrk="0" hangingPunct="1"/>
-            <a:r>
-              <a:rPr lang="en-US" smtClean="0"/>
-              <a:t>Click to edit Master text styles</a:t>
-            </a:r>
-          </a:p>
-          <a:p>
-            <a:pPr lvl="1" eaLnBrk="1" latinLnBrk="0" hangingPunct="1"/>
-            <a:r>
-              <a:rPr lang="en-US" smtClean="0"/>
-              <a:t>Second level</a:t>
-            </a:r>
-          </a:p>
-          <a:p>
-            <a:pPr lvl="2" eaLnBrk="1" latinLnBrk="0" hangingPunct="1"/>
-            <a:r>
-              <a:rPr lang="en-US" smtClean="0"/>
-              <a:t>Third level</a:t>
-            </a:r>
-          </a:p>
-          <a:p>
-            <a:pPr lvl="3" eaLnBrk="1" latinLnBrk="0" hangingPunct="1"/>
-            <a:r>
-              <a:rPr lang="en-US" smtClean="0"/>
-              <a:t>Fourth level</a:t>
-            </a:r>
-          </a:p>
-          <a:p>
-            <a:pPr lvl="4" eaLnBrk="1" latinLnBrk="0" hangingPunct="1"/>
-            <a:r>
-              <a:rPr lang="en-US" smtClean="0"/>
-              <a:t>Fifth level</a:t>
-            </a:r>
-            <a:endParaRPr kumimoji="0" lang="en-US"/>
           </a:p>
         </p:txBody>
       </p:sp>
@@ -2622,10 +2390,10 @@
           <a:lstStyle/>
           <a:p>
             <a:r>
-              <a:rPr kumimoji="0" lang="en-US" smtClean="0"/>
+              <a:rPr lang="en-US" smtClean="0"/>
               <a:t>Click to edit Master title style</a:t>
             </a:r>
-            <a:endParaRPr kumimoji="0" lang="en-US"/>
+            <a:endParaRPr lang="en-US"/>
           </a:p>
         </p:txBody>
       </p:sp>
@@ -2644,10 +2412,9 @@
           <a:bodyPr/>
           <a:lstStyle/>
           <a:p>
-            <a:fld id="{B6FB784A-EFEC-4FEA-AEA7-A5C55D1D0912}" type="datetime1">
+            <a:fld id="{DD192E76-7942-4B86-BCE5-733A9AC17526}" type="datetime1">
               <a:rPr lang="en-US" smtClean="0"/>
-              <a:pPr/>
-              <a:t>2/7/2018</a:t>
+              <a:t>2/8/2018</a:t>
             </a:fld>
             <a:endParaRPr lang="en-US" dirty="0"/>
           </a:p>
@@ -2736,10 +2503,9 @@
           <a:bodyPr/>
           <a:lstStyle/>
           <a:p>
-            <a:fld id="{00A382A1-35AC-4123-BC7A-3E4179A8F1A3}" type="datetime1">
+            <a:fld id="{370BECBC-97C2-4C6E-9583-EF334E786A87}" type="datetime1">
               <a:rPr lang="en-US" smtClean="0"/>
-              <a:pPr/>
-              <a:t>2/7/2018</a:t>
+              <a:t>2/8/2018</a:t>
             </a:fld>
             <a:endParaRPr lang="en-US" dirty="0"/>
           </a:p>
@@ -2815,101 +2581,6 @@
       </p:grpSpPr>
       <p:sp>
         <p:nvSpPr>
-          <p:cNvPr id="8" name="Rectangle 7"/>
-          <p:cNvSpPr/>
-          <p:nvPr/>
-        </p:nvSpPr>
-        <p:spPr>
-          <a:xfrm>
-            <a:off x="0" y="0"/>
-            <a:ext cx="9144000" cy="6858000"/>
-          </a:xfrm>
-          <a:prstGeom prst="rect">
-            <a:avLst/>
-          </a:prstGeom>
-          <a:solidFill>
-            <a:srgbClr val="FFFFFF"/>
-          </a:solidFill>
-          <a:ln w="19050" cap="sq" cmpd="sng" algn="ctr">
-            <a:noFill/>
-            <a:prstDash val="solid"/>
-          </a:ln>
-          <a:effectLst/>
-        </p:spPr>
-        <p:style>
-          <a:lnRef idx="3">
-            <a:schemeClr val="lt1"/>
-          </a:lnRef>
-          <a:fillRef idx="1">
-            <a:schemeClr val="accent1"/>
-          </a:fillRef>
-          <a:effectRef idx="1">
-            <a:schemeClr val="accent1"/>
-          </a:effectRef>
-          <a:fontRef idx="minor">
-            <a:schemeClr val="lt1"/>
-          </a:fontRef>
-        </p:style>
-        <p:txBody>
-          <a:bodyPr anchor="ctr"/>
-          <a:lstStyle/>
-          <a:p>
-            <a:pPr algn="ctr" eaLnBrk="1" latinLnBrk="0" hangingPunct="1"/>
-            <a:endParaRPr kumimoji="0" lang="en-US" dirty="0"/>
-          </a:p>
-        </p:txBody>
-      </p:sp>
-      <p:sp useBgFill="1">
-        <p:nvSpPr>
-          <p:cNvPr id="9" name="Rounded Rectangle 8"/>
-          <p:cNvSpPr/>
-          <p:nvPr/>
-        </p:nvSpPr>
-        <p:spPr>
-          <a:xfrm>
-            <a:off x="64008" y="69755"/>
-            <a:ext cx="9013372" cy="6693408"/>
-          </a:xfrm>
-          <a:prstGeom prst="roundRect">
-            <a:avLst>
-              <a:gd name="adj" fmla="val 4929"/>
-            </a:avLst>
-          </a:prstGeom>
-          <a:ln w="6350" cap="sq" cmpd="sng" algn="ctr">
-            <a:solidFill>
-              <a:schemeClr val="tx1">
-                <a:alpha val="100000"/>
-              </a:schemeClr>
-            </a:solidFill>
-            <a:prstDash val="solid"/>
-          </a:ln>
-          <a:effectLst/>
-        </p:spPr>
-        <p:style>
-          <a:lnRef idx="3">
-            <a:schemeClr val="lt1"/>
-          </a:lnRef>
-          <a:fillRef idx="1001">
-            <a:schemeClr val="lt1"/>
-          </a:fillRef>
-          <a:effectRef idx="1">
-            <a:schemeClr val="accent1"/>
-          </a:effectRef>
-          <a:fontRef idx="minor">
-            <a:schemeClr val="lt1"/>
-          </a:fontRef>
-        </p:style>
-        <p:txBody>
-          <a:bodyPr anchor="ctr"/>
-          <a:lstStyle/>
-          <a:p>
-            <a:pPr algn="ctr" eaLnBrk="1" latinLnBrk="0" hangingPunct="1"/>
-            <a:endParaRPr kumimoji="0" lang="en-US" dirty="0"/>
-          </a:p>
-        </p:txBody>
-      </p:sp>
-      <p:sp>
-        <p:nvSpPr>
           <p:cNvPr id="2" name="Title 1"/>
           <p:cNvSpPr>
             <a:spLocks noGrp="1"/>
@@ -2920,41 +2591,125 @@
         </p:nvSpPr>
         <p:spPr>
           <a:xfrm>
-            <a:off x="914400" y="273050"/>
-            <a:ext cx="7772400" cy="1143000"/>
+            <a:off x="457200" y="273050"/>
+            <a:ext cx="3008313" cy="1162050"/>
           </a:xfrm>
         </p:spPr>
         <p:txBody>
-          <a:bodyPr anchor="b" anchorCtr="0"/>
+          <a:bodyPr anchor="b"/>
           <a:lstStyle>
             <a:lvl1pPr algn="l">
-              <a:buNone/>
-              <a:defRPr sz="4000" b="0"/>
+              <a:defRPr sz="2000" b="1"/>
             </a:lvl1pPr>
           </a:lstStyle>
           <a:p>
             <a:r>
-              <a:rPr kumimoji="0" lang="en-US" smtClean="0"/>
+              <a:rPr lang="en-US" smtClean="0"/>
               <a:t>Click to edit Master title style</a:t>
             </a:r>
-            <a:endParaRPr kumimoji="0" lang="en-US"/>
+            <a:endParaRPr lang="en-US"/>
           </a:p>
         </p:txBody>
       </p:sp>
       <p:sp>
         <p:nvSpPr>
-          <p:cNvPr id="3" name="Text Placeholder 2"/>
+          <p:cNvPr id="3" name="Content Placeholder 2"/>
           <p:cNvSpPr>
             <a:spLocks noGrp="1"/>
           </p:cNvSpPr>
           <p:nvPr>
-            <p:ph type="body" idx="2"/>
+            <p:ph idx="1"/>
           </p:nvPr>
         </p:nvSpPr>
         <p:spPr>
           <a:xfrm>
-            <a:off x="914400" y="1600200"/>
-            <a:ext cx="1905000" cy="4495800"/>
+            <a:off x="3575050" y="273050"/>
+            <a:ext cx="5111750" cy="5853113"/>
+          </a:xfrm>
+        </p:spPr>
+        <p:txBody>
+          <a:bodyPr/>
+          <a:lstStyle>
+            <a:lvl1pPr>
+              <a:defRPr sz="3200"/>
+            </a:lvl1pPr>
+            <a:lvl2pPr>
+              <a:defRPr sz="2800"/>
+            </a:lvl2pPr>
+            <a:lvl3pPr>
+              <a:defRPr sz="2400"/>
+            </a:lvl3pPr>
+            <a:lvl4pPr>
+              <a:defRPr sz="2000"/>
+            </a:lvl4pPr>
+            <a:lvl5pPr>
+              <a:defRPr sz="2000"/>
+            </a:lvl5pPr>
+            <a:lvl6pPr>
+              <a:defRPr sz="2000"/>
+            </a:lvl6pPr>
+            <a:lvl7pPr>
+              <a:defRPr sz="2000"/>
+            </a:lvl7pPr>
+            <a:lvl8pPr>
+              <a:defRPr sz="2000"/>
+            </a:lvl8pPr>
+            <a:lvl9pPr>
+              <a:defRPr sz="2000"/>
+            </a:lvl9pPr>
+          </a:lstStyle>
+          <a:p>
+            <a:pPr lvl="0"/>
+            <a:r>
+              <a:rPr lang="en-US" smtClean="0"/>
+              <a:t>Click to edit Master text styles</a:t>
+            </a:r>
+          </a:p>
+          <a:p>
+            <a:pPr lvl="1"/>
+            <a:r>
+              <a:rPr lang="en-US" smtClean="0"/>
+              <a:t>Second level</a:t>
+            </a:r>
+          </a:p>
+          <a:p>
+            <a:pPr lvl="2"/>
+            <a:r>
+              <a:rPr lang="en-US" smtClean="0"/>
+              <a:t>Third level</a:t>
+            </a:r>
+          </a:p>
+          <a:p>
+            <a:pPr lvl="3"/>
+            <a:r>
+              <a:rPr lang="en-US" smtClean="0"/>
+              <a:t>Fourth level</a:t>
+            </a:r>
+          </a:p>
+          <a:p>
+            <a:pPr lvl="4"/>
+            <a:r>
+              <a:rPr lang="en-US" smtClean="0"/>
+              <a:t>Fifth level</a:t>
+            </a:r>
+            <a:endParaRPr lang="en-US"/>
+          </a:p>
+        </p:txBody>
+      </p:sp>
+      <p:sp>
+        <p:nvSpPr>
+          <p:cNvPr id="4" name="Text Placeholder 3"/>
+          <p:cNvSpPr>
+            <a:spLocks noGrp="1"/>
+          </p:cNvSpPr>
+          <p:nvPr>
+            <p:ph type="body" sz="half" idx="2"/>
+          </p:nvPr>
+        </p:nvSpPr>
+        <p:spPr>
+          <a:xfrm>
+            <a:off x="457200" y="1435100"/>
+            <a:ext cx="3008313" cy="4691063"/>
           </a:xfrm>
         </p:spPr>
         <p:txBody>
@@ -2962,29 +2717,45 @@
           <a:lstStyle>
             <a:lvl1pPr marL="0" indent="0">
               <a:buNone/>
-              <a:defRPr sz="1800"/>
+              <a:defRPr sz="1400"/>
             </a:lvl1pPr>
-            <a:lvl2pPr>
+            <a:lvl2pPr marL="457200" indent="0">
               <a:buNone/>
               <a:defRPr sz="1200"/>
             </a:lvl2pPr>
-            <a:lvl3pPr>
+            <a:lvl3pPr marL="914400" indent="0">
               <a:buNone/>
               <a:defRPr sz="1000"/>
             </a:lvl3pPr>
-            <a:lvl4pPr>
+            <a:lvl4pPr marL="1371600" indent="0">
               <a:buNone/>
               <a:defRPr sz="900"/>
             </a:lvl4pPr>
-            <a:lvl5pPr>
+            <a:lvl5pPr marL="1828800" indent="0">
               <a:buNone/>
               <a:defRPr sz="900"/>
             </a:lvl5pPr>
+            <a:lvl6pPr marL="2286000" indent="0">
+              <a:buNone/>
+              <a:defRPr sz="900"/>
+            </a:lvl6pPr>
+            <a:lvl7pPr marL="2743200" indent="0">
+              <a:buNone/>
+              <a:defRPr sz="900"/>
+            </a:lvl7pPr>
+            <a:lvl8pPr marL="3200400" indent="0">
+              <a:buNone/>
+              <a:defRPr sz="900"/>
+            </a:lvl8pPr>
+            <a:lvl9pPr marL="3657600" indent="0">
+              <a:buNone/>
+              <a:defRPr sz="900"/>
+            </a:lvl9pPr>
           </a:lstStyle>
           <a:p>
-            <a:pPr lvl="0" eaLnBrk="1" latinLnBrk="0" hangingPunct="1"/>
-            <a:r>
-              <a:rPr kumimoji="0" lang="en-US" smtClean="0"/>
+            <a:pPr lvl="0"/>
+            <a:r>
+              <a:rPr lang="en-US" smtClean="0"/>
               <a:t>Click to edit Master text styles</a:t>
             </a:r>
           </a:p>
@@ -3005,10 +2776,9 @@
           <a:bodyPr/>
           <a:lstStyle/>
           <a:p>
-            <a:fld id="{2C149AA2-AC0F-4B5B-89C6-CD491BB3B881}" type="datetime1">
+            <a:fld id="{3EADE9BE-1E47-44DE-9349-078042F0D55C}" type="datetime1">
               <a:rPr lang="en-US" smtClean="0"/>
-              <a:pPr/>
-              <a:t>2/7/2018</a:t>
+              <a:t>2/8/2018</a:t>
             </a:fld>
             <a:endParaRPr lang="en-US" dirty="0"/>
           </a:p>
@@ -3054,63 +2824,6 @@
               <a:t>‹#›</a:t>
             </a:fld>
             <a:endParaRPr lang="en-US" dirty="0"/>
-          </a:p>
-        </p:txBody>
-      </p:sp>
-      <p:sp>
-        <p:nvSpPr>
-          <p:cNvPr id="11" name="Content Placeholder 10"/>
-          <p:cNvSpPr>
-            <a:spLocks noGrp="1"/>
-          </p:cNvSpPr>
-          <p:nvPr>
-            <p:ph sz="quarter" idx="1"/>
-          </p:nvPr>
-        </p:nvSpPr>
-        <p:spPr>
-          <a:xfrm>
-            <a:off x="2971800" y="1600200"/>
-            <a:ext cx="5715000" cy="4495800"/>
-          </a:xfrm>
-        </p:spPr>
-        <p:txBody>
-          <a:bodyPr vert="horz"/>
-          <a:lstStyle/>
-          <a:p>
-            <a:pPr lvl="0" eaLnBrk="1" latinLnBrk="0" hangingPunct="1"/>
-            <a:r>
-              <a:rPr lang="en-US" smtClean="0"/>
-              <a:t>Click to edit Master text styles</a:t>
-            </a:r>
-          </a:p>
-          <a:p>
-            <a:pPr lvl="1" eaLnBrk="1" latinLnBrk="0" hangingPunct="1"/>
-            <a:r>
-              <a:rPr lang="en-US" smtClean="0"/>
-              <a:t>Second level</a:t>
-            </a:r>
-          </a:p>
-          <a:p>
-            <a:pPr lvl="2" eaLnBrk="1" latinLnBrk="0" hangingPunct="1"/>
-            <a:r>
-              <a:rPr lang="en-US" smtClean="0"/>
-              <a:t>Third level</a:t>
-            </a:r>
-          </a:p>
-          <a:p>
-            <a:pPr lvl="3" eaLnBrk="1" latinLnBrk="0" hangingPunct="1"/>
-            <a:r>
-              <a:rPr lang="en-US" smtClean="0"/>
-              <a:t>Fourth level</a:t>
-            </a:r>
-          </a:p>
-          <a:p>
-            <a:pPr lvl="4" eaLnBrk="1" latinLnBrk="0" hangingPunct="1"/>
-            <a:r>
-              <a:rPr lang="en-US" smtClean="0"/>
-              <a:t>Fifth level</a:t>
-            </a:r>
-            <a:endParaRPr kumimoji="0" lang="en-US"/>
           </a:p>
         </p:txBody>
       </p:sp>
@@ -3151,26 +2864,84 @@
         </p:nvSpPr>
         <p:spPr>
           <a:xfrm>
-            <a:off x="914400" y="4900550"/>
-            <a:ext cx="7315200" cy="522288"/>
+            <a:off x="1792288" y="4800600"/>
+            <a:ext cx="5486400" cy="566738"/>
           </a:xfrm>
         </p:spPr>
         <p:txBody>
-          <a:bodyPr anchor="ctr">
-            <a:noAutofit/>
-          </a:bodyPr>
+          <a:bodyPr anchor="b"/>
           <a:lstStyle>
             <a:lvl1pPr algn="l">
-              <a:buNone/>
-              <a:defRPr sz="2800" b="0"/>
+              <a:defRPr sz="2000" b="1"/>
             </a:lvl1pPr>
           </a:lstStyle>
           <a:p>
             <a:r>
-              <a:rPr kumimoji="0" lang="en-US" smtClean="0"/>
+              <a:rPr lang="en-US" smtClean="0"/>
               <a:t>Click to edit Master title style</a:t>
             </a:r>
-            <a:endParaRPr kumimoji="0" lang="en-US"/>
+            <a:endParaRPr lang="en-US"/>
+          </a:p>
+        </p:txBody>
+      </p:sp>
+      <p:sp>
+        <p:nvSpPr>
+          <p:cNvPr id="3" name="Picture Placeholder 2"/>
+          <p:cNvSpPr>
+            <a:spLocks noGrp="1"/>
+          </p:cNvSpPr>
+          <p:nvPr>
+            <p:ph type="pic" idx="1"/>
+          </p:nvPr>
+        </p:nvSpPr>
+        <p:spPr>
+          <a:xfrm>
+            <a:off x="1792288" y="612775"/>
+            <a:ext cx="5486400" cy="4114800"/>
+          </a:xfrm>
+        </p:spPr>
+        <p:txBody>
+          <a:bodyPr/>
+          <a:lstStyle>
+            <a:lvl1pPr marL="0" indent="0">
+              <a:buNone/>
+              <a:defRPr sz="3200"/>
+            </a:lvl1pPr>
+            <a:lvl2pPr marL="457200" indent="0">
+              <a:buNone/>
+              <a:defRPr sz="2800"/>
+            </a:lvl2pPr>
+            <a:lvl3pPr marL="914400" indent="0">
+              <a:buNone/>
+              <a:defRPr sz="2400"/>
+            </a:lvl3pPr>
+            <a:lvl4pPr marL="1371600" indent="0">
+              <a:buNone/>
+              <a:defRPr sz="2000"/>
+            </a:lvl4pPr>
+            <a:lvl5pPr marL="1828800" indent="0">
+              <a:buNone/>
+              <a:defRPr sz="2000"/>
+            </a:lvl5pPr>
+            <a:lvl6pPr marL="2286000" indent="0">
+              <a:buNone/>
+              <a:defRPr sz="2000"/>
+            </a:lvl6pPr>
+            <a:lvl7pPr marL="2743200" indent="0">
+              <a:buNone/>
+              <a:defRPr sz="2000"/>
+            </a:lvl7pPr>
+            <a:lvl8pPr marL="3200400" indent="0">
+              <a:buNone/>
+              <a:defRPr sz="2000"/>
+            </a:lvl8pPr>
+            <a:lvl9pPr marL="3657600" indent="0">
+              <a:buNone/>
+              <a:defRPr sz="2000"/>
+            </a:lvl9pPr>
+          </a:lstStyle>
+          <a:p>
+            <a:endParaRPr lang="en-US"/>
           </a:p>
         </p:txBody>
       </p:sp>
@@ -3186,35 +2957,54 @@
         </p:nvSpPr>
         <p:spPr>
           <a:xfrm>
-            <a:off x="914400" y="5445825"/>
-            <a:ext cx="7315200" cy="685800"/>
+            <a:off x="1792288" y="5367338"/>
+            <a:ext cx="5486400" cy="804862"/>
           </a:xfrm>
         </p:spPr>
         <p:txBody>
           <a:bodyPr/>
           <a:lstStyle>
             <a:lvl1pPr marL="0" indent="0">
-              <a:buFontTx/>
               <a:buNone/>
-              <a:defRPr sz="1600"/>
+              <a:defRPr sz="1400"/>
             </a:lvl1pPr>
-            <a:lvl2pPr>
+            <a:lvl2pPr marL="457200" indent="0">
+              <a:buNone/>
               <a:defRPr sz="1200"/>
             </a:lvl2pPr>
-            <a:lvl3pPr>
+            <a:lvl3pPr marL="914400" indent="0">
+              <a:buNone/>
               <a:defRPr sz="1000"/>
             </a:lvl3pPr>
-            <a:lvl4pPr>
+            <a:lvl4pPr marL="1371600" indent="0">
+              <a:buNone/>
               <a:defRPr sz="900"/>
             </a:lvl4pPr>
-            <a:lvl5pPr>
+            <a:lvl5pPr marL="1828800" indent="0">
+              <a:buNone/>
               <a:defRPr sz="900"/>
             </a:lvl5pPr>
+            <a:lvl6pPr marL="2286000" indent="0">
+              <a:buNone/>
+              <a:defRPr sz="900"/>
+            </a:lvl6pPr>
+            <a:lvl7pPr marL="2743200" indent="0">
+              <a:buNone/>
+              <a:defRPr sz="900"/>
+            </a:lvl7pPr>
+            <a:lvl8pPr marL="3200400" indent="0">
+              <a:buNone/>
+              <a:defRPr sz="900"/>
+            </a:lvl8pPr>
+            <a:lvl9pPr marL="3657600" indent="0">
+              <a:buNone/>
+              <a:defRPr sz="900"/>
+            </a:lvl9pPr>
           </a:lstStyle>
           <a:p>
-            <a:pPr lvl="0" eaLnBrk="1" latinLnBrk="0" hangingPunct="1"/>
-            <a:r>
-              <a:rPr kumimoji="0" lang="en-US" smtClean="0"/>
+            <a:pPr lvl="0"/>
+            <a:r>
+              <a:rPr lang="en-US" smtClean="0"/>
               <a:t>Click to edit Master text styles</a:t>
             </a:r>
           </a:p>
@@ -3235,10 +3025,9 @@
           <a:bodyPr/>
           <a:lstStyle/>
           <a:p>
-            <a:fld id="{1210182A-1159-4936-A213-81C56C6654E9}" type="datetime1">
+            <a:fld id="{4EA77CB8-4D10-4488-9FAE-2E45325B795E}" type="datetime1">
               <a:rPr lang="en-US" smtClean="0"/>
-              <a:pPr/>
-              <a:t>2/7/2018</a:t>
+              <a:t>2/8/2018</a:t>
             </a:fld>
             <a:endParaRPr lang="en-US" dirty="0"/>
           </a:p>
@@ -3254,12 +3043,7 @@
             <p:ph type="ftr" sz="quarter" idx="11"/>
           </p:nvPr>
         </p:nvSpPr>
-        <p:spPr>
-          <a:xfrm>
-            <a:off x="914400" y="6172200"/>
-            <a:ext cx="3886200" cy="457200"/>
-          </a:xfrm>
-        </p:spPr>
+        <p:spPr/>
         <p:txBody>
           <a:bodyPr/>
           <a:lstStyle/>
@@ -3278,12 +3062,7 @@
             <p:ph type="sldNum" sz="quarter" idx="12"/>
           </p:nvPr>
         </p:nvSpPr>
-        <p:spPr>
-          <a:xfrm>
-            <a:off x="146304" y="6208776"/>
-            <a:ext cx="457200" cy="457200"/>
-          </a:xfrm>
-        </p:spPr>
+        <p:spPr/>
         <p:txBody>
           <a:bodyPr/>
           <a:lstStyle/>
@@ -3294,195 +3073,6 @@
               <a:t>‹#›</a:t>
             </a:fld>
             <a:endParaRPr lang="en-US" dirty="0"/>
-          </a:p>
-        </p:txBody>
-      </p:sp>
-      <p:sp>
-        <p:nvSpPr>
-          <p:cNvPr id="11" name="Rectangle 10"/>
-          <p:cNvSpPr/>
-          <p:nvPr/>
-        </p:nvSpPr>
-        <p:spPr>
-          <a:xfrm flipV="1">
-            <a:off x="68307" y="4683555"/>
-            <a:ext cx="9006840" cy="91440"/>
-          </a:xfrm>
-          <a:prstGeom prst="rect">
-            <a:avLst/>
-          </a:prstGeom>
-          <a:solidFill>
-            <a:schemeClr val="accent1">
-              <a:alpha val="100000"/>
-            </a:schemeClr>
-          </a:solidFill>
-          <a:ln w="19050" cap="sq" cmpd="sng" algn="ctr">
-            <a:noFill/>
-            <a:prstDash val="solid"/>
-          </a:ln>
-          <a:effectLst/>
-        </p:spPr>
-        <p:style>
-          <a:lnRef idx="3">
-            <a:schemeClr val="lt1"/>
-          </a:lnRef>
-          <a:fillRef idx="1">
-            <a:schemeClr val="accent1"/>
-          </a:fillRef>
-          <a:effectRef idx="1">
-            <a:schemeClr val="accent1"/>
-          </a:effectRef>
-          <a:fontRef idx="minor">
-            <a:schemeClr val="lt1"/>
-          </a:fontRef>
-        </p:style>
-        <p:txBody>
-          <a:bodyPr anchor="ctr"/>
-          <a:lstStyle/>
-          <a:p>
-            <a:pPr algn="ctr" eaLnBrk="1" latinLnBrk="0" hangingPunct="1"/>
-            <a:endParaRPr kumimoji="0" lang="en-US" dirty="0"/>
-          </a:p>
-        </p:txBody>
-      </p:sp>
-      <p:sp>
-        <p:nvSpPr>
-          <p:cNvPr id="12" name="Rectangle 11"/>
-          <p:cNvSpPr/>
-          <p:nvPr/>
-        </p:nvSpPr>
-        <p:spPr>
-          <a:xfrm>
-            <a:off x="68508" y="4650474"/>
-            <a:ext cx="9006639" cy="45719"/>
-          </a:xfrm>
-          <a:prstGeom prst="rect">
-            <a:avLst/>
-          </a:prstGeom>
-          <a:solidFill>
-            <a:schemeClr val="accent1">
-              <a:tint val="60000"/>
-            </a:schemeClr>
-          </a:solidFill>
-          <a:ln w="19050" cap="sq" cmpd="sng" algn="ctr">
-            <a:noFill/>
-            <a:prstDash val="solid"/>
-          </a:ln>
-          <a:effectLst/>
-        </p:spPr>
-        <p:style>
-          <a:lnRef idx="3">
-            <a:schemeClr val="lt1"/>
-          </a:lnRef>
-          <a:fillRef idx="1">
-            <a:schemeClr val="accent1"/>
-          </a:fillRef>
-          <a:effectRef idx="1">
-            <a:schemeClr val="accent1"/>
-          </a:effectRef>
-          <a:fontRef idx="minor">
-            <a:schemeClr val="lt1"/>
-          </a:fontRef>
-        </p:style>
-        <p:txBody>
-          <a:bodyPr anchor="ctr"/>
-          <a:lstStyle/>
-          <a:p>
-            <a:pPr algn="ctr" eaLnBrk="1" latinLnBrk="0" hangingPunct="1"/>
-            <a:endParaRPr kumimoji="0" lang="en-US" dirty="0"/>
-          </a:p>
-        </p:txBody>
-      </p:sp>
-      <p:sp>
-        <p:nvSpPr>
-          <p:cNvPr id="13" name="Rectangle 12"/>
-          <p:cNvSpPr/>
-          <p:nvPr/>
-        </p:nvSpPr>
-        <p:spPr>
-          <a:xfrm>
-            <a:off x="68510" y="4773224"/>
-            <a:ext cx="9006637" cy="48807"/>
-          </a:xfrm>
-          <a:prstGeom prst="rect">
-            <a:avLst/>
-          </a:prstGeom>
-          <a:solidFill>
-            <a:schemeClr val="accent5"/>
-          </a:solidFill>
-          <a:ln w="19050" cap="sq" cmpd="sng" algn="ctr">
-            <a:noFill/>
-            <a:prstDash val="solid"/>
-          </a:ln>
-          <a:effectLst/>
-        </p:spPr>
-        <p:style>
-          <a:lnRef idx="3">
-            <a:schemeClr val="lt1"/>
-          </a:lnRef>
-          <a:fillRef idx="1">
-            <a:schemeClr val="accent1"/>
-          </a:fillRef>
-          <a:effectRef idx="1">
-            <a:schemeClr val="accent1"/>
-          </a:effectRef>
-          <a:fontRef idx="minor">
-            <a:schemeClr val="lt1"/>
-          </a:fontRef>
-        </p:style>
-        <p:txBody>
-          <a:bodyPr anchor="ctr"/>
-          <a:lstStyle/>
-          <a:p>
-            <a:pPr algn="ctr" eaLnBrk="1" latinLnBrk="0" hangingPunct="1"/>
-            <a:endParaRPr kumimoji="0" lang="en-US" dirty="0"/>
-          </a:p>
-        </p:txBody>
-      </p:sp>
-      <p:sp>
-        <p:nvSpPr>
-          <p:cNvPr id="3" name="Picture Placeholder 2"/>
-          <p:cNvSpPr>
-            <a:spLocks noGrp="1"/>
-          </p:cNvSpPr>
-          <p:nvPr>
-            <p:ph type="pic" idx="1"/>
-          </p:nvPr>
-        </p:nvSpPr>
-        <p:spPr>
-          <a:xfrm>
-            <a:off x="68308" y="66675"/>
-            <a:ext cx="9001873" cy="4581525"/>
-          </a:xfrm>
-          <a:prstGeom prst="round2SameRect">
-            <a:avLst>
-              <a:gd name="adj1" fmla="val 7101"/>
-              <a:gd name="adj2" fmla="val 0"/>
-            </a:avLst>
-          </a:prstGeom>
-          <a:solidFill>
-            <a:schemeClr val="bg2"/>
-          </a:solidFill>
-          <a:ln w="6350">
-            <a:solidFill>
-              <a:schemeClr val="tx1"/>
-            </a:solidFill>
-          </a:ln>
-        </p:spPr>
-        <p:txBody>
-          <a:bodyPr/>
-          <a:lstStyle>
-            <a:lvl1pPr marL="0" indent="0">
-              <a:buNone/>
-              <a:defRPr sz="3200"/>
-            </a:lvl1pPr>
-          </a:lstStyle>
-          <a:p>
-            <a:r>
-              <a:rPr kumimoji="0" lang="en-US" dirty="0" smtClean="0"/>
-              <a:t>Click icon to add picture</a:t>
-            </a:r>
-            <a:endParaRPr kumimoji="0" lang="en-US" dirty="0"/>
           </a:p>
         </p:txBody>
       </p:sp>
@@ -3518,101 +3108,7 @@
       </p:grpSpPr>
       <p:sp>
         <p:nvSpPr>
-          <p:cNvPr id="9" name="Rectangle 8"/>
-          <p:cNvSpPr/>
-          <p:nvPr/>
-        </p:nvSpPr>
-        <p:spPr>
-          <a:xfrm>
-            <a:off x="0" y="0"/>
-            <a:ext cx="9144000" cy="6858000"/>
-          </a:xfrm>
-          <a:prstGeom prst="rect">
-            <a:avLst/>
-          </a:prstGeom>
-          <a:solidFill>
-            <a:srgbClr val="FFFFFF"/>
-          </a:solidFill>
-          <a:ln w="12700" cap="flat" cmpd="sng" algn="ctr">
-            <a:noFill/>
-            <a:prstDash val="solid"/>
-          </a:ln>
-        </p:spPr>
-        <p:style>
-          <a:lnRef idx="2">
-            <a:schemeClr val="accent1"/>
-          </a:lnRef>
-          <a:fillRef idx="1">
-            <a:schemeClr val="accent1"/>
-          </a:fillRef>
-          <a:effectRef idx="0">
-            <a:schemeClr val="accent1"/>
-          </a:effectRef>
-          <a:fontRef idx="minor">
-            <a:schemeClr val="lt1"/>
-          </a:fontRef>
-        </p:style>
-        <p:txBody>
-          <a:bodyPr rtlCol="0" anchor="ctr"/>
-          <a:lstStyle/>
-          <a:p>
-            <a:pPr algn="ctr" eaLnBrk="1" latinLnBrk="0" hangingPunct="1"/>
-            <a:endParaRPr kumimoji="0" lang="en-US" dirty="0"/>
-          </a:p>
-        </p:txBody>
-      </p:sp>
-      <p:sp useBgFill="1">
-        <p:nvSpPr>
-          <p:cNvPr id="8" name="Rounded Rectangle 7"/>
-          <p:cNvSpPr/>
-          <p:nvPr/>
-        </p:nvSpPr>
-        <p:spPr>
-          <a:xfrm>
-            <a:off x="64008" y="69755"/>
-            <a:ext cx="9013372" cy="6693408"/>
-          </a:xfrm>
-          <a:prstGeom prst="roundRect">
-            <a:avLst>
-              <a:gd name="adj" fmla="val 4929"/>
-            </a:avLst>
-          </a:prstGeom>
-          <a:ln w="6350" cap="sq" cmpd="sng" algn="ctr">
-            <a:solidFill>
-              <a:schemeClr val="tx1">
-                <a:alpha val="100000"/>
-              </a:schemeClr>
-            </a:solidFill>
-            <a:prstDash val="solid"/>
-          </a:ln>
-          <a:effectLst/>
-        </p:spPr>
-        <p:style>
-          <a:lnRef idx="3">
-            <a:schemeClr val="lt1"/>
-          </a:lnRef>
-          <a:fillRef idx="1001">
-            <a:schemeClr val="lt1"/>
-          </a:fillRef>
-          <a:effectRef idx="1">
-            <a:schemeClr val="accent1"/>
-          </a:effectRef>
-          <a:fontRef idx="minor">
-            <a:schemeClr val="lt1"/>
-          </a:fontRef>
-        </p:style>
-        <p:txBody>
-          <a:bodyPr anchor="ctr"/>
-          <a:lstStyle/>
-          <a:p>
-            <a:pPr algn="ctr" eaLnBrk="1" latinLnBrk="0" hangingPunct="1"/>
-            <a:endParaRPr kumimoji="0" lang="en-US" dirty="0"/>
-          </a:p>
-        </p:txBody>
-      </p:sp>
-      <p:sp>
-        <p:nvSpPr>
-          <p:cNvPr id="22" name="Title Placeholder 21"/>
+          <p:cNvPr id="2" name="Title Placeholder 1"/>
           <p:cNvSpPr>
             <a:spLocks noGrp="1"/>
           </p:cNvSpPr>
@@ -3622,30 +3118,30 @@
         </p:nvSpPr>
         <p:spPr>
           <a:xfrm>
-            <a:off x="914400" y="274638"/>
-            <a:ext cx="7772400" cy="1143000"/>
+            <a:off x="457200" y="274638"/>
+            <a:ext cx="8229600" cy="1143000"/>
           </a:xfrm>
           <a:prstGeom prst="rect">
             <a:avLst/>
           </a:prstGeom>
         </p:spPr>
         <p:txBody>
-          <a:bodyPr bIns="91440" anchor="b" anchorCtr="0">
+          <a:bodyPr vert="horz" lIns="91440" tIns="45720" rIns="91440" bIns="45720" rtlCol="0" anchor="ctr">
             <a:normAutofit/>
           </a:bodyPr>
           <a:lstStyle/>
           <a:p>
             <a:r>
-              <a:rPr kumimoji="0" lang="en-US" smtClean="0"/>
+              <a:rPr lang="en-US" smtClean="0"/>
               <a:t>Click to edit Master title style</a:t>
             </a:r>
-            <a:endParaRPr kumimoji="0" lang="en-US"/>
+            <a:endParaRPr lang="en-US"/>
           </a:p>
         </p:txBody>
       </p:sp>
       <p:sp>
         <p:nvSpPr>
-          <p:cNvPr id="13" name="Text Placeholder 12"/>
+          <p:cNvPr id="3" name="Text Placeholder 2"/>
           <p:cNvSpPr>
             <a:spLocks noGrp="1"/>
           </p:cNvSpPr>
@@ -3655,59 +3151,59 @@
         </p:nvSpPr>
         <p:spPr>
           <a:xfrm>
-            <a:off x="914400" y="1447800"/>
-            <a:ext cx="7772400" cy="4572000"/>
+            <a:off x="457200" y="1600200"/>
+            <a:ext cx="8229600" cy="4525963"/>
           </a:xfrm>
           <a:prstGeom prst="rect">
             <a:avLst/>
           </a:prstGeom>
         </p:spPr>
         <p:txBody>
-          <a:bodyPr>
+          <a:bodyPr vert="horz" lIns="91440" tIns="45720" rIns="91440" bIns="45720" rtlCol="0">
             <a:normAutofit/>
           </a:bodyPr>
           <a:lstStyle/>
           <a:p>
-            <a:pPr lvl="0" eaLnBrk="1" latinLnBrk="0" hangingPunct="1"/>
-            <a:r>
-              <a:rPr kumimoji="0" lang="en-US" smtClean="0"/>
+            <a:pPr lvl="0"/>
+            <a:r>
+              <a:rPr lang="en-US" smtClean="0"/>
               <a:t>Click to edit Master text styles</a:t>
             </a:r>
           </a:p>
           <a:p>
-            <a:pPr lvl="1" eaLnBrk="1" latinLnBrk="0" hangingPunct="1"/>
-            <a:r>
-              <a:rPr kumimoji="0" lang="en-US" smtClean="0"/>
+            <a:pPr lvl="1"/>
+            <a:r>
+              <a:rPr lang="en-US" smtClean="0"/>
               <a:t>Second level</a:t>
             </a:r>
           </a:p>
           <a:p>
-            <a:pPr lvl="2" eaLnBrk="1" latinLnBrk="0" hangingPunct="1"/>
-            <a:r>
-              <a:rPr kumimoji="0" lang="en-US" smtClean="0"/>
+            <a:pPr lvl="2"/>
+            <a:r>
+              <a:rPr lang="en-US" smtClean="0"/>
               <a:t>Third level</a:t>
             </a:r>
           </a:p>
           <a:p>
-            <a:pPr lvl="3" eaLnBrk="1" latinLnBrk="0" hangingPunct="1"/>
-            <a:r>
-              <a:rPr kumimoji="0" lang="en-US" smtClean="0"/>
+            <a:pPr lvl="3"/>
+            <a:r>
+              <a:rPr lang="en-US" smtClean="0"/>
               <a:t>Fourth level</a:t>
             </a:r>
           </a:p>
           <a:p>
-            <a:pPr lvl="4" eaLnBrk="1" latinLnBrk="0" hangingPunct="1"/>
-            <a:r>
-              <a:rPr kumimoji="0" lang="en-US" smtClean="0"/>
+            <a:pPr lvl="4"/>
+            <a:r>
+              <a:rPr lang="en-US" smtClean="0"/>
               <a:t>Fifth level</a:t>
             </a:r>
-            <a:endParaRPr kumimoji="0" lang="en-US"/>
+            <a:endParaRPr lang="en-US"/>
           </a:p>
         </p:txBody>
       </p:sp>
       <p:sp>
         <p:nvSpPr>
-          <p:cNvPr id="14" name="Date Placeholder 13"/>
+          <p:cNvPr id="4" name="Date Placeholder 3"/>
           <p:cNvSpPr>
             <a:spLocks noGrp="1"/>
           </p:cNvSpPr>
@@ -3717,29 +3213,30 @@
         </p:nvSpPr>
         <p:spPr>
           <a:xfrm>
-            <a:off x="6172200" y="6191250"/>
-            <a:ext cx="2476500" cy="476250"/>
+            <a:off x="457200" y="6356350"/>
+            <a:ext cx="2133600" cy="365125"/>
           </a:xfrm>
           <a:prstGeom prst="rect">
             <a:avLst/>
           </a:prstGeom>
         </p:spPr>
         <p:txBody>
-          <a:bodyPr anchor="ctr" anchorCtr="0"/>
+          <a:bodyPr vert="horz" lIns="91440" tIns="45720" rIns="91440" bIns="45720" rtlCol="0" anchor="ctr"/>
           <a:lstStyle>
-            <a:lvl1pPr algn="r" eaLnBrk="1" latinLnBrk="0" hangingPunct="1">
-              <a:defRPr kumimoji="0" sz="1400">
+            <a:lvl1pPr algn="l">
+              <a:defRPr sz="1200">
                 <a:solidFill>
-                  <a:schemeClr val="tx2"/>
+                  <a:schemeClr val="tx1">
+                    <a:tint val="75000"/>
+                  </a:schemeClr>
                 </a:solidFill>
               </a:defRPr>
             </a:lvl1pPr>
           </a:lstStyle>
           <a:p>
-            <a:fld id="{F5578782-14DF-4B65-A73D-AF9AC943956E}" type="datetime1">
+            <a:fld id="{E04D6977-ACCA-4C9F-8F1E-15BB057E5C43}" type="datetime1">
               <a:rPr lang="en-US" smtClean="0"/>
-              <a:pPr/>
-              <a:t>2/7/2018</a:t>
+              <a:t>2/8/2018</a:t>
             </a:fld>
             <a:endParaRPr lang="en-US" dirty="0"/>
           </a:p>
@@ -3747,7 +3244,7 @@
       </p:sp>
       <p:sp>
         <p:nvSpPr>
-          <p:cNvPr id="3" name="Footer Placeholder 2"/>
+          <p:cNvPr id="5" name="Footer Placeholder 4"/>
           <p:cNvSpPr>
             <a:spLocks noGrp="1"/>
           </p:cNvSpPr>
@@ -3757,20 +3254,22 @@
         </p:nvSpPr>
         <p:spPr>
           <a:xfrm>
-            <a:off x="914400" y="6172200"/>
-            <a:ext cx="3962400" cy="457200"/>
+            <a:off x="3124200" y="6356350"/>
+            <a:ext cx="2895600" cy="365125"/>
           </a:xfrm>
           <a:prstGeom prst="rect">
             <a:avLst/>
           </a:prstGeom>
         </p:spPr>
         <p:txBody>
-          <a:bodyPr anchor="ctr" anchorCtr="0"/>
+          <a:bodyPr vert="horz" lIns="91440" tIns="45720" rIns="91440" bIns="45720" rtlCol="0" anchor="ctr"/>
           <a:lstStyle>
-            <a:lvl1pPr eaLnBrk="1" latinLnBrk="0" hangingPunct="1">
-              <a:defRPr kumimoji="0" sz="1400">
+            <a:lvl1pPr algn="ctr">
+              <a:defRPr sz="1200">
                 <a:solidFill>
-                  <a:schemeClr val="tx2"/>
+                  <a:schemeClr val="tx1">
+                    <a:tint val="75000"/>
+                  </a:schemeClr>
                 </a:solidFill>
               </a:defRPr>
             </a:lvl1pPr>
@@ -3782,7 +3281,7 @@
       </p:sp>
       <p:sp>
         <p:nvSpPr>
-          <p:cNvPr id="23" name="Slide Number Placeholder 22"/>
+          <p:cNvPr id="6" name="Slide Number Placeholder 5"/>
           <p:cNvSpPr>
             <a:spLocks noGrp="1"/>
           </p:cNvSpPr>
@@ -3792,29 +3291,23 @@
         </p:nvSpPr>
         <p:spPr>
           <a:xfrm>
-            <a:off x="146304" y="6210300"/>
-            <a:ext cx="457200" cy="457200"/>
+            <a:off x="6553200" y="6356350"/>
+            <a:ext cx="2133600" cy="365125"/>
           </a:xfrm>
-          <a:prstGeom prst="ellipse">
+          <a:prstGeom prst="rect">
             <a:avLst/>
           </a:prstGeom>
-          <a:solidFill>
-            <a:schemeClr val="accent1"/>
-          </a:solidFill>
         </p:spPr>
         <p:txBody>
-          <a:bodyPr wrap="none" lIns="0" tIns="0" rIns="0" bIns="0" anchor="ctr" anchorCtr="1">
-            <a:noAutofit/>
-          </a:bodyPr>
+          <a:bodyPr vert="horz" lIns="91440" tIns="45720" rIns="91440" bIns="45720" rtlCol="0" anchor="ctr"/>
           <a:lstStyle>
-            <a:lvl1pPr algn="ctr" eaLnBrk="1" latinLnBrk="0" hangingPunct="1">
-              <a:defRPr kumimoji="0" sz="1400">
+            <a:lvl1pPr algn="r">
+              <a:defRPr sz="1200">
                 <a:solidFill>
-                  <a:srgbClr val="FFFFFF"/>
+                  <a:schemeClr val="tx1">
+                    <a:tint val="75000"/>
+                  </a:schemeClr>
                 </a:solidFill>
-                <a:latin typeface="+mj-lt"/>
-                <a:ea typeface="+mj-ea"/>
-                <a:cs typeface="+mj-cs"/>
               </a:defRPr>
             </a:lvl1pPr>
           </a:lstStyle>
@@ -3832,29 +3325,29 @@
   </p:cSld>
   <p:clrMap bg1="lt1" tx1="dk1" bg2="lt2" tx2="dk2" accent1="accent1" accent2="accent2" accent3="accent3" accent4="accent4" accent5="accent5" accent6="accent6" hlink="hlink" folHlink="folHlink"/>
   <p:sldLayoutIdLst>
-    <p:sldLayoutId id="2147483661" r:id="rId1"/>
-    <p:sldLayoutId id="2147483662" r:id="rId2"/>
-    <p:sldLayoutId id="2147483663" r:id="rId3"/>
-    <p:sldLayoutId id="2147483664" r:id="rId4"/>
-    <p:sldLayoutId id="2147483665" r:id="rId5"/>
-    <p:sldLayoutId id="2147483666" r:id="rId6"/>
-    <p:sldLayoutId id="2147483667" r:id="rId7"/>
-    <p:sldLayoutId id="2147483668" r:id="rId8"/>
-    <p:sldLayoutId id="2147483669" r:id="rId9"/>
-    <p:sldLayoutId id="2147483670" r:id="rId10"/>
-    <p:sldLayoutId id="2147483671" r:id="rId11"/>
+    <p:sldLayoutId id="2147483673" r:id="rId1"/>
+    <p:sldLayoutId id="2147483674" r:id="rId2"/>
+    <p:sldLayoutId id="2147483675" r:id="rId3"/>
+    <p:sldLayoutId id="2147483676" r:id="rId4"/>
+    <p:sldLayoutId id="2147483677" r:id="rId5"/>
+    <p:sldLayoutId id="2147483678" r:id="rId6"/>
+    <p:sldLayoutId id="2147483679" r:id="rId7"/>
+    <p:sldLayoutId id="2147483680" r:id="rId8"/>
+    <p:sldLayoutId id="2147483681" r:id="rId9"/>
+    <p:sldLayoutId id="2147483682" r:id="rId10"/>
+    <p:sldLayoutId id="2147483683" r:id="rId11"/>
   </p:sldLayoutIdLst>
   <p:hf hdr="0" ftr="0" dt="0"/>
   <p:txStyles>
     <p:titleStyle>
-      <a:lvl1pPr algn="l" rtl="0" eaLnBrk="1" latinLnBrk="0" hangingPunct="1">
+      <a:lvl1pPr algn="ctr" defTabSz="914400" rtl="0" eaLnBrk="1" latinLnBrk="0" hangingPunct="1">
         <a:spcBef>
           <a:spcPct val="0"/>
         </a:spcBef>
         <a:buNone/>
-        <a:defRPr kumimoji="0" sz="4000" kern="1200">
+        <a:defRPr sz="4400" kern="1200">
           <a:solidFill>
-            <a:schemeClr val="tx2"/>
+            <a:schemeClr val="tx1"/>
           </a:solidFill>
           <a:latin typeface="+mj-lt"/>
           <a:ea typeface="+mj-ea"/>
@@ -3863,17 +3356,13 @@
       </a:lvl1pPr>
     </p:titleStyle>
     <p:bodyStyle>
-      <a:lvl1pPr marL="274320" indent="-274320" algn="l" rtl="0" eaLnBrk="1" latinLnBrk="0" hangingPunct="1">
+      <a:lvl1pPr marL="342900" indent="-342900" algn="l" defTabSz="914400" rtl="0" eaLnBrk="1" latinLnBrk="0" hangingPunct="1">
         <a:spcBef>
-          <a:spcPts val="580"/>
+          <a:spcPct val="20000"/>
         </a:spcBef>
-        <a:buClr>
-          <a:schemeClr val="accent1"/>
-        </a:buClr>
-        <a:buSzPct val="85000"/>
-        <a:buFont typeface="Wingdings 2"/>
-        <a:buChar char=""/>
-        <a:defRPr kumimoji="0" sz="2600" kern="1200">
+        <a:buFont typeface="Arial" pitchFamily="34" charset="0"/>
+        <a:buChar char="•"/>
+        <a:defRPr sz="3200" kern="1200">
           <a:solidFill>
             <a:schemeClr val="tx1"/>
           </a:solidFill>
@@ -3882,17 +3371,13 @@
           <a:cs typeface="+mn-cs"/>
         </a:defRPr>
       </a:lvl1pPr>
-      <a:lvl2pPr marL="548640" indent="-228600" algn="l" rtl="0" eaLnBrk="1" latinLnBrk="0" hangingPunct="1">
+      <a:lvl2pPr marL="742950" indent="-285750" algn="l" defTabSz="914400" rtl="0" eaLnBrk="1" latinLnBrk="0" hangingPunct="1">
         <a:spcBef>
-          <a:spcPts val="370"/>
+          <a:spcPct val="20000"/>
         </a:spcBef>
-        <a:buClr>
-          <a:schemeClr val="accent2"/>
-        </a:buClr>
-        <a:buSzPct val="85000"/>
-        <a:buFont typeface="Wingdings 2"/>
-        <a:buChar char=""/>
-        <a:defRPr kumimoji="0" sz="2400" kern="1200">
+        <a:buFont typeface="Arial" pitchFamily="34" charset="0"/>
+        <a:buChar char="–"/>
+        <a:defRPr sz="2800" kern="1200">
           <a:solidFill>
             <a:schemeClr val="tx1"/>
           </a:solidFill>
@@ -3901,19 +3386,13 @@
           <a:cs typeface="+mn-cs"/>
         </a:defRPr>
       </a:lvl2pPr>
-      <a:lvl3pPr marL="822960" indent="-228600" algn="l" rtl="0" eaLnBrk="1" latinLnBrk="0" hangingPunct="1">
+      <a:lvl3pPr marL="1143000" indent="-228600" algn="l" defTabSz="914400" rtl="0" eaLnBrk="1" latinLnBrk="0" hangingPunct="1">
         <a:spcBef>
-          <a:spcPts val="370"/>
+          <a:spcPct val="20000"/>
         </a:spcBef>
-        <a:buClr>
-          <a:schemeClr val="accent1">
-            <a:tint val="60000"/>
-          </a:schemeClr>
-        </a:buClr>
-        <a:buSzPct val="85000"/>
-        <a:buFont typeface="Wingdings 2"/>
-        <a:buChar char=""/>
-        <a:defRPr kumimoji="0" sz="2000" kern="1200">
+        <a:buFont typeface="Arial" pitchFamily="34" charset="0"/>
+        <a:buChar char="•"/>
+        <a:defRPr sz="2400" kern="1200">
           <a:solidFill>
             <a:schemeClr val="tx1"/>
           </a:solidFill>
@@ -3922,17 +3401,13 @@
           <a:cs typeface="+mn-cs"/>
         </a:defRPr>
       </a:lvl3pPr>
-      <a:lvl4pPr marL="1097280" indent="-228600" algn="l" rtl="0" eaLnBrk="1" latinLnBrk="0" hangingPunct="1">
+      <a:lvl4pPr marL="1600200" indent="-228600" algn="l" defTabSz="914400" rtl="0" eaLnBrk="1" latinLnBrk="0" hangingPunct="1">
         <a:spcBef>
-          <a:spcPts val="370"/>
+          <a:spcPct val="20000"/>
         </a:spcBef>
-        <a:buClr>
-          <a:schemeClr val="accent3"/>
-        </a:buClr>
-        <a:buSzPct val="80000"/>
-        <a:buFont typeface="Wingdings 2"/>
-        <a:buChar char=""/>
-        <a:defRPr kumimoji="0" sz="2000" kern="1200">
+        <a:buFont typeface="Arial" pitchFamily="34" charset="0"/>
+        <a:buChar char="–"/>
+        <a:defRPr sz="2000" kern="1200">
           <a:solidFill>
             <a:schemeClr val="tx1"/>
           </a:solidFill>
@@ -3941,16 +3416,13 @@
           <a:cs typeface="+mn-cs"/>
         </a:defRPr>
       </a:lvl4pPr>
-      <a:lvl5pPr marL="1371600" indent="-228600" algn="l" rtl="0" eaLnBrk="1" latinLnBrk="0" hangingPunct="1">
+      <a:lvl5pPr marL="2057400" indent="-228600" algn="l" defTabSz="914400" rtl="0" eaLnBrk="1" latinLnBrk="0" hangingPunct="1">
         <a:spcBef>
-          <a:spcPts val="370"/>
+          <a:spcPct val="20000"/>
         </a:spcBef>
-        <a:buClr>
-          <a:schemeClr val="accent3"/>
-        </a:buClr>
-        <a:buFontTx/>
-        <a:buChar char="o"/>
-        <a:defRPr kumimoji="0" sz="2000" kern="1200">
+        <a:buFont typeface="Arial" pitchFamily="34" charset="0"/>
+        <a:buChar char="»"/>
+        <a:defRPr sz="2000" kern="1200">
           <a:solidFill>
             <a:schemeClr val="tx1"/>
           </a:solidFill>
@@ -3959,15 +3431,13 @@
           <a:cs typeface="+mn-cs"/>
         </a:defRPr>
       </a:lvl5pPr>
-      <a:lvl6pPr marL="1645920" indent="-228600" algn="l" rtl="0" eaLnBrk="1" latinLnBrk="0" hangingPunct="1">
+      <a:lvl6pPr marL="2514600" indent="-228600" algn="l" defTabSz="914400" rtl="0" eaLnBrk="1" latinLnBrk="0" hangingPunct="1">
         <a:spcBef>
-          <a:spcPts val="370"/>
+          <a:spcPct val="20000"/>
         </a:spcBef>
-        <a:buClr>
-          <a:schemeClr val="accent3"/>
-        </a:buClr>
+        <a:buFont typeface="Arial" pitchFamily="34" charset="0"/>
         <a:buChar char="•"/>
-        <a:defRPr kumimoji="0" sz="1800" kern="1200" baseline="0">
+        <a:defRPr sz="2000" kern="1200">
           <a:solidFill>
             <a:schemeClr val="tx1"/>
           </a:solidFill>
@@ -3976,15 +3446,13 @@
           <a:cs typeface="+mn-cs"/>
         </a:defRPr>
       </a:lvl6pPr>
-      <a:lvl7pPr marL="1920240" indent="-228600" algn="l" rtl="0" eaLnBrk="1" latinLnBrk="0" hangingPunct="1">
+      <a:lvl7pPr marL="2971800" indent="-228600" algn="l" defTabSz="914400" rtl="0" eaLnBrk="1" latinLnBrk="0" hangingPunct="1">
         <a:spcBef>
-          <a:spcPts val="370"/>
+          <a:spcPct val="20000"/>
         </a:spcBef>
-        <a:buClr>
-          <a:schemeClr val="accent2"/>
-        </a:buClr>
+        <a:buFont typeface="Arial" pitchFamily="34" charset="0"/>
         <a:buChar char="•"/>
-        <a:defRPr kumimoji="0" sz="1800" kern="1200">
+        <a:defRPr sz="2000" kern="1200">
           <a:solidFill>
             <a:schemeClr val="tx1"/>
           </a:solidFill>
@@ -3993,17 +3461,13 @@
           <a:cs typeface="+mn-cs"/>
         </a:defRPr>
       </a:lvl7pPr>
-      <a:lvl8pPr marL="2194560" indent="-228600" algn="l" rtl="0" eaLnBrk="1" latinLnBrk="0" hangingPunct="1">
+      <a:lvl8pPr marL="3429000" indent="-228600" algn="l" defTabSz="914400" rtl="0" eaLnBrk="1" latinLnBrk="0" hangingPunct="1">
         <a:spcBef>
-          <a:spcPts val="370"/>
+          <a:spcPct val="20000"/>
         </a:spcBef>
-        <a:buClr>
-          <a:schemeClr val="accent1">
-            <a:tint val="60000"/>
-          </a:schemeClr>
-        </a:buClr>
+        <a:buFont typeface="Arial" pitchFamily="34" charset="0"/>
         <a:buChar char="•"/>
-        <a:defRPr kumimoji="0" sz="1800" kern="1200">
+        <a:defRPr sz="2000" kern="1200">
           <a:solidFill>
             <a:schemeClr val="tx1"/>
           </a:solidFill>
@@ -4012,17 +3476,13 @@
           <a:cs typeface="+mn-cs"/>
         </a:defRPr>
       </a:lvl8pPr>
-      <a:lvl9pPr marL="2468880" indent="-228600" algn="l" rtl="0" eaLnBrk="1" latinLnBrk="0" hangingPunct="1">
+      <a:lvl9pPr marL="3886200" indent="-228600" algn="l" defTabSz="914400" rtl="0" eaLnBrk="1" latinLnBrk="0" hangingPunct="1">
         <a:spcBef>
-          <a:spcPts val="370"/>
+          <a:spcPct val="20000"/>
         </a:spcBef>
-        <a:buClr>
-          <a:schemeClr val="accent2">
-            <a:tint val="60000"/>
-          </a:schemeClr>
-        </a:buClr>
+        <a:buFont typeface="Arial" pitchFamily="34" charset="0"/>
         <a:buChar char="•"/>
-        <a:defRPr kumimoji="0" sz="1800" kern="1200">
+        <a:defRPr sz="2000" kern="1200">
           <a:solidFill>
             <a:schemeClr val="tx1"/>
           </a:solidFill>
@@ -4033,8 +3493,11 @@
       </a:lvl9pPr>
     </p:bodyStyle>
     <p:otherStyle>
-      <a:lvl1pPr marL="0" algn="l" rtl="0" eaLnBrk="1" latinLnBrk="0" hangingPunct="1">
-        <a:defRPr kumimoji="0" kern="1200">
+      <a:defPPr>
+        <a:defRPr lang="en-US"/>
+      </a:defPPr>
+      <a:lvl1pPr marL="0" algn="l" defTabSz="914400" rtl="0" eaLnBrk="1" latinLnBrk="0" hangingPunct="1">
+        <a:defRPr sz="1800" kern="1200">
           <a:solidFill>
             <a:schemeClr val="tx1"/>
           </a:solidFill>
@@ -4043,8 +3506,8 @@
           <a:cs typeface="+mn-cs"/>
         </a:defRPr>
       </a:lvl1pPr>
-      <a:lvl2pPr marL="457200" algn="l" rtl="0" eaLnBrk="1" latinLnBrk="0" hangingPunct="1">
-        <a:defRPr kumimoji="0" kern="1200">
+      <a:lvl2pPr marL="457200" algn="l" defTabSz="914400" rtl="0" eaLnBrk="1" latinLnBrk="0" hangingPunct="1">
+        <a:defRPr sz="1800" kern="1200">
           <a:solidFill>
             <a:schemeClr val="tx1"/>
           </a:solidFill>
@@ -4053,8 +3516,8 @@
           <a:cs typeface="+mn-cs"/>
         </a:defRPr>
       </a:lvl2pPr>
-      <a:lvl3pPr marL="914400" algn="l" rtl="0" eaLnBrk="1" latinLnBrk="0" hangingPunct="1">
-        <a:defRPr kumimoji="0" kern="1200">
+      <a:lvl3pPr marL="914400" algn="l" defTabSz="914400" rtl="0" eaLnBrk="1" latinLnBrk="0" hangingPunct="1">
+        <a:defRPr sz="1800" kern="1200">
           <a:solidFill>
             <a:schemeClr val="tx1"/>
           </a:solidFill>
@@ -4063,8 +3526,8 @@
           <a:cs typeface="+mn-cs"/>
         </a:defRPr>
       </a:lvl3pPr>
-      <a:lvl4pPr marL="1371600" algn="l" rtl="0" eaLnBrk="1" latinLnBrk="0" hangingPunct="1">
-        <a:defRPr kumimoji="0" kern="1200">
+      <a:lvl4pPr marL="1371600" algn="l" defTabSz="914400" rtl="0" eaLnBrk="1" latinLnBrk="0" hangingPunct="1">
+        <a:defRPr sz="1800" kern="1200">
           <a:solidFill>
             <a:schemeClr val="tx1"/>
           </a:solidFill>
@@ -4073,8 +3536,8 @@
           <a:cs typeface="+mn-cs"/>
         </a:defRPr>
       </a:lvl4pPr>
-      <a:lvl5pPr marL="1828800" algn="l" rtl="0" eaLnBrk="1" latinLnBrk="0" hangingPunct="1">
-        <a:defRPr kumimoji="0" kern="1200">
+      <a:lvl5pPr marL="1828800" algn="l" defTabSz="914400" rtl="0" eaLnBrk="1" latinLnBrk="0" hangingPunct="1">
+        <a:defRPr sz="1800" kern="1200">
           <a:solidFill>
             <a:schemeClr val="tx1"/>
           </a:solidFill>
@@ -4083,8 +3546,8 @@
           <a:cs typeface="+mn-cs"/>
         </a:defRPr>
       </a:lvl5pPr>
-      <a:lvl6pPr marL="2286000" algn="l" rtl="0" eaLnBrk="1" latinLnBrk="0" hangingPunct="1">
-        <a:defRPr kumimoji="0" kern="1200">
+      <a:lvl6pPr marL="2286000" algn="l" defTabSz="914400" rtl="0" eaLnBrk="1" latinLnBrk="0" hangingPunct="1">
+        <a:defRPr sz="1800" kern="1200">
           <a:solidFill>
             <a:schemeClr val="tx1"/>
           </a:solidFill>
@@ -4093,8 +3556,8 @@
           <a:cs typeface="+mn-cs"/>
         </a:defRPr>
       </a:lvl6pPr>
-      <a:lvl7pPr marL="2743200" algn="l" rtl="0" eaLnBrk="1" latinLnBrk="0" hangingPunct="1">
-        <a:defRPr kumimoji="0" kern="1200">
+      <a:lvl7pPr marL="2743200" algn="l" defTabSz="914400" rtl="0" eaLnBrk="1" latinLnBrk="0" hangingPunct="1">
+        <a:defRPr sz="1800" kern="1200">
           <a:solidFill>
             <a:schemeClr val="tx1"/>
           </a:solidFill>
@@ -4103,8 +3566,8 @@
           <a:cs typeface="+mn-cs"/>
         </a:defRPr>
       </a:lvl7pPr>
-      <a:lvl8pPr marL="3200400" algn="l" rtl="0" eaLnBrk="1" latinLnBrk="0" hangingPunct="1">
-        <a:defRPr kumimoji="0" kern="1200">
+      <a:lvl8pPr marL="3200400" algn="l" defTabSz="914400" rtl="0" eaLnBrk="1" latinLnBrk="0" hangingPunct="1">
+        <a:defRPr sz="1800" kern="1200">
           <a:solidFill>
             <a:schemeClr val="tx1"/>
           </a:solidFill>
@@ -4113,8 +3576,8 @@
           <a:cs typeface="+mn-cs"/>
         </a:defRPr>
       </a:lvl8pPr>
-      <a:lvl9pPr marL="3657600" algn="l" rtl="0" eaLnBrk="1" latinLnBrk="0" hangingPunct="1">
-        <a:defRPr kumimoji="0" kern="1200">
+      <a:lvl9pPr marL="3657600" algn="l" defTabSz="914400" rtl="0" eaLnBrk="1" latinLnBrk="0" hangingPunct="1">
+        <a:defRPr sz="1800" kern="1200">
           <a:solidFill>
             <a:schemeClr val="tx1"/>
           </a:solidFill>
@@ -4147,310 +3610,427 @@
       </p:grpSpPr>
       <p:sp>
         <p:nvSpPr>
-          <p:cNvPr id="4" name="Text Box 1"/>
-          <p:cNvSpPr txBox="1">
-            <a:spLocks noChangeArrowheads="1"/>
-          </p:cNvSpPr>
+          <p:cNvPr id="45" name="TextShape 1"/>
+          <p:cNvSpPr txBox="1"/>
           <p:nvPr/>
         </p:nvSpPr>
-        <p:spPr bwMode="auto">
+        <p:spPr>
           <a:xfrm>
-            <a:off x="647700" y="3733800"/>
-            <a:ext cx="7848600" cy="2895600"/>
+            <a:off x="762120" y="4010895"/>
+            <a:ext cx="7659504" cy="2395440"/>
+          </a:xfrm>
+          <a:prstGeom prst="rect">
+            <a:avLst/>
+          </a:prstGeom>
+        </p:spPr>
+        <p:txBody>
+          <a:bodyPr/>
+          <a:lstStyle/>
+          <a:p>
+            <a:pPr>
+              <a:lnSpc>
+                <a:spcPct val="80000"/>
+              </a:lnSpc>
+            </a:pPr>
+            <a:r>
+              <a:rPr lang="en-IN" sz="2400" b="1" i="1" dirty="0">
+                <a:solidFill>
+                  <a:srgbClr val="000000"/>
+                </a:solidFill>
+                <a:latin typeface="Cambria" pitchFamily="18" charset="0"/>
+                <a:ea typeface="Libre Baskerville"/>
+              </a:rPr>
+              <a:t>Prepared by-</a:t>
+            </a:r>
+            <a:endParaRPr i="1" dirty="0">
+              <a:latin typeface="Cambria" pitchFamily="18" charset="0"/>
+            </a:endParaRPr>
+          </a:p>
+          <a:p>
+            <a:pPr>
+              <a:lnSpc>
+                <a:spcPct val="80000"/>
+              </a:lnSpc>
+            </a:pPr>
+            <a:endParaRPr dirty="0">
+              <a:latin typeface="Cambria" pitchFamily="18" charset="0"/>
+            </a:endParaRPr>
+          </a:p>
+          <a:p>
+            <a:pPr>
+              <a:lnSpc>
+                <a:spcPct val="80000"/>
+              </a:lnSpc>
+            </a:pPr>
+            <a:r>
+              <a:rPr lang="en-IN" sz="2400" b="1" dirty="0" smtClean="0">
+                <a:solidFill>
+                  <a:srgbClr val="000000"/>
+                </a:solidFill>
+                <a:latin typeface="Cambria" pitchFamily="18" charset="0"/>
+                <a:ea typeface="Libre Baskerville"/>
+              </a:rPr>
+              <a:t>Patel Maulik </a:t>
+            </a:r>
+            <a:r>
+              <a:rPr lang="en-IN" sz="2400" b="1" dirty="0" err="1" smtClean="0">
+                <a:solidFill>
+                  <a:srgbClr val="000000"/>
+                </a:solidFill>
+                <a:latin typeface="Cambria" pitchFamily="18" charset="0"/>
+                <a:ea typeface="Libre Baskerville"/>
+              </a:rPr>
+              <a:t>Satishkumar</a:t>
+            </a:r>
+            <a:r>
+              <a:rPr lang="en-IN" sz="2400" b="1" dirty="0" smtClean="0">
+                <a:solidFill>
+                  <a:srgbClr val="000000"/>
+                </a:solidFill>
+                <a:latin typeface="Cambria" pitchFamily="18" charset="0"/>
+                <a:ea typeface="Libre Baskerville"/>
+              </a:rPr>
+              <a:t> (150124116006)</a:t>
+            </a:r>
+            <a:endParaRPr lang="en-IN" sz="2400" b="1" dirty="0" smtClean="0">
+              <a:solidFill>
+                <a:srgbClr val="000000"/>
+              </a:solidFill>
+              <a:latin typeface="Cambria" pitchFamily="18" charset="0"/>
+              <a:ea typeface="Libre Baskerville"/>
+            </a:endParaRPr>
+          </a:p>
+          <a:p>
+            <a:pPr>
+              <a:lnSpc>
+                <a:spcPct val="80000"/>
+              </a:lnSpc>
+            </a:pPr>
+            <a:endParaRPr lang="en-IN" sz="2400" b="1" dirty="0" smtClean="0">
+              <a:solidFill>
+                <a:srgbClr val="000000"/>
+              </a:solidFill>
+              <a:latin typeface="Cambria" pitchFamily="18" charset="0"/>
+            </a:endParaRPr>
+          </a:p>
+          <a:p>
+            <a:pPr>
+              <a:lnSpc>
+                <a:spcPct val="80000"/>
+              </a:lnSpc>
+            </a:pPr>
+            <a:endParaRPr lang="en-IN" sz="2400" b="1" dirty="0">
+              <a:solidFill>
+                <a:srgbClr val="000000"/>
+              </a:solidFill>
+              <a:latin typeface="Cambria" pitchFamily="18" charset="0"/>
+            </a:endParaRPr>
+          </a:p>
+          <a:p>
+            <a:pPr>
+              <a:lnSpc>
+                <a:spcPct val="80000"/>
+              </a:lnSpc>
+            </a:pPr>
+            <a:endParaRPr lang="en-IN" sz="2400" b="1" dirty="0" smtClean="0">
+              <a:solidFill>
+                <a:srgbClr val="000000"/>
+              </a:solidFill>
+              <a:latin typeface="Cambria" pitchFamily="18" charset="0"/>
+            </a:endParaRPr>
+          </a:p>
+          <a:p>
+            <a:pPr algn="r">
+              <a:lnSpc>
+                <a:spcPct val="80000"/>
+              </a:lnSpc>
+            </a:pPr>
+            <a:r>
+              <a:rPr lang="en-IN" sz="2500" b="1" i="1" dirty="0">
+                <a:solidFill>
+                  <a:srgbClr val="000000"/>
+                </a:solidFill>
+                <a:latin typeface="Cambria" pitchFamily="18" charset="0"/>
+                <a:ea typeface="Arial"/>
+              </a:rPr>
+              <a:t>Guided by –</a:t>
+            </a:r>
+            <a:r>
+              <a:rPr lang="en-IN" sz="2500" b="1" dirty="0">
+                <a:solidFill>
+                  <a:srgbClr val="000000"/>
+                </a:solidFill>
+                <a:latin typeface="Cambria" pitchFamily="18" charset="0"/>
+                <a:ea typeface="Arial"/>
+              </a:rPr>
+              <a:t> </a:t>
+            </a:r>
+            <a:r>
+              <a:rPr lang="en-IN" sz="2500" b="1" dirty="0" smtClean="0">
+                <a:solidFill>
+                  <a:srgbClr val="000000"/>
+                </a:solidFill>
+                <a:latin typeface="Cambria" pitchFamily="18" charset="0"/>
+                <a:ea typeface="Arial"/>
+              </a:rPr>
+              <a:t>Prof. </a:t>
+            </a:r>
+            <a:r>
+              <a:rPr lang="en-IN" sz="2500" b="1" dirty="0" err="1" smtClean="0">
+                <a:solidFill>
+                  <a:srgbClr val="000000"/>
+                </a:solidFill>
+                <a:latin typeface="Cambria" pitchFamily="18" charset="0"/>
+                <a:ea typeface="Arial"/>
+              </a:rPr>
+              <a:t>Dhaval</a:t>
+            </a:r>
+            <a:r>
+              <a:rPr lang="en-IN" sz="2500" b="1" dirty="0" smtClean="0">
+                <a:solidFill>
+                  <a:srgbClr val="000000"/>
+                </a:solidFill>
+                <a:latin typeface="Cambria" pitchFamily="18" charset="0"/>
+                <a:ea typeface="Arial"/>
+              </a:rPr>
+              <a:t> D. </a:t>
+            </a:r>
+            <a:r>
+              <a:rPr lang="en-IN" sz="2500" b="1" dirty="0" err="1" smtClean="0">
+                <a:solidFill>
+                  <a:srgbClr val="000000"/>
+                </a:solidFill>
+                <a:latin typeface="Cambria" pitchFamily="18" charset="0"/>
+                <a:ea typeface="Arial"/>
+              </a:rPr>
+              <a:t>Vaja</a:t>
+            </a:r>
+            <a:endParaRPr dirty="0">
+              <a:latin typeface="Cambria" pitchFamily="18" charset="0"/>
+            </a:endParaRPr>
+          </a:p>
+        </p:txBody>
+      </p:sp>
+      <p:sp>
+        <p:nvSpPr>
+          <p:cNvPr id="46" name="TextShape 2"/>
+          <p:cNvSpPr txBox="1"/>
+          <p:nvPr/>
+        </p:nvSpPr>
+        <p:spPr>
+          <a:xfrm>
+            <a:off x="76320" y="2130480"/>
+            <a:ext cx="9067320" cy="1469520"/>
+          </a:xfrm>
+          <a:prstGeom prst="rect">
+            <a:avLst/>
+          </a:prstGeom>
+        </p:spPr>
+        <p:txBody>
+          <a:bodyPr bIns="91440" anchor="ctr"/>
+          <a:lstStyle/>
+          <a:p>
+            <a:pPr algn="r">
+              <a:lnSpc>
+                <a:spcPct val="100000"/>
+              </a:lnSpc>
+            </a:pPr>
+            <a:r>
+              <a:rPr lang="en-IN" sz="2500" b="1" i="1" dirty="0">
+                <a:solidFill>
+                  <a:srgbClr val="BDB196"/>
+                </a:solidFill>
+                <a:latin typeface="Arial"/>
+                <a:ea typeface="Arial"/>
+              </a:rPr>
+              <a:t>                                                               
+</a:t>
+            </a:r>
+            <a:r>
+              <a:rPr lang="en-IN" sz="2500" b="1" i="1" dirty="0" smtClean="0">
+                <a:solidFill>
+                  <a:srgbClr val="BDB196"/>
+                </a:solidFill>
+                <a:latin typeface="Arial"/>
+                <a:ea typeface="Arial"/>
+              </a:rPr>
+              <a:t>
+				</a:t>
+            </a:r>
+            <a:endParaRPr dirty="0"/>
+          </a:p>
+        </p:txBody>
+      </p:sp>
+      <p:sp>
+        <p:nvSpPr>
+          <p:cNvPr id="47" name="CustomShape 3"/>
+          <p:cNvSpPr/>
+          <p:nvPr/>
+        </p:nvSpPr>
+        <p:spPr>
+          <a:xfrm>
+            <a:off x="667512" y="595745"/>
+            <a:ext cx="7863840" cy="2964873"/>
           </a:xfrm>
           <a:prstGeom prst="rect">
             <a:avLst/>
           </a:prstGeom>
           <a:noFill/>
-          <a:ln w="9525">
+          <a:ln>
             <a:noFill/>
-            <a:round/>
-            <a:headEnd/>
-            <a:tailEnd/>
           </a:ln>
         </p:spPr>
         <p:txBody>
           <a:bodyPr/>
           <a:lstStyle/>
           <a:p>
-            <a:pPr>
-              <a:spcBef>
-                <a:spcPts val="575"/>
-              </a:spcBef>
-              <a:buSzPct val="85000"/>
-              <a:tabLst>
-                <a:tab pos="8229600" algn="l"/>
-                <a:tab pos="9144000" algn="l"/>
-                <a:tab pos="10058400" algn="l"/>
-              </a:tabLst>
+            <a:pPr algn="ctr">
+              <a:lnSpc>
+                <a:spcPct val="100000"/>
+              </a:lnSpc>
             </a:pPr>
             <a:r>
-              <a:rPr lang="en-US" sz="2200" b="1" i="1" dirty="0" smtClean="0">
+              <a:rPr lang="en-IN" sz="3200" b="1" dirty="0">
+                <a:solidFill>
+                  <a:srgbClr val="855D5D"/>
+                </a:solidFill>
+                <a:latin typeface="Cambria" pitchFamily="18" charset="0"/>
+                <a:ea typeface="Arial"/>
+              </a:rPr>
+              <a:t>Gandhinagar Institute of Technology</a:t>
+            </a:r>
+            <a:endParaRPr sz="3200" dirty="0">
+              <a:latin typeface="Cambria" pitchFamily="18" charset="0"/>
+            </a:endParaRPr>
+          </a:p>
+          <a:p>
+            <a:pPr algn="ctr">
+              <a:lnSpc>
+                <a:spcPct val="100000"/>
+              </a:lnSpc>
+            </a:pPr>
+            <a:r>
+              <a:rPr lang="en-IN" sz="2000" dirty="0" smtClean="0">
+                <a:latin typeface="Cambria" pitchFamily="18" charset="0"/>
+              </a:rPr>
+              <a:t>Information Technology</a:t>
+            </a:r>
+            <a:endParaRPr dirty="0">
+              <a:latin typeface="Cambria" pitchFamily="18" charset="0"/>
+            </a:endParaRPr>
+          </a:p>
+          <a:p>
+            <a:pPr algn="ctr">
+              <a:lnSpc>
+                <a:spcPct val="100000"/>
+              </a:lnSpc>
+            </a:pPr>
+            <a:r>
+              <a:rPr lang="en-IN" sz="100" b="1" dirty="0">
                 <a:solidFill>
                   <a:srgbClr val="000000"/>
                 </a:solidFill>
-                <a:latin typeface="Perpetua" pitchFamily="18" charset="0"/>
-              </a:rPr>
-              <a:t>Prepared </a:t>
-            </a:r>
-            <a:r>
-              <a:rPr lang="en-US" sz="2200" b="1" i="1" dirty="0" smtClean="0">
+                <a:latin typeface="Cambria" pitchFamily="18" charset="0"/>
+                <a:ea typeface="Arial"/>
+              </a:rPr>
+              <a:t> </a:t>
+            </a:r>
+            <a:r>
+              <a:rPr lang="en-IN" sz="2400" b="1" dirty="0">
                 <a:solidFill>
                   <a:srgbClr val="000000"/>
                 </a:solidFill>
-                <a:latin typeface="Perpetua" pitchFamily="18" charset="0"/>
-              </a:rPr>
-              <a:t>by-</a:t>
-            </a:r>
-          </a:p>
-          <a:p>
-            <a:pPr>
-              <a:spcBef>
-                <a:spcPts val="575"/>
-              </a:spcBef>
-              <a:buSzPct val="85000"/>
-              <a:tabLst>
-                <a:tab pos="8229600" algn="l"/>
-                <a:tab pos="9144000" algn="l"/>
-                <a:tab pos="10058400" algn="l"/>
-              </a:tabLst>
-            </a:pPr>
-            <a:endParaRPr lang="en-US" sz="800" b="1" i="1" dirty="0">
+                <a:latin typeface="Cambria" pitchFamily="18" charset="0"/>
+                <a:ea typeface="Arial"/>
+              </a:rPr>
+              <a:t>         </a:t>
+            </a:r>
+            <a:endParaRPr lang="en-IN" sz="700" b="1" dirty="0" smtClean="0">
               <a:solidFill>
                 <a:srgbClr val="000000"/>
               </a:solidFill>
-              <a:latin typeface="Bookman Old Style" pitchFamily="18" charset="0"/>
+              <a:latin typeface="Cambria" pitchFamily="18" charset="0"/>
+              <a:ea typeface="Arial"/>
             </a:endParaRPr>
           </a:p>
           <a:p>
-            <a:pPr>
-              <a:spcBef>
-                <a:spcPts val="575"/>
-              </a:spcBef>
-              <a:buSzPct val="85000"/>
-              <a:tabLst>
-                <a:tab pos="0" algn="l"/>
-                <a:tab pos="914400" algn="l"/>
-                <a:tab pos="1828800" algn="l"/>
-                <a:tab pos="2743200" algn="l"/>
-                <a:tab pos="3657600" algn="l"/>
-                <a:tab pos="4572000" algn="l"/>
-                <a:tab pos="5486400" algn="l"/>
-                <a:tab pos="6400800" algn="l"/>
-                <a:tab pos="7315200" algn="l"/>
-                <a:tab pos="8229600" algn="l"/>
-                <a:tab pos="9144000" algn="l"/>
-                <a:tab pos="10058400" algn="l"/>
-              </a:tabLst>
+            <a:pPr algn="ctr">
+              <a:lnSpc>
+                <a:spcPct val="100000"/>
+              </a:lnSpc>
             </a:pPr>
-            <a:r>
-              <a:rPr lang="en-US" sz="2500" b="1" dirty="0">
+            <a:endParaRPr sz="1000" dirty="0">
+              <a:latin typeface="Cambria" pitchFamily="18" charset="0"/>
+            </a:endParaRPr>
+          </a:p>
+          <a:p>
+            <a:pPr algn="ctr">
+              <a:lnSpc>
+                <a:spcPct val="100000"/>
+              </a:lnSpc>
+            </a:pPr>
+            <a:r>
+              <a:rPr lang="en-IN" sz="2400" b="1" dirty="0">
                 <a:solidFill>
                   <a:srgbClr val="000000"/>
                 </a:solidFill>
-                <a:latin typeface="Bookman Old Style" pitchFamily="18" charset="0"/>
-              </a:rPr>
-              <a:t>Patel Maulik Satishkumar (150124116006)</a:t>
-            </a:r>
-          </a:p>
-          <a:p>
-            <a:pPr>
-              <a:spcBef>
-                <a:spcPts val="575"/>
-              </a:spcBef>
-              <a:buSzPct val="85000"/>
-              <a:tabLst>
-                <a:tab pos="0" algn="l"/>
-                <a:tab pos="914400" algn="l"/>
-                <a:tab pos="1828800" algn="l"/>
-                <a:tab pos="2743200" algn="l"/>
-                <a:tab pos="3657600" algn="l"/>
-                <a:tab pos="4572000" algn="l"/>
-                <a:tab pos="5486400" algn="l"/>
-                <a:tab pos="6400800" algn="l"/>
-                <a:tab pos="7315200" algn="l"/>
-                <a:tab pos="8229600" algn="l"/>
-                <a:tab pos="9144000" algn="l"/>
-                <a:tab pos="10058400" algn="l"/>
-              </a:tabLst>
-            </a:pPr>
-            <a:endParaRPr lang="en-US" sz="2000" b="1" i="1" dirty="0" smtClean="0">
-              <a:solidFill>
-                <a:srgbClr val="000000"/>
-              </a:solidFill>
-              <a:latin typeface="Perpetua" pitchFamily="18" charset="0"/>
-            </a:endParaRPr>
-          </a:p>
-          <a:p>
-            <a:pPr>
-              <a:spcBef>
-                <a:spcPts val="575"/>
-              </a:spcBef>
-              <a:buSzPct val="85000"/>
-              <a:tabLst>
-                <a:tab pos="0" algn="l"/>
-                <a:tab pos="914400" algn="l"/>
-                <a:tab pos="1828800" algn="l"/>
-                <a:tab pos="2743200" algn="l"/>
-                <a:tab pos="3657600" algn="l"/>
-                <a:tab pos="4572000" algn="l"/>
-                <a:tab pos="5486400" algn="l"/>
-                <a:tab pos="6400800" algn="l"/>
-                <a:tab pos="7315200" algn="l"/>
-                <a:tab pos="8229600" algn="l"/>
-                <a:tab pos="9144000" algn="l"/>
-                <a:tab pos="10058400" algn="l"/>
-              </a:tabLst>
-            </a:pPr>
-            <a:endParaRPr lang="en-US" sz="1100" b="1" i="1" dirty="0">
-              <a:solidFill>
-                <a:srgbClr val="000000"/>
-              </a:solidFill>
-              <a:latin typeface="Perpetua" pitchFamily="18" charset="0"/>
-            </a:endParaRPr>
-          </a:p>
-          <a:p>
-            <a:pPr algn="r">
-              <a:spcBef>
-                <a:spcPts val="575"/>
-              </a:spcBef>
-              <a:buSzPct val="85000"/>
-              <a:tabLst>
-                <a:tab pos="0" algn="l"/>
-                <a:tab pos="914400" algn="l"/>
-                <a:tab pos="1828800" algn="l"/>
-                <a:tab pos="2743200" algn="l"/>
-                <a:tab pos="3657600" algn="l"/>
-                <a:tab pos="4572000" algn="l"/>
-                <a:tab pos="5486400" algn="l"/>
-                <a:tab pos="6400800" algn="l"/>
-                <a:tab pos="7315200" algn="l"/>
-                <a:tab pos="8229600" algn="l"/>
-                <a:tab pos="9144000" algn="l"/>
-                <a:tab pos="10058400" algn="l"/>
-              </a:tabLst>
-            </a:pPr>
-            <a:r>
-              <a:rPr lang="en-US" sz="1100" b="1" i="1" dirty="0">
+                <a:latin typeface="Cambria" pitchFamily="18" charset="0"/>
+                <a:ea typeface="Arial"/>
+              </a:rPr>
+              <a:t>  SUBJECT </a:t>
+            </a:r>
+            <a:r>
+              <a:rPr lang="en-IN" sz="2400" b="1" dirty="0" smtClean="0">
                 <a:solidFill>
                   <a:srgbClr val="000000"/>
                 </a:solidFill>
-                <a:latin typeface="Perpetua" pitchFamily="18" charset="0"/>
-              </a:rPr>
-              <a:t> </a:t>
-            </a:r>
-            <a:r>
-              <a:rPr lang="en-US" sz="2000" b="1" i="1" dirty="0">
+                <a:latin typeface="Cambria" pitchFamily="18" charset="0"/>
+                <a:ea typeface="Arial"/>
+              </a:rPr>
+              <a:t>– </a:t>
+            </a:r>
+            <a:r>
+              <a:rPr lang="en-IN" sz="2400" b="1" dirty="0">
                 <a:solidFill>
                   <a:srgbClr val="000000"/>
                 </a:solidFill>
-                <a:latin typeface="Perpetua" pitchFamily="18" charset="0"/>
-              </a:rPr>
-              <a:t>                                                 </a:t>
-            </a:r>
-          </a:p>
-          <a:p>
-            <a:pPr algn="r">
-              <a:spcBef>
-                <a:spcPts val="575"/>
-              </a:spcBef>
-              <a:buSzPct val="85000"/>
-              <a:tabLst>
-                <a:tab pos="0" algn="l"/>
-                <a:tab pos="914400" algn="l"/>
-                <a:tab pos="1828800" algn="l"/>
-                <a:tab pos="2743200" algn="l"/>
-                <a:tab pos="3657600" algn="l"/>
-                <a:tab pos="4572000" algn="l"/>
-                <a:tab pos="5486400" algn="l"/>
-                <a:tab pos="6400800" algn="l"/>
-                <a:tab pos="7315200" algn="l"/>
-                <a:tab pos="8229600" algn="l"/>
-                <a:tab pos="9144000" algn="l"/>
-                <a:tab pos="10058400" algn="l"/>
-              </a:tabLst>
-            </a:pPr>
-            <a:r>
-              <a:rPr lang="en-US" sz="2000" b="1" i="1" dirty="0">
+                <a:latin typeface="Cambria" pitchFamily="18" charset="0"/>
+                <a:ea typeface="Arial"/>
+              </a:rPr>
+              <a:t>DNT (</a:t>
+            </a:r>
+            <a:r>
+              <a:rPr lang="en-IN" sz="2400" b="1" dirty="0" smtClean="0">
                 <a:solidFill>
                   <a:srgbClr val="000000"/>
                 </a:solidFill>
-                <a:latin typeface="Perpetua" pitchFamily="18" charset="0"/>
-              </a:rPr>
-              <a:t>Guided By: </a:t>
-            </a:r>
-            <a:r>
-              <a:rPr lang="en-US" sz="2400" b="1" dirty="0">
+                <a:latin typeface="Cambria" pitchFamily="18" charset="0"/>
+                <a:ea typeface="Arial"/>
+              </a:rPr>
+              <a:t>2160711</a:t>
+            </a:r>
+            <a:r>
+              <a:rPr lang="en-IN" sz="2400" b="1" dirty="0" smtClean="0">
                 <a:solidFill>
                   <a:srgbClr val="000000"/>
                 </a:solidFill>
-                <a:latin typeface="Perpetua" pitchFamily="18" charset="0"/>
-              </a:rPr>
-              <a:t>Prof. </a:t>
-            </a:r>
-            <a:r>
-              <a:rPr lang="en-US" sz="2400" b="1" dirty="0" err="1" smtClean="0">
-                <a:solidFill>
-                  <a:srgbClr val="000000"/>
-                </a:solidFill>
-                <a:latin typeface="Perpetua" pitchFamily="18" charset="0"/>
-              </a:rPr>
-              <a:t>Dhaval</a:t>
-            </a:r>
-            <a:r>
-              <a:rPr lang="en-US" sz="2400" b="1" dirty="0" smtClean="0">
-                <a:solidFill>
-                  <a:srgbClr val="000000"/>
-                </a:solidFill>
-                <a:latin typeface="Perpetua" pitchFamily="18" charset="0"/>
-              </a:rPr>
-              <a:t> D. </a:t>
-            </a:r>
-            <a:r>
-              <a:rPr lang="en-US" sz="2400" b="1" dirty="0" err="1" smtClean="0">
-                <a:solidFill>
-                  <a:srgbClr val="000000"/>
-                </a:solidFill>
-                <a:latin typeface="Perpetua" pitchFamily="18" charset="0"/>
-              </a:rPr>
-              <a:t>Vaja</a:t>
-            </a:r>
-            <a:endParaRPr lang="en-US" sz="2000" b="1" i="1" dirty="0">
-              <a:solidFill>
-                <a:srgbClr val="000000"/>
-              </a:solidFill>
-              <a:latin typeface="Perpetua" pitchFamily="18" charset="0"/>
+                <a:latin typeface="Cambria" pitchFamily="18" charset="0"/>
+                <a:ea typeface="Arial"/>
+              </a:rPr>
+              <a:t>)</a:t>
+            </a:r>
+          </a:p>
+          <a:p>
+            <a:pPr algn="ctr">
+              <a:lnSpc>
+                <a:spcPct val="100000"/>
+              </a:lnSpc>
+            </a:pPr>
+            <a:endParaRPr sz="1200" dirty="0">
+              <a:latin typeface="Times New Roman" pitchFamily="18" charset="0"/>
+              <a:cs typeface="Times New Roman" pitchFamily="18" charset="0"/>
             </a:endParaRPr>
           </a:p>
-        </p:txBody>
-      </p:sp>
-      <p:sp>
-        <p:nvSpPr>
-          <p:cNvPr id="5" name="Text Box 2"/>
-          <p:cNvSpPr txBox="1">
-            <a:spLocks noChangeArrowheads="1"/>
-          </p:cNvSpPr>
-          <p:nvPr/>
-        </p:nvSpPr>
-        <p:spPr bwMode="auto">
-          <a:xfrm>
-            <a:off x="609600" y="152400"/>
-            <a:ext cx="8001000" cy="692150"/>
-          </a:xfrm>
-          <a:prstGeom prst="rect">
-            <a:avLst/>
-          </a:prstGeom>
-          <a:noFill/>
-          <a:ln w="9525">
-            <a:noFill/>
-            <a:round/>
-            <a:headEnd/>
-            <a:tailEnd/>
-          </a:ln>
-        </p:spPr>
-        <p:txBody>
-          <a:bodyPr lIns="90000" tIns="46800" rIns="90000" bIns="46800" anchor="ctr"/>
-          <a:lstStyle/>
           <a:p>
             <a:pPr algn="ctr" eaLnBrk="0" hangingPunct="0">
               <a:buSzPct val="100000"/>
@@ -4470,46 +4050,21 @@
               </a:tabLst>
             </a:pPr>
             <a:r>
-              <a:rPr lang="en-US" sz="2800" b="1" dirty="0">
+              <a:rPr lang="en-US" sz="3200" b="1" dirty="0" smtClean="0">
                 <a:solidFill>
                   <a:srgbClr val="000000"/>
                 </a:solidFill>
                 <a:latin typeface="Times New Roman" pitchFamily="18" charset="0"/>
               </a:rPr>
-              <a:t>GANDHINAGAR INSTITUTE OF TECHNOLGY</a:t>
-            </a:r>
-          </a:p>
-        </p:txBody>
-      </p:sp>
-      <p:sp>
-        <p:nvSpPr>
-          <p:cNvPr id="6" name="Text Box 3"/>
-          <p:cNvSpPr txBox="1">
-            <a:spLocks noChangeArrowheads="1"/>
-          </p:cNvSpPr>
-          <p:nvPr/>
-        </p:nvSpPr>
-        <p:spPr bwMode="auto">
-          <a:xfrm>
-            <a:off x="762000" y="838200"/>
-            <a:ext cx="7772400" cy="703263"/>
-          </a:xfrm>
-          <a:prstGeom prst="rect">
-            <a:avLst/>
-          </a:prstGeom>
-          <a:noFill/>
-          <a:ln w="9525">
-            <a:noFill/>
-            <a:round/>
-            <a:headEnd/>
-            <a:tailEnd/>
-          </a:ln>
-        </p:spPr>
-        <p:txBody>
-          <a:bodyPr lIns="90000" tIns="46800" rIns="90000" bIns="46800">
-            <a:spAutoFit/>
-          </a:bodyPr>
-          <a:lstStyle/>
+              <a:t>Modifiers, Properties and Indexers, </a:t>
+            </a:r>
+            <a:endParaRPr lang="en-US" sz="3200" b="1" dirty="0" smtClean="0">
+              <a:solidFill>
+                <a:srgbClr val="000000"/>
+              </a:solidFill>
+              <a:latin typeface="Times New Roman" pitchFamily="18" charset="0"/>
+            </a:endParaRPr>
+          </a:p>
           <a:p>
             <a:pPr algn="ctr" eaLnBrk="0" hangingPunct="0">
               <a:buSzPct val="100000"/>
@@ -4529,214 +4084,54 @@
               </a:tabLst>
             </a:pPr>
             <a:r>
-              <a:rPr lang="en-US" sz="2000" b="1" dirty="0">
+              <a:rPr lang="en-US" sz="3200" b="1" dirty="0" smtClean="0">
                 <a:solidFill>
                   <a:srgbClr val="000000"/>
                 </a:solidFill>
                 <a:latin typeface="Times New Roman" pitchFamily="18" charset="0"/>
               </a:rPr>
-              <a:t>Information Technology Department </a:t>
-            </a:r>
-          </a:p>
-          <a:p>
-            <a:pPr algn="ctr" eaLnBrk="0" hangingPunct="0">
-              <a:buSzPct val="100000"/>
-              <a:tabLst>
-                <a:tab pos="0" algn="l"/>
-                <a:tab pos="914400" algn="l"/>
-                <a:tab pos="1828800" algn="l"/>
-                <a:tab pos="2743200" algn="l"/>
-                <a:tab pos="3657600" algn="l"/>
-                <a:tab pos="4572000" algn="l"/>
-                <a:tab pos="5486400" algn="l"/>
-                <a:tab pos="6400800" algn="l"/>
-                <a:tab pos="7315200" algn="l"/>
-                <a:tab pos="8229600" algn="l"/>
-                <a:tab pos="9144000" algn="l"/>
-                <a:tab pos="10058400" algn="l"/>
-              </a:tabLst>
-            </a:pPr>
-            <a:endParaRPr lang="en-US" sz="2000" b="1" dirty="0">
-              <a:solidFill>
-                <a:srgbClr val="000000"/>
-              </a:solidFill>
-              <a:latin typeface="Times New Roman" pitchFamily="18" charset="0"/>
-            </a:endParaRPr>
-          </a:p>
-        </p:txBody>
-      </p:sp>
-      <p:sp>
-        <p:nvSpPr>
-          <p:cNvPr id="7" name="Text Box 4"/>
-          <p:cNvSpPr txBox="1">
-            <a:spLocks noChangeArrowheads="1"/>
-          </p:cNvSpPr>
-          <p:nvPr/>
-        </p:nvSpPr>
-        <p:spPr bwMode="auto">
-          <a:xfrm>
-            <a:off x="762000" y="1576240"/>
-            <a:ext cx="7772400" cy="398463"/>
-          </a:xfrm>
-          <a:prstGeom prst="rect">
-            <a:avLst/>
-          </a:prstGeom>
-          <a:noFill/>
-          <a:ln w="9525">
-            <a:noFill/>
-            <a:round/>
-            <a:headEnd/>
-            <a:tailEnd/>
-          </a:ln>
-        </p:spPr>
-        <p:txBody>
-          <a:bodyPr lIns="90000" tIns="46800" rIns="90000" bIns="46800">
-            <a:spAutoFit/>
-          </a:bodyPr>
-          <a:lstStyle/>
-          <a:p>
-            <a:pPr algn="ctr" eaLnBrk="0" hangingPunct="0">
-              <a:buSzPct val="100000"/>
-              <a:tabLst>
-                <a:tab pos="0" algn="l"/>
-                <a:tab pos="914400" algn="l"/>
-                <a:tab pos="1828800" algn="l"/>
-                <a:tab pos="2743200" algn="l"/>
-                <a:tab pos="3657600" algn="l"/>
-                <a:tab pos="4572000" algn="l"/>
-                <a:tab pos="5486400" algn="l"/>
-                <a:tab pos="6400800" algn="l"/>
-                <a:tab pos="7315200" algn="l"/>
-                <a:tab pos="8229600" algn="l"/>
-                <a:tab pos="9144000" algn="l"/>
-                <a:tab pos="10058400" algn="l"/>
-              </a:tabLst>
-            </a:pPr>
-            <a:r>
-              <a:rPr lang="en-US" sz="2000" b="1" dirty="0" smtClean="0">
+              <a:t>Attributes </a:t>
+            </a:r>
+            <a:r>
+              <a:rPr lang="en-US" sz="3200" b="1" dirty="0" smtClean="0">
                 <a:solidFill>
                   <a:srgbClr val="000000"/>
                 </a:solidFill>
                 <a:latin typeface="Times New Roman" pitchFamily="18" charset="0"/>
               </a:rPr>
-              <a:t>.NET Technology </a:t>
-            </a:r>
-            <a:r>
-              <a:rPr lang="en-US" sz="2000" b="1" dirty="0">
+              <a:t>&amp; Reflection </a:t>
+            </a:r>
+            <a:r>
+              <a:rPr lang="en-US" sz="3200" b="1" dirty="0" smtClean="0">
                 <a:solidFill>
                   <a:srgbClr val="000000"/>
                 </a:solidFill>
                 <a:latin typeface="Times New Roman" pitchFamily="18" charset="0"/>
               </a:rPr>
-              <a:t>(</a:t>
-            </a:r>
-            <a:r>
-              <a:rPr lang="en-US" sz="2000" b="1" dirty="0" smtClean="0">
-                <a:solidFill>
-                  <a:srgbClr val="000000"/>
-                </a:solidFill>
-                <a:latin typeface="Times New Roman" pitchFamily="18" charset="0"/>
-              </a:rPr>
-              <a:t>2160711)</a:t>
-            </a:r>
-            <a:endParaRPr lang="en-US" sz="2000" b="1" dirty="0">
-              <a:solidFill>
-                <a:srgbClr val="000000"/>
-              </a:solidFill>
-              <a:latin typeface="Times New Roman" pitchFamily="18" charset="0"/>
+              <a:t>API</a:t>
+            </a:r>
+            <a:endParaRPr sz="2400" dirty="0">
+              <a:latin typeface="Cambria" pitchFamily="18" charset="0"/>
             </a:endParaRPr>
           </a:p>
-        </p:txBody>
-      </p:sp>
-      <p:sp>
-        <p:nvSpPr>
-          <p:cNvPr id="8" name="Text Box 5"/>
-          <p:cNvSpPr txBox="1">
-            <a:spLocks noChangeArrowheads="1"/>
-          </p:cNvSpPr>
-          <p:nvPr/>
-        </p:nvSpPr>
-        <p:spPr bwMode="auto">
-          <a:xfrm>
-            <a:off x="533400" y="1987978"/>
-            <a:ext cx="8077200" cy="956288"/>
-          </a:xfrm>
-          <a:prstGeom prst="rect">
-            <a:avLst/>
-          </a:prstGeom>
-          <a:noFill/>
-          <a:ln w="9525">
-            <a:noFill/>
-            <a:round/>
-            <a:headEnd/>
-            <a:tailEnd/>
-          </a:ln>
-        </p:spPr>
-        <p:txBody>
-          <a:bodyPr wrap="square" lIns="90000" tIns="46800" rIns="90000" bIns="46800">
-            <a:spAutoFit/>
-          </a:bodyPr>
-          <a:lstStyle/>
-          <a:p>
-            <a:pPr algn="ctr" eaLnBrk="0" hangingPunct="0">
-              <a:buSzPct val="100000"/>
-              <a:tabLst>
-                <a:tab pos="0" algn="l"/>
-                <a:tab pos="914400" algn="l"/>
-                <a:tab pos="1828800" algn="l"/>
-                <a:tab pos="2743200" algn="l"/>
-                <a:tab pos="3657600" algn="l"/>
-                <a:tab pos="4572000" algn="l"/>
-                <a:tab pos="5486400" algn="l"/>
-                <a:tab pos="6400800" algn="l"/>
-                <a:tab pos="7315200" algn="l"/>
-                <a:tab pos="8229600" algn="l"/>
-                <a:tab pos="9144000" algn="l"/>
-                <a:tab pos="10058400" algn="l"/>
-              </a:tabLst>
+          <a:p>
+            <a:pPr algn="ctr">
+              <a:lnSpc>
+                <a:spcPct val="100000"/>
+              </a:lnSpc>
             </a:pPr>
-            <a:r>
-              <a:rPr lang="en-US" sz="2800" b="1" dirty="0" smtClean="0">
-                <a:solidFill>
-                  <a:srgbClr val="000000"/>
-                </a:solidFill>
-                <a:latin typeface="Times New Roman" pitchFamily="18" charset="0"/>
-              </a:rPr>
-              <a:t>Modifiers, Properties and Indexers, </a:t>
-            </a:r>
-          </a:p>
-          <a:p>
-            <a:pPr algn="ctr" eaLnBrk="0" hangingPunct="0">
-              <a:buSzPct val="100000"/>
-              <a:tabLst>
-                <a:tab pos="0" algn="l"/>
-                <a:tab pos="914400" algn="l"/>
-                <a:tab pos="1828800" algn="l"/>
-                <a:tab pos="2743200" algn="l"/>
-                <a:tab pos="3657600" algn="l"/>
-                <a:tab pos="4572000" algn="l"/>
-                <a:tab pos="5486400" algn="l"/>
-                <a:tab pos="6400800" algn="l"/>
-                <a:tab pos="7315200" algn="l"/>
-                <a:tab pos="8229600" algn="l"/>
-                <a:tab pos="9144000" algn="l"/>
-                <a:tab pos="10058400" algn="l"/>
-              </a:tabLst>
+            <a:endParaRPr dirty="0">
+              <a:latin typeface="Cambria" pitchFamily="18" charset="0"/>
+            </a:endParaRPr>
+          </a:p>
+          <a:p>
+            <a:pPr algn="ctr">
+              <a:lnSpc>
+                <a:spcPct val="100000"/>
+              </a:lnSpc>
             </a:pPr>
-            <a:r>
-              <a:rPr lang="en-US" sz="2800" b="1" dirty="0" smtClean="0">
-                <a:solidFill>
-                  <a:srgbClr val="000000"/>
-                </a:solidFill>
-                <a:latin typeface="Times New Roman" pitchFamily="18" charset="0"/>
-              </a:rPr>
-              <a:t>Attributes &amp; Reflection API</a:t>
-            </a:r>
-            <a:endParaRPr lang="en-US" sz="2800" b="1" dirty="0">
-              <a:solidFill>
-                <a:srgbClr val="000000"/>
-              </a:solidFill>
-              <a:latin typeface="Times New Roman" pitchFamily="18" charset="0"/>
+            <a:endParaRPr dirty="0">
+              <a:latin typeface="Cambria" pitchFamily="18" charset="0"/>
             </a:endParaRPr>
           </a:p>
         </p:txBody>
@@ -4746,10 +4141,33 @@
   <p:clrMapOvr>
     <a:masterClrMapping/>
   </p:clrMapOvr>
+  <p:transition>
+    <p:push/>
+  </p:transition>
   <p:timing>
     <p:tnLst>
       <p:par>
-        <p:cTn id="1" dur="indefinite" restart="never" nodeType="tmRoot"/>
+        <p:cTn id="1" dur="indefinite" restart="never" nodeType="tmRoot">
+          <p:childTnLst>
+            <p:seq>
+              <p:cTn id="2" nodeType="mainSeq"/>
+              <p:prevCondLst>
+                <p:cond evt="onPrev" delay="0">
+                  <p:tgtEl>
+                    <p:sldTgt/>
+                  </p:tgtEl>
+                </p:cond>
+              </p:prevCondLst>
+              <p:nextCondLst>
+                <p:cond evt="onNext" delay="0">
+                  <p:tgtEl>
+                    <p:sldTgt/>
+                  </p:tgtEl>
+                </p:cond>
+              </p:nextCondLst>
+            </p:seq>
+          </p:childTnLst>
+        </p:cTn>
       </p:par>
     </p:tnLst>
   </p:timing>
@@ -5160,46 +4578,110 @@
                 <a:latin typeface="Bookman Old Style" pitchFamily="18" charset="0"/>
                 <a:cs typeface="Times New Roman" pitchFamily="18" charset="0"/>
               </a:rPr>
-              <a:t>private (hidden) field </a:t>
+              <a:t>private (hidden) field          outside </a:t>
+            </a:r>
+            <a:r>
+              <a:rPr lang="en-US" sz="2200" dirty="0" smtClean="0">
+                <a:latin typeface="Bookman Old Style" pitchFamily="18" charset="0"/>
+                <a:cs typeface="Times New Roman" pitchFamily="18" charset="0"/>
+              </a:rPr>
+              <a:t>the class we will use this concept of </a:t>
             </a:r>
             <a:r>
               <a:rPr lang="en-US" sz="2200" b="1" i="1" dirty="0" smtClean="0">
                 <a:latin typeface="Bookman Old Style" pitchFamily="18" charset="0"/>
                 <a:cs typeface="Times New Roman" pitchFamily="18" charset="0"/>
               </a:rPr>
-              <a:t>         outside </a:t>
+              <a:t>Properties</a:t>
             </a:r>
             <a:r>
               <a:rPr lang="en-US" sz="2200" dirty="0" smtClean="0">
                 <a:latin typeface="Bookman Old Style" pitchFamily="18" charset="0"/>
                 <a:cs typeface="Times New Roman" pitchFamily="18" charset="0"/>
               </a:rPr>
-              <a:t>the class we will use this </a:t>
-            </a:r>
-            <a:r>
-              <a:rPr lang="en-US" sz="2200" dirty="0" smtClean="0">
-                <a:latin typeface="Bookman Old Style" pitchFamily="18" charset="0"/>
-                <a:cs typeface="Times New Roman" pitchFamily="18" charset="0"/>
-              </a:rPr>
-              <a:t>concept of </a:t>
-            </a:r>
-            <a:r>
-              <a:rPr lang="en-US" sz="2200" b="1" i="1" dirty="0" smtClean="0">
-                <a:latin typeface="Bookman Old Style" pitchFamily="18" charset="0"/>
-                <a:cs typeface="Times New Roman" pitchFamily="18" charset="0"/>
-              </a:rPr>
-              <a:t>Properties</a:t>
-            </a:r>
-            <a:r>
-              <a:rPr lang="en-US" sz="2200" dirty="0" smtClean="0">
-                <a:latin typeface="Bookman Old Style" pitchFamily="18" charset="0"/>
-                <a:cs typeface="Times New Roman" pitchFamily="18" charset="0"/>
-              </a:rPr>
               <a:t>.</a:t>
             </a:r>
-            <a:endParaRPr lang="en-US" sz="2200" dirty="0" smtClean="0">
-              <a:latin typeface="Bookman Old Style" pitchFamily="18" charset="0"/>
-              <a:cs typeface="Times New Roman" pitchFamily="18" charset="0"/>
+          </a:p>
+        </p:txBody>
+      </p:sp>
+      <p:sp>
+        <p:nvSpPr>
+          <p:cNvPr id="6" name="Oval 3"/>
+          <p:cNvSpPr>
+            <a:spLocks noChangeArrowheads="1"/>
+          </p:cNvSpPr>
+          <p:nvPr/>
+        </p:nvSpPr>
+        <p:spPr bwMode="auto">
+          <a:xfrm>
+            <a:off x="146050" y="6210300"/>
+            <a:ext cx="457200" cy="457200"/>
+          </a:xfrm>
+          <a:prstGeom prst="ellipse">
+            <a:avLst/>
+          </a:prstGeom>
+          <a:solidFill>
+            <a:srgbClr val="855D5D"/>
+          </a:solidFill>
+          <a:ln w="9525">
+            <a:noFill/>
+            <a:round/>
+            <a:headEnd/>
+            <a:tailEnd/>
+          </a:ln>
+        </p:spPr>
+        <p:txBody>
+          <a:bodyPr wrap="none" lIns="0" tIns="0" rIns="0" bIns="0" anchor="ctr" anchorCtr="1"/>
+          <a:lstStyle/>
+          <a:p>
+            <a:pPr algn="just">
+              <a:buSzPct val="100000"/>
+              <a:tabLst>
+                <a:tab pos="0" algn="l"/>
+                <a:tab pos="914400" algn="l"/>
+                <a:tab pos="1828800" algn="l"/>
+                <a:tab pos="2743200" algn="l"/>
+                <a:tab pos="3657600" algn="l"/>
+                <a:tab pos="4572000" algn="l"/>
+                <a:tab pos="5486400" algn="l"/>
+                <a:tab pos="6400800" algn="l"/>
+                <a:tab pos="7315200" algn="l"/>
+                <a:tab pos="8229600" algn="l"/>
+                <a:tab pos="9144000" algn="l"/>
+                <a:tab pos="10058400" algn="l"/>
+              </a:tabLst>
+            </a:pPr>
+            <a:fld id="{07D7A7BE-49AA-477B-847A-E1060E20058B}" type="slidenum">
+              <a:rPr lang="en-US" sz="1400">
+                <a:solidFill>
+                  <a:srgbClr val="FFFFFF"/>
+                </a:solidFill>
+                <a:latin typeface="Franklin Gothic Book" pitchFamily="34" charset="0"/>
+              </a:rPr>
+              <a:pPr algn="just">
+                <a:buSzPct val="100000"/>
+                <a:tabLst>
+                  <a:tab pos="0" algn="l"/>
+                  <a:tab pos="914400" algn="l"/>
+                  <a:tab pos="1828800" algn="l"/>
+                  <a:tab pos="2743200" algn="l"/>
+                  <a:tab pos="3657600" algn="l"/>
+                  <a:tab pos="4572000" algn="l"/>
+                  <a:tab pos="5486400" algn="l"/>
+                  <a:tab pos="6400800" algn="l"/>
+                  <a:tab pos="7315200" algn="l"/>
+                  <a:tab pos="8229600" algn="l"/>
+                  <a:tab pos="9144000" algn="l"/>
+                  <a:tab pos="10058400" algn="l"/>
+                </a:tabLst>
+              </a:pPr>
+              <a:t>10</a:t>
+            </a:fld>
+            <a:endParaRPr lang="en-US" sz="1400" dirty="0">
+              <a:solidFill>
+                <a:srgbClr val="FFFFFF"/>
+              </a:solidFill>
+              <a:latin typeface="Franklin Gothic Book" pitchFamily="34" charset="0"/>
             </a:endParaRPr>
           </a:p>
         </p:txBody>
@@ -5770,6 +5252,88 @@
             <a:endParaRPr lang="en-US" sz="1900" dirty="0">
               <a:latin typeface="Bell MT" pitchFamily="18" charset="0"/>
               <a:cs typeface="Courier New" pitchFamily="49" charset="0"/>
+            </a:endParaRPr>
+          </a:p>
+        </p:txBody>
+      </p:sp>
+      <p:sp>
+        <p:nvSpPr>
+          <p:cNvPr id="7" name="Oval 3"/>
+          <p:cNvSpPr>
+            <a:spLocks noChangeArrowheads="1"/>
+          </p:cNvSpPr>
+          <p:nvPr/>
+        </p:nvSpPr>
+        <p:spPr bwMode="auto">
+          <a:xfrm>
+            <a:off x="146050" y="6210300"/>
+            <a:ext cx="457200" cy="457200"/>
+          </a:xfrm>
+          <a:prstGeom prst="ellipse">
+            <a:avLst/>
+          </a:prstGeom>
+          <a:solidFill>
+            <a:srgbClr val="855D5D"/>
+          </a:solidFill>
+          <a:ln w="9525">
+            <a:noFill/>
+            <a:round/>
+            <a:headEnd/>
+            <a:tailEnd/>
+          </a:ln>
+        </p:spPr>
+        <p:txBody>
+          <a:bodyPr wrap="none" lIns="0" tIns="0" rIns="0" bIns="0" anchor="ctr" anchorCtr="1"/>
+          <a:lstStyle/>
+          <a:p>
+            <a:pPr algn="just">
+              <a:buSzPct val="100000"/>
+              <a:tabLst>
+                <a:tab pos="0" algn="l"/>
+                <a:tab pos="914400" algn="l"/>
+                <a:tab pos="1828800" algn="l"/>
+                <a:tab pos="2743200" algn="l"/>
+                <a:tab pos="3657600" algn="l"/>
+                <a:tab pos="4572000" algn="l"/>
+                <a:tab pos="5486400" algn="l"/>
+                <a:tab pos="6400800" algn="l"/>
+                <a:tab pos="7315200" algn="l"/>
+                <a:tab pos="8229600" algn="l"/>
+                <a:tab pos="9144000" algn="l"/>
+                <a:tab pos="10058400" algn="l"/>
+              </a:tabLst>
+            </a:pPr>
+            <a:fld id="{07D7A7BE-49AA-477B-847A-E1060E20058B}" type="slidenum">
+              <a:rPr lang="en-US" sz="1400">
+                <a:solidFill>
+                  <a:srgbClr val="FFFFFF"/>
+                </a:solidFill>
+                <a:latin typeface="Franklin Gothic Book" pitchFamily="34" charset="0"/>
+              </a:rPr>
+              <a:pPr algn="just">
+                <a:buSzPct val="100000"/>
+                <a:tabLst>
+                  <a:tab pos="0" algn="l"/>
+                  <a:tab pos="914400" algn="l"/>
+                  <a:tab pos="1828800" algn="l"/>
+                  <a:tab pos="2743200" algn="l"/>
+                  <a:tab pos="3657600" algn="l"/>
+                  <a:tab pos="4572000" algn="l"/>
+                  <a:tab pos="5486400" algn="l"/>
+                  <a:tab pos="6400800" algn="l"/>
+                  <a:tab pos="7315200" algn="l"/>
+                  <a:tab pos="8229600" algn="l"/>
+                  <a:tab pos="9144000" algn="l"/>
+                  <a:tab pos="10058400" algn="l"/>
+                </a:tabLst>
+              </a:pPr>
+              <a:t>11</a:t>
+            </a:fld>
+            <a:endParaRPr lang="en-US" sz="1400" dirty="0">
+              <a:solidFill>
+                <a:srgbClr val="FFFFFF"/>
+              </a:solidFill>
+              <a:latin typeface="Franklin Gothic Book" pitchFamily="34" charset="0"/>
             </a:endParaRPr>
           </a:p>
         </p:txBody>
@@ -6510,6 +6074,88 @@
           </p:txBody>
         </p:sp>
       </p:grpSp>
+      <p:sp>
+        <p:nvSpPr>
+          <p:cNvPr id="10" name="Oval 3"/>
+          <p:cNvSpPr>
+            <a:spLocks noChangeArrowheads="1"/>
+          </p:cNvSpPr>
+          <p:nvPr/>
+        </p:nvSpPr>
+        <p:spPr bwMode="auto">
+          <a:xfrm>
+            <a:off x="146050" y="6210300"/>
+            <a:ext cx="457200" cy="457200"/>
+          </a:xfrm>
+          <a:prstGeom prst="ellipse">
+            <a:avLst/>
+          </a:prstGeom>
+          <a:solidFill>
+            <a:srgbClr val="855D5D"/>
+          </a:solidFill>
+          <a:ln w="9525">
+            <a:noFill/>
+            <a:round/>
+            <a:headEnd/>
+            <a:tailEnd/>
+          </a:ln>
+        </p:spPr>
+        <p:txBody>
+          <a:bodyPr wrap="none" lIns="0" tIns="0" rIns="0" bIns="0" anchor="ctr" anchorCtr="1"/>
+          <a:lstStyle/>
+          <a:p>
+            <a:pPr algn="just">
+              <a:buSzPct val="100000"/>
+              <a:tabLst>
+                <a:tab pos="0" algn="l"/>
+                <a:tab pos="914400" algn="l"/>
+                <a:tab pos="1828800" algn="l"/>
+                <a:tab pos="2743200" algn="l"/>
+                <a:tab pos="3657600" algn="l"/>
+                <a:tab pos="4572000" algn="l"/>
+                <a:tab pos="5486400" algn="l"/>
+                <a:tab pos="6400800" algn="l"/>
+                <a:tab pos="7315200" algn="l"/>
+                <a:tab pos="8229600" algn="l"/>
+                <a:tab pos="9144000" algn="l"/>
+                <a:tab pos="10058400" algn="l"/>
+              </a:tabLst>
+            </a:pPr>
+            <a:fld id="{07D7A7BE-49AA-477B-847A-E1060E20058B}" type="slidenum">
+              <a:rPr lang="en-US" sz="1400">
+                <a:solidFill>
+                  <a:srgbClr val="FFFFFF"/>
+                </a:solidFill>
+                <a:latin typeface="Franklin Gothic Book" pitchFamily="34" charset="0"/>
+              </a:rPr>
+              <a:pPr algn="just">
+                <a:buSzPct val="100000"/>
+                <a:tabLst>
+                  <a:tab pos="0" algn="l"/>
+                  <a:tab pos="914400" algn="l"/>
+                  <a:tab pos="1828800" algn="l"/>
+                  <a:tab pos="2743200" algn="l"/>
+                  <a:tab pos="3657600" algn="l"/>
+                  <a:tab pos="4572000" algn="l"/>
+                  <a:tab pos="5486400" algn="l"/>
+                  <a:tab pos="6400800" algn="l"/>
+                  <a:tab pos="7315200" algn="l"/>
+                  <a:tab pos="8229600" algn="l"/>
+                  <a:tab pos="9144000" algn="l"/>
+                  <a:tab pos="10058400" algn="l"/>
+                </a:tabLst>
+              </a:pPr>
+              <a:t>12</a:t>
+            </a:fld>
+            <a:endParaRPr lang="en-US" sz="1400" dirty="0">
+              <a:solidFill>
+                <a:srgbClr val="FFFFFF"/>
+              </a:solidFill>
+              <a:latin typeface="Franklin Gothic Book" pitchFamily="34" charset="0"/>
+            </a:endParaRPr>
+          </a:p>
+        </p:txBody>
+      </p:sp>
     </p:spTree>
   </p:cSld>
   <p:clrMapOvr>
@@ -7055,6 +6701,88 @@
             <a:endParaRPr lang="en-IN" sz="2200" dirty="0" smtClean="0">
               <a:latin typeface="Bookman Old Style" pitchFamily="18" charset="0"/>
               <a:cs typeface="Times New Roman" pitchFamily="18" charset="0"/>
+            </a:endParaRPr>
+          </a:p>
+        </p:txBody>
+      </p:sp>
+      <p:sp>
+        <p:nvSpPr>
+          <p:cNvPr id="6" name="Oval 3"/>
+          <p:cNvSpPr>
+            <a:spLocks noChangeArrowheads="1"/>
+          </p:cNvSpPr>
+          <p:nvPr/>
+        </p:nvSpPr>
+        <p:spPr bwMode="auto">
+          <a:xfrm>
+            <a:off x="146050" y="6210300"/>
+            <a:ext cx="457200" cy="457200"/>
+          </a:xfrm>
+          <a:prstGeom prst="ellipse">
+            <a:avLst/>
+          </a:prstGeom>
+          <a:solidFill>
+            <a:srgbClr val="855D5D"/>
+          </a:solidFill>
+          <a:ln w="9525">
+            <a:noFill/>
+            <a:round/>
+            <a:headEnd/>
+            <a:tailEnd/>
+          </a:ln>
+        </p:spPr>
+        <p:txBody>
+          <a:bodyPr wrap="none" lIns="0" tIns="0" rIns="0" bIns="0" anchor="ctr" anchorCtr="1"/>
+          <a:lstStyle/>
+          <a:p>
+            <a:pPr algn="just">
+              <a:buSzPct val="100000"/>
+              <a:tabLst>
+                <a:tab pos="0" algn="l"/>
+                <a:tab pos="914400" algn="l"/>
+                <a:tab pos="1828800" algn="l"/>
+                <a:tab pos="2743200" algn="l"/>
+                <a:tab pos="3657600" algn="l"/>
+                <a:tab pos="4572000" algn="l"/>
+                <a:tab pos="5486400" algn="l"/>
+                <a:tab pos="6400800" algn="l"/>
+                <a:tab pos="7315200" algn="l"/>
+                <a:tab pos="8229600" algn="l"/>
+                <a:tab pos="9144000" algn="l"/>
+                <a:tab pos="10058400" algn="l"/>
+              </a:tabLst>
+            </a:pPr>
+            <a:fld id="{07D7A7BE-49AA-477B-847A-E1060E20058B}" type="slidenum">
+              <a:rPr lang="en-US" sz="1400">
+                <a:solidFill>
+                  <a:srgbClr val="FFFFFF"/>
+                </a:solidFill>
+                <a:latin typeface="Franklin Gothic Book" pitchFamily="34" charset="0"/>
+              </a:rPr>
+              <a:pPr algn="just">
+                <a:buSzPct val="100000"/>
+                <a:tabLst>
+                  <a:tab pos="0" algn="l"/>
+                  <a:tab pos="914400" algn="l"/>
+                  <a:tab pos="1828800" algn="l"/>
+                  <a:tab pos="2743200" algn="l"/>
+                  <a:tab pos="3657600" algn="l"/>
+                  <a:tab pos="4572000" algn="l"/>
+                  <a:tab pos="5486400" algn="l"/>
+                  <a:tab pos="6400800" algn="l"/>
+                  <a:tab pos="7315200" algn="l"/>
+                  <a:tab pos="8229600" algn="l"/>
+                  <a:tab pos="9144000" algn="l"/>
+                  <a:tab pos="10058400" algn="l"/>
+                </a:tabLst>
+              </a:pPr>
+              <a:t>13</a:t>
+            </a:fld>
+            <a:endParaRPr lang="en-US" sz="1400" dirty="0">
+              <a:solidFill>
+                <a:srgbClr val="FFFFFF"/>
+              </a:solidFill>
+              <a:latin typeface="Franklin Gothic Book" pitchFamily="34" charset="0"/>
             </a:endParaRPr>
           </a:p>
         </p:txBody>
@@ -7759,6 +7487,88 @@
             <a:endParaRPr lang="en-IN" sz="4000" dirty="0">
               <a:solidFill>
                 <a:srgbClr val="696464"/>
+              </a:solidFill>
+              <a:latin typeface="Franklin Gothic Book" pitchFamily="34" charset="0"/>
+            </a:endParaRPr>
+          </a:p>
+        </p:txBody>
+      </p:sp>
+      <p:sp>
+        <p:nvSpPr>
+          <p:cNvPr id="8" name="Oval 3"/>
+          <p:cNvSpPr>
+            <a:spLocks noChangeArrowheads="1"/>
+          </p:cNvSpPr>
+          <p:nvPr/>
+        </p:nvSpPr>
+        <p:spPr bwMode="auto">
+          <a:xfrm>
+            <a:off x="146050" y="6210300"/>
+            <a:ext cx="457200" cy="457200"/>
+          </a:xfrm>
+          <a:prstGeom prst="ellipse">
+            <a:avLst/>
+          </a:prstGeom>
+          <a:solidFill>
+            <a:srgbClr val="855D5D"/>
+          </a:solidFill>
+          <a:ln w="9525">
+            <a:noFill/>
+            <a:round/>
+            <a:headEnd/>
+            <a:tailEnd/>
+          </a:ln>
+        </p:spPr>
+        <p:txBody>
+          <a:bodyPr wrap="none" lIns="0" tIns="0" rIns="0" bIns="0" anchor="ctr" anchorCtr="1"/>
+          <a:lstStyle/>
+          <a:p>
+            <a:pPr algn="just">
+              <a:buSzPct val="100000"/>
+              <a:tabLst>
+                <a:tab pos="0" algn="l"/>
+                <a:tab pos="914400" algn="l"/>
+                <a:tab pos="1828800" algn="l"/>
+                <a:tab pos="2743200" algn="l"/>
+                <a:tab pos="3657600" algn="l"/>
+                <a:tab pos="4572000" algn="l"/>
+                <a:tab pos="5486400" algn="l"/>
+                <a:tab pos="6400800" algn="l"/>
+                <a:tab pos="7315200" algn="l"/>
+                <a:tab pos="8229600" algn="l"/>
+                <a:tab pos="9144000" algn="l"/>
+                <a:tab pos="10058400" algn="l"/>
+              </a:tabLst>
+            </a:pPr>
+            <a:fld id="{07D7A7BE-49AA-477B-847A-E1060E20058B}" type="slidenum">
+              <a:rPr lang="en-US" sz="1400">
+                <a:solidFill>
+                  <a:srgbClr val="FFFFFF"/>
+                </a:solidFill>
+                <a:latin typeface="Franklin Gothic Book" pitchFamily="34" charset="0"/>
+              </a:rPr>
+              <a:pPr algn="just">
+                <a:buSzPct val="100000"/>
+                <a:tabLst>
+                  <a:tab pos="0" algn="l"/>
+                  <a:tab pos="914400" algn="l"/>
+                  <a:tab pos="1828800" algn="l"/>
+                  <a:tab pos="2743200" algn="l"/>
+                  <a:tab pos="3657600" algn="l"/>
+                  <a:tab pos="4572000" algn="l"/>
+                  <a:tab pos="5486400" algn="l"/>
+                  <a:tab pos="6400800" algn="l"/>
+                  <a:tab pos="7315200" algn="l"/>
+                  <a:tab pos="8229600" algn="l"/>
+                  <a:tab pos="9144000" algn="l"/>
+                  <a:tab pos="10058400" algn="l"/>
+                </a:tabLst>
+              </a:pPr>
+              <a:t>14</a:t>
+            </a:fld>
+            <a:endParaRPr lang="en-US" sz="1400" dirty="0">
+              <a:solidFill>
+                <a:srgbClr val="FFFFFF"/>
               </a:solidFill>
               <a:latin typeface="Franklin Gothic Book" pitchFamily="34" charset="0"/>
             </a:endParaRPr>
@@ -8774,6 +8584,88 @@
           </p:txBody>
         </p:sp>
       </p:grpSp>
+      <p:sp>
+        <p:nvSpPr>
+          <p:cNvPr id="9" name="Oval 3"/>
+          <p:cNvSpPr>
+            <a:spLocks noChangeArrowheads="1"/>
+          </p:cNvSpPr>
+          <p:nvPr/>
+        </p:nvSpPr>
+        <p:spPr bwMode="auto">
+          <a:xfrm>
+            <a:off x="146050" y="6210300"/>
+            <a:ext cx="457200" cy="457200"/>
+          </a:xfrm>
+          <a:prstGeom prst="ellipse">
+            <a:avLst/>
+          </a:prstGeom>
+          <a:solidFill>
+            <a:srgbClr val="855D5D"/>
+          </a:solidFill>
+          <a:ln w="9525">
+            <a:noFill/>
+            <a:round/>
+            <a:headEnd/>
+            <a:tailEnd/>
+          </a:ln>
+        </p:spPr>
+        <p:txBody>
+          <a:bodyPr wrap="none" lIns="0" tIns="0" rIns="0" bIns="0" anchor="ctr" anchorCtr="1"/>
+          <a:lstStyle/>
+          <a:p>
+            <a:pPr algn="just">
+              <a:buSzPct val="100000"/>
+              <a:tabLst>
+                <a:tab pos="0" algn="l"/>
+                <a:tab pos="914400" algn="l"/>
+                <a:tab pos="1828800" algn="l"/>
+                <a:tab pos="2743200" algn="l"/>
+                <a:tab pos="3657600" algn="l"/>
+                <a:tab pos="4572000" algn="l"/>
+                <a:tab pos="5486400" algn="l"/>
+                <a:tab pos="6400800" algn="l"/>
+                <a:tab pos="7315200" algn="l"/>
+                <a:tab pos="8229600" algn="l"/>
+                <a:tab pos="9144000" algn="l"/>
+                <a:tab pos="10058400" algn="l"/>
+              </a:tabLst>
+            </a:pPr>
+            <a:fld id="{07D7A7BE-49AA-477B-847A-E1060E20058B}" type="slidenum">
+              <a:rPr lang="en-US" sz="1400">
+                <a:solidFill>
+                  <a:srgbClr val="FFFFFF"/>
+                </a:solidFill>
+                <a:latin typeface="Franklin Gothic Book" pitchFamily="34" charset="0"/>
+              </a:rPr>
+              <a:pPr algn="just">
+                <a:buSzPct val="100000"/>
+                <a:tabLst>
+                  <a:tab pos="0" algn="l"/>
+                  <a:tab pos="914400" algn="l"/>
+                  <a:tab pos="1828800" algn="l"/>
+                  <a:tab pos="2743200" algn="l"/>
+                  <a:tab pos="3657600" algn="l"/>
+                  <a:tab pos="4572000" algn="l"/>
+                  <a:tab pos="5486400" algn="l"/>
+                  <a:tab pos="6400800" algn="l"/>
+                  <a:tab pos="7315200" algn="l"/>
+                  <a:tab pos="8229600" algn="l"/>
+                  <a:tab pos="9144000" algn="l"/>
+                  <a:tab pos="10058400" algn="l"/>
+                </a:tabLst>
+              </a:pPr>
+              <a:t>15</a:t>
+            </a:fld>
+            <a:endParaRPr lang="en-US" sz="1400" dirty="0">
+              <a:solidFill>
+                <a:srgbClr val="FFFFFF"/>
+              </a:solidFill>
+              <a:latin typeface="Franklin Gothic Book" pitchFamily="34" charset="0"/>
+            </a:endParaRPr>
+          </a:p>
+        </p:txBody>
+      </p:sp>
     </p:spTree>
   </p:cSld>
   <p:clrMapOvr>
@@ -9236,6 +9128,88 @@
           </a:p>
         </p:txBody>
       </p:sp>
+      <p:sp>
+        <p:nvSpPr>
+          <p:cNvPr id="6" name="Oval 3"/>
+          <p:cNvSpPr>
+            <a:spLocks noChangeArrowheads="1"/>
+          </p:cNvSpPr>
+          <p:nvPr/>
+        </p:nvSpPr>
+        <p:spPr bwMode="auto">
+          <a:xfrm>
+            <a:off x="146050" y="6210300"/>
+            <a:ext cx="457200" cy="457200"/>
+          </a:xfrm>
+          <a:prstGeom prst="ellipse">
+            <a:avLst/>
+          </a:prstGeom>
+          <a:solidFill>
+            <a:srgbClr val="855D5D"/>
+          </a:solidFill>
+          <a:ln w="9525">
+            <a:noFill/>
+            <a:round/>
+            <a:headEnd/>
+            <a:tailEnd/>
+          </a:ln>
+        </p:spPr>
+        <p:txBody>
+          <a:bodyPr wrap="none" lIns="0" tIns="0" rIns="0" bIns="0" anchor="ctr" anchorCtr="1"/>
+          <a:lstStyle/>
+          <a:p>
+            <a:pPr algn="just">
+              <a:buSzPct val="100000"/>
+              <a:tabLst>
+                <a:tab pos="0" algn="l"/>
+                <a:tab pos="914400" algn="l"/>
+                <a:tab pos="1828800" algn="l"/>
+                <a:tab pos="2743200" algn="l"/>
+                <a:tab pos="3657600" algn="l"/>
+                <a:tab pos="4572000" algn="l"/>
+                <a:tab pos="5486400" algn="l"/>
+                <a:tab pos="6400800" algn="l"/>
+                <a:tab pos="7315200" algn="l"/>
+                <a:tab pos="8229600" algn="l"/>
+                <a:tab pos="9144000" algn="l"/>
+                <a:tab pos="10058400" algn="l"/>
+              </a:tabLst>
+            </a:pPr>
+            <a:fld id="{07D7A7BE-49AA-477B-847A-E1060E20058B}" type="slidenum">
+              <a:rPr lang="en-US" sz="1400">
+                <a:solidFill>
+                  <a:srgbClr val="FFFFFF"/>
+                </a:solidFill>
+                <a:latin typeface="Franklin Gothic Book" pitchFamily="34" charset="0"/>
+              </a:rPr>
+              <a:pPr algn="just">
+                <a:buSzPct val="100000"/>
+                <a:tabLst>
+                  <a:tab pos="0" algn="l"/>
+                  <a:tab pos="914400" algn="l"/>
+                  <a:tab pos="1828800" algn="l"/>
+                  <a:tab pos="2743200" algn="l"/>
+                  <a:tab pos="3657600" algn="l"/>
+                  <a:tab pos="4572000" algn="l"/>
+                  <a:tab pos="5486400" algn="l"/>
+                  <a:tab pos="6400800" algn="l"/>
+                  <a:tab pos="7315200" algn="l"/>
+                  <a:tab pos="8229600" algn="l"/>
+                  <a:tab pos="9144000" algn="l"/>
+                  <a:tab pos="10058400" algn="l"/>
+                </a:tabLst>
+              </a:pPr>
+              <a:t>16</a:t>
+            </a:fld>
+            <a:endParaRPr lang="en-US" sz="1400" dirty="0">
+              <a:solidFill>
+                <a:srgbClr val="FFFFFF"/>
+              </a:solidFill>
+              <a:latin typeface="Franklin Gothic Book" pitchFamily="34" charset="0"/>
+            </a:endParaRPr>
+          </a:p>
+        </p:txBody>
+      </p:sp>
     </p:spTree>
   </p:cSld>
   <p:clrMapOvr>
@@ -9783,14 +9757,7 @@
                 <a:latin typeface="Bookman Old Style" pitchFamily="18" charset="0"/>
                 <a:cs typeface="Times New Roman" pitchFamily="18" charset="0"/>
               </a:rPr>
-              <a:t>Name of the attribute and its values are specified within the square brackets, before the element to which the attribute is applied</a:t>
-            </a:r>
-            <a:r>
-              <a:rPr lang="en-IN" sz="2000" dirty="0" smtClean="0">
-                <a:latin typeface="Bookman Old Style" pitchFamily="18" charset="0"/>
-                <a:cs typeface="Times New Roman" pitchFamily="18" charset="0"/>
-              </a:rPr>
-              <a:t>.</a:t>
+              <a:t>Name of the attribute and its values are specified within the square brackets, before the element to which the attribute is applied.</a:t>
             </a:r>
           </a:p>
           <a:p>
@@ -9862,8 +9829,8 @@
         </p:nvSpPr>
         <p:spPr>
           <a:xfrm>
-            <a:off x="1330036" y="2884055"/>
-            <a:ext cx="6483928" cy="1701800"/>
+            <a:off x="1080654" y="2787074"/>
+            <a:ext cx="6982692" cy="1895762"/>
           </a:xfrm>
           <a:prstGeom prst="rect">
             <a:avLst/>
@@ -10004,6 +9971,88 @@
               </a:rPr>
               <a:t>	}</a:t>
             </a:r>
+          </a:p>
+        </p:txBody>
+      </p:sp>
+      <p:sp>
+        <p:nvSpPr>
+          <p:cNvPr id="8" name="Oval 3"/>
+          <p:cNvSpPr>
+            <a:spLocks noChangeArrowheads="1"/>
+          </p:cNvSpPr>
+          <p:nvPr/>
+        </p:nvSpPr>
+        <p:spPr bwMode="auto">
+          <a:xfrm>
+            <a:off x="146050" y="6210300"/>
+            <a:ext cx="457200" cy="457200"/>
+          </a:xfrm>
+          <a:prstGeom prst="ellipse">
+            <a:avLst/>
+          </a:prstGeom>
+          <a:solidFill>
+            <a:srgbClr val="855D5D"/>
+          </a:solidFill>
+          <a:ln w="9525">
+            <a:noFill/>
+            <a:round/>
+            <a:headEnd/>
+            <a:tailEnd/>
+          </a:ln>
+        </p:spPr>
+        <p:txBody>
+          <a:bodyPr wrap="none" lIns="0" tIns="0" rIns="0" bIns="0" anchor="ctr" anchorCtr="1"/>
+          <a:lstStyle/>
+          <a:p>
+            <a:pPr algn="just">
+              <a:buSzPct val="100000"/>
+              <a:tabLst>
+                <a:tab pos="0" algn="l"/>
+                <a:tab pos="914400" algn="l"/>
+                <a:tab pos="1828800" algn="l"/>
+                <a:tab pos="2743200" algn="l"/>
+                <a:tab pos="3657600" algn="l"/>
+                <a:tab pos="4572000" algn="l"/>
+                <a:tab pos="5486400" algn="l"/>
+                <a:tab pos="6400800" algn="l"/>
+                <a:tab pos="7315200" algn="l"/>
+                <a:tab pos="8229600" algn="l"/>
+                <a:tab pos="9144000" algn="l"/>
+                <a:tab pos="10058400" algn="l"/>
+              </a:tabLst>
+            </a:pPr>
+            <a:fld id="{07D7A7BE-49AA-477B-847A-E1060E20058B}" type="slidenum">
+              <a:rPr lang="en-US" sz="1400">
+                <a:solidFill>
+                  <a:srgbClr val="FFFFFF"/>
+                </a:solidFill>
+                <a:latin typeface="Franklin Gothic Book" pitchFamily="34" charset="0"/>
+              </a:rPr>
+              <a:pPr algn="just">
+                <a:buSzPct val="100000"/>
+                <a:tabLst>
+                  <a:tab pos="0" algn="l"/>
+                  <a:tab pos="914400" algn="l"/>
+                  <a:tab pos="1828800" algn="l"/>
+                  <a:tab pos="2743200" algn="l"/>
+                  <a:tab pos="3657600" algn="l"/>
+                  <a:tab pos="4572000" algn="l"/>
+                  <a:tab pos="5486400" algn="l"/>
+                  <a:tab pos="6400800" algn="l"/>
+                  <a:tab pos="7315200" algn="l"/>
+                  <a:tab pos="8229600" algn="l"/>
+                  <a:tab pos="9144000" algn="l"/>
+                  <a:tab pos="10058400" algn="l"/>
+                </a:tabLst>
+              </a:pPr>
+              <a:t>17</a:t>
+            </a:fld>
+            <a:endParaRPr lang="en-US" sz="1400" dirty="0">
+              <a:solidFill>
+                <a:srgbClr val="FFFFFF"/>
+              </a:solidFill>
+              <a:latin typeface="Franklin Gothic Book" pitchFamily="34" charset="0"/>
+            </a:endParaRPr>
           </a:p>
         </p:txBody>
       </p:sp>
@@ -10482,6 +10531,88 @@
           </a:p>
         </p:txBody>
       </p:sp>
+      <p:sp>
+        <p:nvSpPr>
+          <p:cNvPr id="6" name="Oval 3"/>
+          <p:cNvSpPr>
+            <a:spLocks noChangeArrowheads="1"/>
+          </p:cNvSpPr>
+          <p:nvPr/>
+        </p:nvSpPr>
+        <p:spPr bwMode="auto">
+          <a:xfrm>
+            <a:off x="146050" y="6210300"/>
+            <a:ext cx="457200" cy="457200"/>
+          </a:xfrm>
+          <a:prstGeom prst="ellipse">
+            <a:avLst/>
+          </a:prstGeom>
+          <a:solidFill>
+            <a:srgbClr val="855D5D"/>
+          </a:solidFill>
+          <a:ln w="9525">
+            <a:noFill/>
+            <a:round/>
+            <a:headEnd/>
+            <a:tailEnd/>
+          </a:ln>
+        </p:spPr>
+        <p:txBody>
+          <a:bodyPr wrap="none" lIns="0" tIns="0" rIns="0" bIns="0" anchor="ctr" anchorCtr="1"/>
+          <a:lstStyle/>
+          <a:p>
+            <a:pPr algn="just">
+              <a:buSzPct val="100000"/>
+              <a:tabLst>
+                <a:tab pos="0" algn="l"/>
+                <a:tab pos="914400" algn="l"/>
+                <a:tab pos="1828800" algn="l"/>
+                <a:tab pos="2743200" algn="l"/>
+                <a:tab pos="3657600" algn="l"/>
+                <a:tab pos="4572000" algn="l"/>
+                <a:tab pos="5486400" algn="l"/>
+                <a:tab pos="6400800" algn="l"/>
+                <a:tab pos="7315200" algn="l"/>
+                <a:tab pos="8229600" algn="l"/>
+                <a:tab pos="9144000" algn="l"/>
+                <a:tab pos="10058400" algn="l"/>
+              </a:tabLst>
+            </a:pPr>
+            <a:fld id="{07D7A7BE-49AA-477B-847A-E1060E20058B}" type="slidenum">
+              <a:rPr lang="en-US" sz="1400">
+                <a:solidFill>
+                  <a:srgbClr val="FFFFFF"/>
+                </a:solidFill>
+                <a:latin typeface="Franklin Gothic Book" pitchFamily="34" charset="0"/>
+              </a:rPr>
+              <a:pPr algn="just">
+                <a:buSzPct val="100000"/>
+                <a:tabLst>
+                  <a:tab pos="0" algn="l"/>
+                  <a:tab pos="914400" algn="l"/>
+                  <a:tab pos="1828800" algn="l"/>
+                  <a:tab pos="2743200" algn="l"/>
+                  <a:tab pos="3657600" algn="l"/>
+                  <a:tab pos="4572000" algn="l"/>
+                  <a:tab pos="5486400" algn="l"/>
+                  <a:tab pos="6400800" algn="l"/>
+                  <a:tab pos="7315200" algn="l"/>
+                  <a:tab pos="8229600" algn="l"/>
+                  <a:tab pos="9144000" algn="l"/>
+                  <a:tab pos="10058400" algn="l"/>
+                </a:tabLst>
+              </a:pPr>
+              <a:t>18</a:t>
+            </a:fld>
+            <a:endParaRPr lang="en-US" sz="1400" dirty="0">
+              <a:solidFill>
+                <a:srgbClr val="FFFFFF"/>
+              </a:solidFill>
+              <a:latin typeface="Franklin Gothic Book" pitchFamily="34" charset="0"/>
+            </a:endParaRPr>
+          </a:p>
+        </p:txBody>
+      </p:sp>
     </p:spTree>
   </p:cSld>
   <p:clrMapOvr>
@@ -10936,6 +11067,88 @@
           </a:p>
         </p:txBody>
       </p:sp>
+      <p:sp>
+        <p:nvSpPr>
+          <p:cNvPr id="6" name="Oval 3"/>
+          <p:cNvSpPr>
+            <a:spLocks noChangeArrowheads="1"/>
+          </p:cNvSpPr>
+          <p:nvPr/>
+        </p:nvSpPr>
+        <p:spPr bwMode="auto">
+          <a:xfrm>
+            <a:off x="146050" y="6210300"/>
+            <a:ext cx="457200" cy="457200"/>
+          </a:xfrm>
+          <a:prstGeom prst="ellipse">
+            <a:avLst/>
+          </a:prstGeom>
+          <a:solidFill>
+            <a:srgbClr val="855D5D"/>
+          </a:solidFill>
+          <a:ln w="9525">
+            <a:noFill/>
+            <a:round/>
+            <a:headEnd/>
+            <a:tailEnd/>
+          </a:ln>
+        </p:spPr>
+        <p:txBody>
+          <a:bodyPr wrap="none" lIns="0" tIns="0" rIns="0" bIns="0" anchor="ctr" anchorCtr="1"/>
+          <a:lstStyle/>
+          <a:p>
+            <a:pPr algn="just">
+              <a:buSzPct val="100000"/>
+              <a:tabLst>
+                <a:tab pos="0" algn="l"/>
+                <a:tab pos="914400" algn="l"/>
+                <a:tab pos="1828800" algn="l"/>
+                <a:tab pos="2743200" algn="l"/>
+                <a:tab pos="3657600" algn="l"/>
+                <a:tab pos="4572000" algn="l"/>
+                <a:tab pos="5486400" algn="l"/>
+                <a:tab pos="6400800" algn="l"/>
+                <a:tab pos="7315200" algn="l"/>
+                <a:tab pos="8229600" algn="l"/>
+                <a:tab pos="9144000" algn="l"/>
+                <a:tab pos="10058400" algn="l"/>
+              </a:tabLst>
+            </a:pPr>
+            <a:fld id="{07D7A7BE-49AA-477B-847A-E1060E20058B}" type="slidenum">
+              <a:rPr lang="en-US" sz="1400">
+                <a:solidFill>
+                  <a:srgbClr val="FFFFFF"/>
+                </a:solidFill>
+                <a:latin typeface="Franklin Gothic Book" pitchFamily="34" charset="0"/>
+              </a:rPr>
+              <a:pPr algn="just">
+                <a:buSzPct val="100000"/>
+                <a:tabLst>
+                  <a:tab pos="0" algn="l"/>
+                  <a:tab pos="914400" algn="l"/>
+                  <a:tab pos="1828800" algn="l"/>
+                  <a:tab pos="2743200" algn="l"/>
+                  <a:tab pos="3657600" algn="l"/>
+                  <a:tab pos="4572000" algn="l"/>
+                  <a:tab pos="5486400" algn="l"/>
+                  <a:tab pos="6400800" algn="l"/>
+                  <a:tab pos="7315200" algn="l"/>
+                  <a:tab pos="8229600" algn="l"/>
+                  <a:tab pos="9144000" algn="l"/>
+                  <a:tab pos="10058400" algn="l"/>
+                </a:tabLst>
+              </a:pPr>
+              <a:t>19</a:t>
+            </a:fld>
+            <a:endParaRPr lang="en-US" sz="1400" dirty="0">
+              <a:solidFill>
+                <a:srgbClr val="FFFFFF"/>
+              </a:solidFill>
+              <a:latin typeface="Franklin Gothic Book" pitchFamily="34" charset="0"/>
+            </a:endParaRPr>
+          </a:p>
+        </p:txBody>
+      </p:sp>
     </p:spTree>
   </p:cSld>
   <p:clrMapOvr>
@@ -11262,7 +11475,7 @@
             <a:avLst/>
           </a:prstGeom>
           <a:solidFill>
-            <a:srgbClr val="D34817"/>
+            <a:srgbClr val="855D5D"/>
           </a:solidFill>
           <a:ln w="9525">
             <a:noFill/>
@@ -11370,6 +11583,30 @@
           </a:fontRef>
         </p:style>
       </p:cxnSp>
+      <p:sp>
+        <p:nvSpPr>
+          <p:cNvPr id="6" name="Slide Number Placeholder 5"/>
+          <p:cNvSpPr>
+            <a:spLocks noGrp="1"/>
+          </p:cNvSpPr>
+          <p:nvPr>
+            <p:ph type="sldNum" sz="quarter" idx="12"/>
+          </p:nvPr>
+        </p:nvSpPr>
+        <p:spPr/>
+        <p:txBody>
+          <a:bodyPr/>
+          <a:lstStyle/>
+          <a:p>
+            <a:fld id="{B6F15528-21DE-4FAA-801E-634DDDAF4B2B}" type="slidenum">
+              <a:rPr lang="en-US" smtClean="0"/>
+              <a:pPr/>
+              <a:t>2</a:t>
+            </a:fld>
+            <a:endParaRPr lang="en-US" dirty="0"/>
+          </a:p>
+        </p:txBody>
+      </p:sp>
     </p:spTree>
   </p:cSld>
   <p:clrMapOvr>
@@ -11565,19 +11802,7 @@
               <a:rPr lang="en-US" sz="2200" dirty="0" smtClean="0">
                 <a:latin typeface="Bookman Old Style" pitchFamily="18" charset="0"/>
               </a:rPr>
-              <a:t>Reflection </a:t>
-            </a:r>
-            <a:r>
-              <a:rPr lang="en-US" sz="2200" dirty="0" smtClean="0">
-                <a:latin typeface="Bookman Old Style" pitchFamily="18" charset="0"/>
-              </a:rPr>
-              <a:t>enables us to use code that is not available at compile time</a:t>
-            </a:r>
-            <a:r>
-              <a:rPr lang="en-US" sz="2200" dirty="0" smtClean="0">
-                <a:latin typeface="Bookman Old Style" pitchFamily="18" charset="0"/>
-              </a:rPr>
-              <a:t>.</a:t>
+              <a:t>Reflection enables us to use code that is not available at compile time.</a:t>
             </a:r>
           </a:p>
           <a:p>
@@ -11600,13 +11825,7 @@
               <a:rPr lang="en-US" sz="2200" dirty="0" smtClean="0">
                 <a:latin typeface="Bookman Old Style" pitchFamily="18" charset="0"/>
               </a:rPr>
-              <a:t>.NET Reflection allows an application to collect information about itself and also to manipulate on itself</a:t>
-            </a:r>
-            <a:r>
-              <a:rPr lang="en-US" sz="2200" dirty="0" smtClean="0">
-                <a:latin typeface="Bookman Old Style" pitchFamily="18" charset="0"/>
-              </a:rPr>
-              <a:t>.</a:t>
+              <a:t>.NET Reflection allows an application to collect information about itself and also to manipulate on itself.</a:t>
             </a:r>
           </a:p>
           <a:p>
@@ -11646,31 +11865,19 @@
               <a:rPr lang="en-US" sz="2200" dirty="0" smtClean="0">
                 <a:latin typeface="Bookman Old Style" pitchFamily="18" charset="0"/>
               </a:rPr>
-              <a:t>With </a:t>
+              <a:t>With Reflection, we can dynamically create an instance of a type, bind the type to an existing object, or</a:t>
+            </a:r>
+            <a:r>
+              <a:rPr lang="en-IN" sz="2200" dirty="0" smtClean="0">
+                <a:latin typeface="Bookman Old Style" pitchFamily="18" charset="0"/>
+              </a:rPr>
+              <a:t> </a:t>
             </a:r>
             <a:r>
               <a:rPr lang="en-US" sz="2200" dirty="0" smtClean="0">
                 <a:latin typeface="Bookman Old Style" pitchFamily="18" charset="0"/>
               </a:rPr>
-              <a:t>Reflection, we can dynamically create an instance of a type, bind the type to an existing object, or</a:t>
-            </a:r>
-            <a:r>
-              <a:rPr lang="en-IN" sz="2200" dirty="0" smtClean="0">
-                <a:latin typeface="Bookman Old Style" pitchFamily="18" charset="0"/>
-              </a:rPr>
-              <a:t> </a:t>
-            </a:r>
-            <a:r>
-              <a:rPr lang="en-US" sz="2200" dirty="0" smtClean="0">
-                <a:latin typeface="Bookman Old Style" pitchFamily="18" charset="0"/>
-              </a:rPr>
-              <a:t>get the type from an existing object and invoke its methods or access its fields and properties</a:t>
-            </a:r>
-            <a:r>
-              <a:rPr lang="en-US" sz="2200" dirty="0" smtClean="0">
-                <a:latin typeface="Bookman Old Style" pitchFamily="18" charset="0"/>
-              </a:rPr>
-              <a:t>.</a:t>
+              <a:t>get the type from an existing object and invoke its methods or access its fields and properties.</a:t>
             </a:r>
           </a:p>
           <a:p>
@@ -11727,14 +11934,90 @@
               <a:rPr lang="en-US" sz="2200" dirty="0" smtClean="0">
                 <a:latin typeface="Bookman Old Style" pitchFamily="18" charset="0"/>
               </a:rPr>
-              <a:t>We can also access attribute information using Reflection</a:t>
-            </a:r>
-            <a:r>
-              <a:rPr lang="en-US" sz="2200" dirty="0" smtClean="0">
-                <a:latin typeface="Bookman Old Style" pitchFamily="18" charset="0"/>
-              </a:rPr>
-              <a:t>.</a:t>
-            </a:r>
+              <a:t>We can also access attribute information using Reflection.</a:t>
+            </a:r>
+          </a:p>
+        </p:txBody>
+      </p:sp>
+      <p:sp>
+        <p:nvSpPr>
+          <p:cNvPr id="6" name="Oval 3"/>
+          <p:cNvSpPr>
+            <a:spLocks noChangeArrowheads="1"/>
+          </p:cNvSpPr>
+          <p:nvPr/>
+        </p:nvSpPr>
+        <p:spPr bwMode="auto">
+          <a:xfrm>
+            <a:off x="146050" y="6210300"/>
+            <a:ext cx="457200" cy="457200"/>
+          </a:xfrm>
+          <a:prstGeom prst="ellipse">
+            <a:avLst/>
+          </a:prstGeom>
+          <a:solidFill>
+            <a:srgbClr val="855D5D"/>
+          </a:solidFill>
+          <a:ln w="9525">
+            <a:noFill/>
+            <a:round/>
+            <a:headEnd/>
+            <a:tailEnd/>
+          </a:ln>
+        </p:spPr>
+        <p:txBody>
+          <a:bodyPr wrap="none" lIns="0" tIns="0" rIns="0" bIns="0" anchor="ctr" anchorCtr="1"/>
+          <a:lstStyle/>
+          <a:p>
+            <a:pPr algn="just">
+              <a:buSzPct val="100000"/>
+              <a:tabLst>
+                <a:tab pos="0" algn="l"/>
+                <a:tab pos="914400" algn="l"/>
+                <a:tab pos="1828800" algn="l"/>
+                <a:tab pos="2743200" algn="l"/>
+                <a:tab pos="3657600" algn="l"/>
+                <a:tab pos="4572000" algn="l"/>
+                <a:tab pos="5486400" algn="l"/>
+                <a:tab pos="6400800" algn="l"/>
+                <a:tab pos="7315200" algn="l"/>
+                <a:tab pos="8229600" algn="l"/>
+                <a:tab pos="9144000" algn="l"/>
+                <a:tab pos="10058400" algn="l"/>
+              </a:tabLst>
+            </a:pPr>
+            <a:fld id="{07D7A7BE-49AA-477B-847A-E1060E20058B}" type="slidenum">
+              <a:rPr lang="en-US" sz="1400">
+                <a:solidFill>
+                  <a:srgbClr val="FFFFFF"/>
+                </a:solidFill>
+                <a:latin typeface="Franklin Gothic Book" pitchFamily="34" charset="0"/>
+              </a:rPr>
+              <a:pPr algn="just">
+                <a:buSzPct val="100000"/>
+                <a:tabLst>
+                  <a:tab pos="0" algn="l"/>
+                  <a:tab pos="914400" algn="l"/>
+                  <a:tab pos="1828800" algn="l"/>
+                  <a:tab pos="2743200" algn="l"/>
+                  <a:tab pos="3657600" algn="l"/>
+                  <a:tab pos="4572000" algn="l"/>
+                  <a:tab pos="5486400" algn="l"/>
+                  <a:tab pos="6400800" algn="l"/>
+                  <a:tab pos="7315200" algn="l"/>
+                  <a:tab pos="8229600" algn="l"/>
+                  <a:tab pos="9144000" algn="l"/>
+                  <a:tab pos="10058400" algn="l"/>
+                </a:tabLst>
+              </a:pPr>
+              <a:t>20</a:t>
+            </a:fld>
+            <a:endParaRPr lang="en-US" sz="1400" dirty="0">
+              <a:solidFill>
+                <a:srgbClr val="FFFFFF"/>
+              </a:solidFill>
+              <a:latin typeface="Franklin Gothic Book" pitchFamily="34" charset="0"/>
+            </a:endParaRPr>
           </a:p>
         </p:txBody>
       </p:sp>
@@ -11829,88 +12112,6 @@
               </a:rPr>
               <a:t>References </a:t>
             </a:r>
-          </a:p>
-        </p:txBody>
-      </p:sp>
-      <p:sp>
-        <p:nvSpPr>
-          <p:cNvPr id="29699" name="Oval 3"/>
-          <p:cNvSpPr>
-            <a:spLocks noChangeArrowheads="1"/>
-          </p:cNvSpPr>
-          <p:nvPr/>
-        </p:nvSpPr>
-        <p:spPr bwMode="auto">
-          <a:xfrm>
-            <a:off x="146050" y="6210300"/>
-            <a:ext cx="457200" cy="457200"/>
-          </a:xfrm>
-          <a:prstGeom prst="ellipse">
-            <a:avLst/>
-          </a:prstGeom>
-          <a:solidFill>
-            <a:srgbClr val="D34817"/>
-          </a:solidFill>
-          <a:ln w="9525">
-            <a:noFill/>
-            <a:round/>
-            <a:headEnd/>
-            <a:tailEnd/>
-          </a:ln>
-        </p:spPr>
-        <p:txBody>
-          <a:bodyPr wrap="none" lIns="0" tIns="0" rIns="0" bIns="0" anchor="ctr" anchorCtr="1"/>
-          <a:lstStyle/>
-          <a:p>
-            <a:pPr algn="just">
-              <a:buSzPct val="100000"/>
-              <a:tabLst>
-                <a:tab pos="0" algn="l"/>
-                <a:tab pos="914400" algn="l"/>
-                <a:tab pos="1828800" algn="l"/>
-                <a:tab pos="2743200" algn="l"/>
-                <a:tab pos="3657600" algn="l"/>
-                <a:tab pos="4572000" algn="l"/>
-                <a:tab pos="5486400" algn="l"/>
-                <a:tab pos="6400800" algn="l"/>
-                <a:tab pos="7315200" algn="l"/>
-                <a:tab pos="8229600" algn="l"/>
-                <a:tab pos="9144000" algn="l"/>
-                <a:tab pos="10058400" algn="l"/>
-              </a:tabLst>
-            </a:pPr>
-            <a:fld id="{A6B76697-04F9-4EEA-AA69-75D126C65E80}" type="slidenum">
-              <a:rPr lang="en-US" sz="1400">
-                <a:solidFill>
-                  <a:srgbClr val="FFFFFF"/>
-                </a:solidFill>
-                <a:latin typeface="Franklin Gothic Book" pitchFamily="34" charset="0"/>
-              </a:rPr>
-              <a:pPr algn="just">
-                <a:buSzPct val="100000"/>
-                <a:tabLst>
-                  <a:tab pos="0" algn="l"/>
-                  <a:tab pos="914400" algn="l"/>
-                  <a:tab pos="1828800" algn="l"/>
-                  <a:tab pos="2743200" algn="l"/>
-                  <a:tab pos="3657600" algn="l"/>
-                  <a:tab pos="4572000" algn="l"/>
-                  <a:tab pos="5486400" algn="l"/>
-                  <a:tab pos="6400800" algn="l"/>
-                  <a:tab pos="7315200" algn="l"/>
-                  <a:tab pos="8229600" algn="l"/>
-                  <a:tab pos="9144000" algn="l"/>
-                  <a:tab pos="10058400" algn="l"/>
-                </a:tabLst>
-              </a:pPr>
-              <a:t>21</a:t>
-            </a:fld>
-            <a:endParaRPr lang="en-US" sz="1400" dirty="0">
-              <a:solidFill>
-                <a:srgbClr val="FFFFFF"/>
-              </a:solidFill>
-              <a:latin typeface="Franklin Gothic Book" pitchFamily="34" charset="0"/>
-            </a:endParaRPr>
           </a:p>
         </p:txBody>
       </p:sp>
@@ -12171,6 +12372,112 @@
           </a:p>
         </p:txBody>
       </p:sp>
+      <p:sp>
+        <p:nvSpPr>
+          <p:cNvPr id="8" name="Slide Number Placeholder 7"/>
+          <p:cNvSpPr>
+            <a:spLocks noGrp="1"/>
+          </p:cNvSpPr>
+          <p:nvPr>
+            <p:ph type="sldNum" sz="quarter" idx="12"/>
+          </p:nvPr>
+        </p:nvSpPr>
+        <p:spPr/>
+        <p:txBody>
+          <a:bodyPr/>
+          <a:lstStyle/>
+          <a:p>
+            <a:fld id="{B6F15528-21DE-4FAA-801E-634DDDAF4B2B}" type="slidenum">
+              <a:rPr lang="en-US" smtClean="0"/>
+              <a:pPr/>
+              <a:t>21</a:t>
+            </a:fld>
+            <a:endParaRPr lang="en-US" dirty="0"/>
+          </a:p>
+        </p:txBody>
+      </p:sp>
+      <p:sp>
+        <p:nvSpPr>
+          <p:cNvPr id="11" name="Oval 3"/>
+          <p:cNvSpPr>
+            <a:spLocks noChangeArrowheads="1"/>
+          </p:cNvSpPr>
+          <p:nvPr/>
+        </p:nvSpPr>
+        <p:spPr bwMode="auto">
+          <a:xfrm>
+            <a:off x="146050" y="6210300"/>
+            <a:ext cx="457200" cy="457200"/>
+          </a:xfrm>
+          <a:prstGeom prst="ellipse">
+            <a:avLst/>
+          </a:prstGeom>
+          <a:solidFill>
+            <a:srgbClr val="855D5D"/>
+          </a:solidFill>
+          <a:ln w="9525">
+            <a:noFill/>
+            <a:round/>
+            <a:headEnd/>
+            <a:tailEnd/>
+          </a:ln>
+        </p:spPr>
+        <p:txBody>
+          <a:bodyPr wrap="none" lIns="0" tIns="0" rIns="0" bIns="0" anchor="ctr" anchorCtr="1"/>
+          <a:lstStyle/>
+          <a:p>
+            <a:pPr algn="just">
+              <a:buSzPct val="100000"/>
+              <a:tabLst>
+                <a:tab pos="0" algn="l"/>
+                <a:tab pos="914400" algn="l"/>
+                <a:tab pos="1828800" algn="l"/>
+                <a:tab pos="2743200" algn="l"/>
+                <a:tab pos="3657600" algn="l"/>
+                <a:tab pos="4572000" algn="l"/>
+                <a:tab pos="5486400" algn="l"/>
+                <a:tab pos="6400800" algn="l"/>
+                <a:tab pos="7315200" algn="l"/>
+                <a:tab pos="8229600" algn="l"/>
+                <a:tab pos="9144000" algn="l"/>
+                <a:tab pos="10058400" algn="l"/>
+              </a:tabLst>
+            </a:pPr>
+            <a:fld id="{07D7A7BE-49AA-477B-847A-E1060E20058B}" type="slidenum">
+              <a:rPr lang="en-US" sz="1400">
+                <a:solidFill>
+                  <a:srgbClr val="FFFFFF"/>
+                </a:solidFill>
+                <a:latin typeface="Franklin Gothic Book" pitchFamily="34" charset="0"/>
+              </a:rPr>
+              <a:pPr algn="just">
+                <a:buSzPct val="100000"/>
+                <a:tabLst>
+                  <a:tab pos="0" algn="l"/>
+                  <a:tab pos="914400" algn="l"/>
+                  <a:tab pos="1828800" algn="l"/>
+                  <a:tab pos="2743200" algn="l"/>
+                  <a:tab pos="3657600" algn="l"/>
+                  <a:tab pos="4572000" algn="l"/>
+                  <a:tab pos="5486400" algn="l"/>
+                  <a:tab pos="6400800" algn="l"/>
+                  <a:tab pos="7315200" algn="l"/>
+                  <a:tab pos="8229600" algn="l"/>
+                  <a:tab pos="9144000" algn="l"/>
+                  <a:tab pos="10058400" algn="l"/>
+                </a:tabLst>
+              </a:pPr>
+              <a:t>21</a:t>
+            </a:fld>
+            <a:endParaRPr lang="en-US" sz="1400" dirty="0">
+              <a:solidFill>
+                <a:srgbClr val="FFFFFF"/>
+              </a:solidFill>
+              <a:latin typeface="Franklin Gothic Book" pitchFamily="34" charset="0"/>
+            </a:endParaRPr>
+          </a:p>
+        </p:txBody>
+      </p:sp>
     </p:spTree>
   </p:cSld>
   <p:clrMapOvr>
@@ -12203,88 +12510,6 @@
           <a:chExt cx="0" cy="0"/>
         </a:xfrm>
       </p:grpSpPr>
-      <p:sp>
-        <p:nvSpPr>
-          <p:cNvPr id="30722" name="Oval 3"/>
-          <p:cNvSpPr>
-            <a:spLocks noChangeArrowheads="1"/>
-          </p:cNvSpPr>
-          <p:nvPr/>
-        </p:nvSpPr>
-        <p:spPr bwMode="auto">
-          <a:xfrm>
-            <a:off x="146050" y="6210300"/>
-            <a:ext cx="457200" cy="457200"/>
-          </a:xfrm>
-          <a:prstGeom prst="ellipse">
-            <a:avLst/>
-          </a:prstGeom>
-          <a:solidFill>
-            <a:srgbClr val="D34817"/>
-          </a:solidFill>
-          <a:ln w="9525">
-            <a:noFill/>
-            <a:round/>
-            <a:headEnd/>
-            <a:tailEnd/>
-          </a:ln>
-        </p:spPr>
-        <p:txBody>
-          <a:bodyPr wrap="none" lIns="0" tIns="0" rIns="0" bIns="0" anchor="ctr" anchorCtr="1"/>
-          <a:lstStyle/>
-          <a:p>
-            <a:pPr algn="just">
-              <a:buSzPct val="100000"/>
-              <a:tabLst>
-                <a:tab pos="0" algn="l"/>
-                <a:tab pos="914400" algn="l"/>
-                <a:tab pos="1828800" algn="l"/>
-                <a:tab pos="2743200" algn="l"/>
-                <a:tab pos="3657600" algn="l"/>
-                <a:tab pos="4572000" algn="l"/>
-                <a:tab pos="5486400" algn="l"/>
-                <a:tab pos="6400800" algn="l"/>
-                <a:tab pos="7315200" algn="l"/>
-                <a:tab pos="8229600" algn="l"/>
-                <a:tab pos="9144000" algn="l"/>
-                <a:tab pos="10058400" algn="l"/>
-              </a:tabLst>
-            </a:pPr>
-            <a:fld id="{FA53F16D-5040-420C-A755-24FF381A2889}" type="slidenum">
-              <a:rPr lang="en-US" sz="1400">
-                <a:solidFill>
-                  <a:srgbClr val="FFFFFF"/>
-                </a:solidFill>
-                <a:latin typeface="Franklin Gothic Book" pitchFamily="34" charset="0"/>
-              </a:rPr>
-              <a:pPr algn="just">
-                <a:buSzPct val="100000"/>
-                <a:tabLst>
-                  <a:tab pos="0" algn="l"/>
-                  <a:tab pos="914400" algn="l"/>
-                  <a:tab pos="1828800" algn="l"/>
-                  <a:tab pos="2743200" algn="l"/>
-                  <a:tab pos="3657600" algn="l"/>
-                  <a:tab pos="4572000" algn="l"/>
-                  <a:tab pos="5486400" algn="l"/>
-                  <a:tab pos="6400800" algn="l"/>
-                  <a:tab pos="7315200" algn="l"/>
-                  <a:tab pos="8229600" algn="l"/>
-                  <a:tab pos="9144000" algn="l"/>
-                  <a:tab pos="10058400" algn="l"/>
-                </a:tabLst>
-              </a:pPr>
-              <a:t>22</a:t>
-            </a:fld>
-            <a:endParaRPr lang="en-US" sz="1400" dirty="0">
-              <a:solidFill>
-                <a:srgbClr val="FFFFFF"/>
-              </a:solidFill>
-              <a:latin typeface="Franklin Gothic Book" pitchFamily="34" charset="0"/>
-            </a:endParaRPr>
-          </a:p>
-        </p:txBody>
-      </p:sp>
       <p:sp>
         <p:nvSpPr>
           <p:cNvPr id="30723" name="Rectangle 7"/>
@@ -12492,6 +12717,30 @@
               <a:ea typeface="+mn-ea"/>
               <a:cs typeface="Arial" charset="0"/>
             </a:endParaRPr>
+          </a:p>
+        </p:txBody>
+      </p:sp>
+      <p:sp>
+        <p:nvSpPr>
+          <p:cNvPr id="5" name="Slide Number Placeholder 4"/>
+          <p:cNvSpPr>
+            <a:spLocks noGrp="1"/>
+          </p:cNvSpPr>
+          <p:nvPr>
+            <p:ph type="sldNum" sz="quarter" idx="12"/>
+          </p:nvPr>
+        </p:nvSpPr>
+        <p:spPr/>
+        <p:txBody>
+          <a:bodyPr/>
+          <a:lstStyle/>
+          <a:p>
+            <a:fld id="{B6F15528-21DE-4FAA-801E-634DDDAF4B2B}" type="slidenum">
+              <a:rPr lang="en-US" smtClean="0"/>
+              <a:pPr/>
+              <a:t>22</a:t>
+            </a:fld>
+            <a:endParaRPr lang="en-US" dirty="0"/>
           </a:p>
         </p:txBody>
       </p:sp>
@@ -12612,7 +12861,7 @@
             <a:avLst/>
           </a:prstGeom>
           <a:solidFill>
-            <a:srgbClr val="D34817"/>
+            <a:srgbClr val="855D5D"/>
           </a:solidFill>
           <a:ln w="9525">
             <a:noFill/>
@@ -12995,6 +13244,30 @@
           </a:p>
         </p:txBody>
       </p:sp>
+      <p:sp>
+        <p:nvSpPr>
+          <p:cNvPr id="7" name="Slide Number Placeholder 6"/>
+          <p:cNvSpPr>
+            <a:spLocks noGrp="1"/>
+          </p:cNvSpPr>
+          <p:nvPr>
+            <p:ph type="sldNum" sz="quarter" idx="12"/>
+          </p:nvPr>
+        </p:nvSpPr>
+        <p:spPr/>
+        <p:txBody>
+          <a:bodyPr/>
+          <a:lstStyle/>
+          <a:p>
+            <a:fld id="{B6F15528-21DE-4FAA-801E-634DDDAF4B2B}" type="slidenum">
+              <a:rPr lang="en-US" smtClean="0"/>
+              <a:pPr/>
+              <a:t>3</a:t>
+            </a:fld>
+            <a:endParaRPr lang="en-US" dirty="0"/>
+          </a:p>
+        </p:txBody>
+      </p:sp>
     </p:spTree>
   </p:cSld>
   <p:clrMapOvr>
@@ -13112,7 +13385,7 @@
             <a:avLst/>
           </a:prstGeom>
           <a:solidFill>
-            <a:srgbClr val="D34817"/>
+            <a:srgbClr val="855D5D"/>
           </a:solidFill>
           <a:ln w="9525">
             <a:noFill/>
@@ -13675,6 +13948,30 @@
           </a:p>
         </p:txBody>
       </p:sp>
+      <p:sp>
+        <p:nvSpPr>
+          <p:cNvPr id="6" name="Slide Number Placeholder 5"/>
+          <p:cNvSpPr>
+            <a:spLocks noGrp="1"/>
+          </p:cNvSpPr>
+          <p:nvPr>
+            <p:ph type="sldNum" sz="quarter" idx="12"/>
+          </p:nvPr>
+        </p:nvSpPr>
+        <p:spPr/>
+        <p:txBody>
+          <a:bodyPr/>
+          <a:lstStyle/>
+          <a:p>
+            <a:fld id="{B6F15528-21DE-4FAA-801E-634DDDAF4B2B}" type="slidenum">
+              <a:rPr lang="en-US" smtClean="0"/>
+              <a:pPr/>
+              <a:t>4</a:t>
+            </a:fld>
+            <a:endParaRPr lang="en-US" dirty="0"/>
+          </a:p>
+        </p:txBody>
+      </p:sp>
     </p:spTree>
   </p:cSld>
   <p:clrMapOvr>
@@ -13792,7 +14089,7 @@
             <a:avLst/>
           </a:prstGeom>
           <a:solidFill>
-            <a:srgbClr val="D34817"/>
+            <a:srgbClr val="855D5D"/>
           </a:solidFill>
           <a:ln w="9525">
             <a:noFill/>
@@ -14316,6 +14613,30 @@
           </a:p>
         </p:txBody>
       </p:sp>
+      <p:sp>
+        <p:nvSpPr>
+          <p:cNvPr id="7" name="Slide Number Placeholder 6"/>
+          <p:cNvSpPr>
+            <a:spLocks noGrp="1"/>
+          </p:cNvSpPr>
+          <p:nvPr>
+            <p:ph type="sldNum" sz="quarter" idx="12"/>
+          </p:nvPr>
+        </p:nvSpPr>
+        <p:spPr/>
+        <p:txBody>
+          <a:bodyPr/>
+          <a:lstStyle/>
+          <a:p>
+            <a:fld id="{B6F15528-21DE-4FAA-801E-634DDDAF4B2B}" type="slidenum">
+              <a:rPr lang="en-US" smtClean="0"/>
+              <a:pPr/>
+              <a:t>5</a:t>
+            </a:fld>
+            <a:endParaRPr lang="en-US" dirty="0"/>
+          </a:p>
+        </p:txBody>
+      </p:sp>
     </p:spTree>
   </p:cSld>
   <p:clrMapOvr>
@@ -14433,7 +14754,7 @@
             <a:avLst/>
           </a:prstGeom>
           <a:solidFill>
-            <a:srgbClr val="D34817"/>
+            <a:srgbClr val="855D5D"/>
           </a:solidFill>
           <a:ln w="9525">
             <a:noFill/>
@@ -14874,6 +15195,30 @@
           </a:p>
         </p:txBody>
       </p:sp>
+      <p:sp>
+        <p:nvSpPr>
+          <p:cNvPr id="7" name="Slide Number Placeholder 6"/>
+          <p:cNvSpPr>
+            <a:spLocks noGrp="1"/>
+          </p:cNvSpPr>
+          <p:nvPr>
+            <p:ph type="sldNum" sz="quarter" idx="12"/>
+          </p:nvPr>
+        </p:nvSpPr>
+        <p:spPr/>
+        <p:txBody>
+          <a:bodyPr/>
+          <a:lstStyle/>
+          <a:p>
+            <a:fld id="{B6F15528-21DE-4FAA-801E-634DDDAF4B2B}" type="slidenum">
+              <a:rPr lang="en-US" smtClean="0"/>
+              <a:pPr/>
+              <a:t>6</a:t>
+            </a:fld>
+            <a:endParaRPr lang="en-US" dirty="0"/>
+          </a:p>
+        </p:txBody>
+      </p:sp>
     </p:spTree>
   </p:cSld>
   <p:clrMapOvr>
@@ -14991,7 +15336,7 @@
             <a:avLst/>
           </a:prstGeom>
           <a:solidFill>
-            <a:srgbClr val="D34817"/>
+            <a:srgbClr val="855D5D"/>
           </a:solidFill>
           <a:ln w="9525">
             <a:noFill/>
@@ -15457,6 +15802,30 @@
               <a:latin typeface="Bookman Old Style" pitchFamily="18" charset="0"/>
               <a:cs typeface="Times New Roman" pitchFamily="18" charset="0"/>
             </a:endParaRPr>
+          </a:p>
+        </p:txBody>
+      </p:sp>
+      <p:sp>
+        <p:nvSpPr>
+          <p:cNvPr id="7" name="Slide Number Placeholder 6"/>
+          <p:cNvSpPr>
+            <a:spLocks noGrp="1"/>
+          </p:cNvSpPr>
+          <p:nvPr>
+            <p:ph type="sldNum" sz="quarter" idx="12"/>
+          </p:nvPr>
+        </p:nvSpPr>
+        <p:spPr/>
+        <p:txBody>
+          <a:bodyPr/>
+          <a:lstStyle/>
+          <a:p>
+            <a:fld id="{B6F15528-21DE-4FAA-801E-634DDDAF4B2B}" type="slidenum">
+              <a:rPr lang="en-US" smtClean="0"/>
+              <a:pPr/>
+              <a:t>7</a:t>
+            </a:fld>
+            <a:endParaRPr lang="en-US" dirty="0"/>
           </a:p>
         </p:txBody>
       </p:sp>
@@ -18141,7 +18510,7 @@
             <a:avLst/>
           </a:prstGeom>
           <a:solidFill>
-            <a:srgbClr val="D34817"/>
+            <a:srgbClr val="855D5D"/>
           </a:solidFill>
           <a:ln w="9525">
             <a:noFill/>
@@ -19029,6 +19398,30 @@
           </p:style>
         </p:cxnSp>
       </p:grpSp>
+      <p:sp>
+        <p:nvSpPr>
+          <p:cNvPr id="35" name="Slide Number Placeholder 34"/>
+          <p:cNvSpPr>
+            <a:spLocks noGrp="1"/>
+          </p:cNvSpPr>
+          <p:nvPr>
+            <p:ph type="sldNum" sz="quarter" idx="12"/>
+          </p:nvPr>
+        </p:nvSpPr>
+        <p:spPr/>
+        <p:txBody>
+          <a:bodyPr/>
+          <a:lstStyle/>
+          <a:p>
+            <a:fld id="{B6F15528-21DE-4FAA-801E-634DDDAF4B2B}" type="slidenum">
+              <a:rPr lang="en-US" smtClean="0"/>
+              <a:pPr/>
+              <a:t>8</a:t>
+            </a:fld>
+            <a:endParaRPr lang="en-US" dirty="0"/>
+          </a:p>
+        </p:txBody>
+      </p:sp>
     </p:spTree>
   </p:cSld>
   <p:clrMapOvr>
@@ -19242,7 +19635,21 @@
                 <a:latin typeface="Bookman Old Style" pitchFamily="18" charset="0"/>
                 <a:cs typeface="Times New Roman" pitchFamily="18" charset="0"/>
               </a:rPr>
-              <a:t>Properties are named members of classes, structures and interfaces. Member variables or methods in a class or structures are called Fields.</a:t>
+              <a:t>Properties are named members of classes, structures and interfaces. Member variables or methods in a </a:t>
+            </a:r>
+            <a:r>
+              <a:rPr lang="en-US" sz="2200" dirty="0" smtClean="0">
+                <a:latin typeface="Bookman Old Style" pitchFamily="18" charset="0"/>
+                <a:cs typeface="Times New Roman" pitchFamily="18" charset="0"/>
+              </a:rPr>
+              <a:t>class </a:t>
+            </a:r>
+            <a:r>
+              <a:rPr lang="en-US" sz="2200" dirty="0" smtClean="0">
+                <a:latin typeface="Bookman Old Style" pitchFamily="18" charset="0"/>
+                <a:cs typeface="Times New Roman" pitchFamily="18" charset="0"/>
+              </a:rPr>
+              <a:t>or structures are called Fields.</a:t>
             </a:r>
           </a:p>
           <a:p>
@@ -19403,6 +19810,88 @@
           </a:p>
         </p:txBody>
       </p:sp>
+      <p:sp>
+        <p:nvSpPr>
+          <p:cNvPr id="6" name="Oval 3"/>
+          <p:cNvSpPr>
+            <a:spLocks noChangeArrowheads="1"/>
+          </p:cNvSpPr>
+          <p:nvPr/>
+        </p:nvSpPr>
+        <p:spPr bwMode="auto">
+          <a:xfrm>
+            <a:off x="146050" y="6210300"/>
+            <a:ext cx="457200" cy="457200"/>
+          </a:xfrm>
+          <a:prstGeom prst="ellipse">
+            <a:avLst/>
+          </a:prstGeom>
+          <a:solidFill>
+            <a:srgbClr val="855D5D"/>
+          </a:solidFill>
+          <a:ln w="9525">
+            <a:noFill/>
+            <a:round/>
+            <a:headEnd/>
+            <a:tailEnd/>
+          </a:ln>
+        </p:spPr>
+        <p:txBody>
+          <a:bodyPr wrap="none" lIns="0" tIns="0" rIns="0" bIns="0" anchor="ctr" anchorCtr="1"/>
+          <a:lstStyle/>
+          <a:p>
+            <a:pPr algn="just">
+              <a:buSzPct val="100000"/>
+              <a:tabLst>
+                <a:tab pos="0" algn="l"/>
+                <a:tab pos="914400" algn="l"/>
+                <a:tab pos="1828800" algn="l"/>
+                <a:tab pos="2743200" algn="l"/>
+                <a:tab pos="3657600" algn="l"/>
+                <a:tab pos="4572000" algn="l"/>
+                <a:tab pos="5486400" algn="l"/>
+                <a:tab pos="6400800" algn="l"/>
+                <a:tab pos="7315200" algn="l"/>
+                <a:tab pos="8229600" algn="l"/>
+                <a:tab pos="9144000" algn="l"/>
+                <a:tab pos="10058400" algn="l"/>
+              </a:tabLst>
+            </a:pPr>
+            <a:fld id="{07D7A7BE-49AA-477B-847A-E1060E20058B}" type="slidenum">
+              <a:rPr lang="en-US" sz="1400">
+                <a:solidFill>
+                  <a:srgbClr val="FFFFFF"/>
+                </a:solidFill>
+                <a:latin typeface="Franklin Gothic Book" pitchFamily="34" charset="0"/>
+              </a:rPr>
+              <a:pPr algn="just">
+                <a:buSzPct val="100000"/>
+                <a:tabLst>
+                  <a:tab pos="0" algn="l"/>
+                  <a:tab pos="914400" algn="l"/>
+                  <a:tab pos="1828800" algn="l"/>
+                  <a:tab pos="2743200" algn="l"/>
+                  <a:tab pos="3657600" algn="l"/>
+                  <a:tab pos="4572000" algn="l"/>
+                  <a:tab pos="5486400" algn="l"/>
+                  <a:tab pos="6400800" algn="l"/>
+                  <a:tab pos="7315200" algn="l"/>
+                  <a:tab pos="8229600" algn="l"/>
+                  <a:tab pos="9144000" algn="l"/>
+                  <a:tab pos="10058400" algn="l"/>
+                </a:tabLst>
+              </a:pPr>
+              <a:t>9</a:t>
+            </a:fld>
+            <a:endParaRPr lang="en-US" sz="1400" dirty="0">
+              <a:solidFill>
+                <a:srgbClr val="FFFFFF"/>
+              </a:solidFill>
+              <a:latin typeface="Franklin Gothic Book" pitchFamily="34" charset="0"/>
+            </a:endParaRPr>
+          </a:p>
+        </p:txBody>
+      </p:sp>
     </p:spTree>
   </p:cSld>
   <p:clrMapOvr>
@@ -19419,9 +19908,9 @@
 </file>
 
 <file path=ppt/theme/theme1.xml><?xml version="1.0" encoding="utf-8"?>
-<a:theme xmlns:a="http://schemas.openxmlformats.org/drawingml/2006/main" name="Equity">
+<a:theme xmlns:a="http://schemas.openxmlformats.org/drawingml/2006/main" name="Office Theme">
   <a:themeElements>
-    <a:clrScheme name="Equity">
+    <a:clrScheme name="Office">
       <a:dk1>
         <a:sysClr val="windowText" lastClr="000000"/>
       </a:dk1>
@@ -19429,86 +19918,48 @@
         <a:sysClr val="window" lastClr="FFFFFF"/>
       </a:lt1>
       <a:dk2>
-        <a:srgbClr val="696464"/>
+        <a:srgbClr val="1F497D"/>
       </a:dk2>
       <a:lt2>
-        <a:srgbClr val="E9E5DC"/>
+        <a:srgbClr val="EEECE1"/>
       </a:lt2>
       <a:accent1>
-        <a:srgbClr val="D34817"/>
+        <a:srgbClr val="4F81BD"/>
       </a:accent1>
       <a:accent2>
-        <a:srgbClr val="9B2D1F"/>
+        <a:srgbClr val="C0504D"/>
       </a:accent2>
       <a:accent3>
-        <a:srgbClr val="A28E6A"/>
+        <a:srgbClr val="9BBB59"/>
       </a:accent3>
       <a:accent4>
-        <a:srgbClr val="956251"/>
+        <a:srgbClr val="8064A2"/>
       </a:accent4>
       <a:accent5>
-        <a:srgbClr val="918485"/>
+        <a:srgbClr val="4BACC6"/>
       </a:accent5>
       <a:accent6>
-        <a:srgbClr val="855D5D"/>
+        <a:srgbClr val="F79646"/>
       </a:accent6>
       <a:hlink>
-        <a:srgbClr val="CC9900"/>
+        <a:srgbClr val="0000FF"/>
       </a:hlink>
       <a:folHlink>
-        <a:srgbClr val="96A9A9"/>
+        <a:srgbClr val="800080"/>
       </a:folHlink>
     </a:clrScheme>
-    <a:fontScheme name="Equity">
+    <a:fontScheme name="Office">
       <a:majorFont>
-        <a:latin typeface="Franklin Gothic Book"/>
+        <a:latin typeface="Calibri"/>
         <a:ea typeface=""/>
         <a:cs typeface=""/>
-        <a:font script="Grek" typeface="Calibri"/>
-        <a:font script="Cyrl" typeface="Calibri"/>
-        <a:font script="Jpan" typeface="HGｺﾞｼｯｸM"/>
-        <a:font script="Hang" typeface="바탕"/>
-        <a:font script="Hans" typeface="幼圆"/>
-        <a:font script="Hant" typeface="微軟正黑體"/>
-        <a:font script="Arab" typeface="Tahoma"/>
-        <a:font script="Hebr" typeface="Aharoni"/>
-        <a:font script="Thai" typeface="LilyUPC"/>
-        <a:font script="Ethi" typeface="Nyala"/>
-        <a:font script="Beng" typeface="Vrinda"/>
-        <a:font script="Gujr" typeface="Shruti"/>
-        <a:font script="Khmr" typeface="DaunPenh"/>
-        <a:font script="Knda" typeface="Tunga"/>
-        <a:font script="Guru" typeface="Raavi"/>
-        <a:font script="Cans" typeface="Euphemia"/>
-        <a:font script="Cher" typeface="Plantagenet Cherokee"/>
-        <a:font script="Yiii" typeface="Microsoft Yi Baiti"/>
-        <a:font script="Tibt" typeface="Microsoft Himalaya"/>
-        <a:font script="Thaa" typeface="MV Boli"/>
-        <a:font script="Deva" typeface="Mangal"/>
-        <a:font script="Telu" typeface="Gautami"/>
-        <a:font script="Taml" typeface="Latha"/>
-        <a:font script="Syrc" typeface="Estrangelo Edessa"/>
-        <a:font script="Orya" typeface="Kalinga"/>
-        <a:font script="Mlym" typeface="Kartika"/>
-        <a:font script="Laoo" typeface="DokChampa"/>
-        <a:font script="Sinh" typeface="Iskoola Pota"/>
-        <a:font script="Mong" typeface="Mongolian Baiti"/>
-        <a:font script="Viet" typeface="Tahoma"/>
-        <a:font script="Uigh" typeface="Microsoft Uighur"/>
-      </a:majorFont>
-      <a:minorFont>
-        <a:latin typeface="Perpetua"/>
-        <a:ea typeface=""/>
-        <a:cs typeface=""/>
-        <a:font script="Grek" typeface="Cambria"/>
-        <a:font script="Cyrl" typeface="Cambria"/>
-        <a:font script="Jpan" typeface="HG創英ﾌﾟﾚｾﾞﾝｽEB"/>
+        <a:font script="Jpan" typeface="ＭＳ Ｐゴシック"/>
         <a:font script="Hang" typeface="맑은 고딕"/>
         <a:font script="Hans" typeface="宋体"/>
         <a:font script="Hant" typeface="新細明體"/>
         <a:font script="Arab" typeface="Times New Roman"/>
-        <a:font script="Hebr" typeface="Aharoni"/>
-        <a:font script="Thai" typeface="EucrosiaUPC"/>
+        <a:font script="Hebr" typeface="Times New Roman"/>
+        <a:font script="Thai" typeface="Angsana New"/>
         <a:font script="Ethi" typeface="Nyala"/>
         <a:font script="Beng" typeface="Vrinda"/>
         <a:font script="Gujr" typeface="Shruti"/>
@@ -19531,55 +19982,105 @@
         <a:font script="Mong" typeface="Mongolian Baiti"/>
         <a:font script="Viet" typeface="Times New Roman"/>
         <a:font script="Uigh" typeface="Microsoft Uighur"/>
+      </a:majorFont>
+      <a:minorFont>
+        <a:latin typeface="Calibri"/>
+        <a:ea typeface=""/>
+        <a:cs typeface=""/>
+        <a:font script="Jpan" typeface="ＭＳ Ｐゴシック"/>
+        <a:font script="Hang" typeface="맑은 고딕"/>
+        <a:font script="Hans" typeface="宋体"/>
+        <a:font script="Hant" typeface="新細明體"/>
+        <a:font script="Arab" typeface="Arial"/>
+        <a:font script="Hebr" typeface="Arial"/>
+        <a:font script="Thai" typeface="Cordia New"/>
+        <a:font script="Ethi" typeface="Nyala"/>
+        <a:font script="Beng" typeface="Vrinda"/>
+        <a:font script="Gujr" typeface="Shruti"/>
+        <a:font script="Khmr" typeface="DaunPenh"/>
+        <a:font script="Knda" typeface="Tunga"/>
+        <a:font script="Guru" typeface="Raavi"/>
+        <a:font script="Cans" typeface="Euphemia"/>
+        <a:font script="Cher" typeface="Plantagenet Cherokee"/>
+        <a:font script="Yiii" typeface="Microsoft Yi Baiti"/>
+        <a:font script="Tibt" typeface="Microsoft Himalaya"/>
+        <a:font script="Thaa" typeface="MV Boli"/>
+        <a:font script="Deva" typeface="Mangal"/>
+        <a:font script="Telu" typeface="Gautami"/>
+        <a:font script="Taml" typeface="Latha"/>
+        <a:font script="Syrc" typeface="Estrangelo Edessa"/>
+        <a:font script="Orya" typeface="Kalinga"/>
+        <a:font script="Mlym" typeface="Kartika"/>
+        <a:font script="Laoo" typeface="DokChampa"/>
+        <a:font script="Sinh" typeface="Iskoola Pota"/>
+        <a:font script="Mong" typeface="Mongolian Baiti"/>
+        <a:font script="Viet" typeface="Arial"/>
+        <a:font script="Uigh" typeface="Microsoft Uighur"/>
       </a:minorFont>
     </a:fontScheme>
-    <a:fmtScheme name="Equity">
+    <a:fmtScheme name="Office">
       <a:fillStyleLst>
         <a:solidFill>
           <a:schemeClr val="phClr"/>
         </a:solidFill>
-        <a:blipFill>
-          <a:blip xmlns:r="http://schemas.openxmlformats.org/officeDocument/2006/relationships" r:embed="rId1">
-            <a:duotone>
+        <a:gradFill rotWithShape="1">
+          <a:gsLst>
+            <a:gs pos="0">
               <a:schemeClr val="phClr">
-                <a:tint val="30000"/>
+                <a:tint val="50000"/>
                 <a:satMod val="300000"/>
               </a:schemeClr>
+            </a:gs>
+            <a:gs pos="35000">
               <a:schemeClr val="phClr">
-                <a:tint val="40000"/>
-                <a:satMod val="200000"/>
+                <a:tint val="37000"/>
+                <a:satMod val="300000"/>
               </a:schemeClr>
-            </a:duotone>
-          </a:blip>
-          <a:tile tx="0" ty="0" sx="70000" sy="70000" flip="none" algn="ctr"/>
-        </a:blipFill>
-        <a:blipFill>
-          <a:blip xmlns:r="http://schemas.openxmlformats.org/officeDocument/2006/relationships" r:embed="rId1">
-            <a:duotone>
+            </a:gs>
+            <a:gs pos="100000">
               <a:schemeClr val="phClr">
-                <a:shade val="22000"/>
-                <a:satMod val="160000"/>
+                <a:tint val="15000"/>
+                <a:satMod val="350000"/>
               </a:schemeClr>
+            </a:gs>
+          </a:gsLst>
+          <a:lin ang="16200000" scaled="1"/>
+        </a:gradFill>
+        <a:gradFill rotWithShape="1">
+          <a:gsLst>
+            <a:gs pos="0">
               <a:schemeClr val="phClr">
-                <a:shade val="45000"/>
-                <a:satMod val="100000"/>
+                <a:shade val="51000"/>
+                <a:satMod val="130000"/>
               </a:schemeClr>
-            </a:duotone>
-          </a:blip>
-          <a:tile tx="0" ty="0" sx="65000" sy="65000" flip="none" algn="ctr"/>
-        </a:blipFill>
+            </a:gs>
+            <a:gs pos="80000">
+              <a:schemeClr val="phClr">
+                <a:shade val="93000"/>
+                <a:satMod val="130000"/>
+              </a:schemeClr>
+            </a:gs>
+            <a:gs pos="100000">
+              <a:schemeClr val="phClr">
+                <a:shade val="94000"/>
+                <a:satMod val="135000"/>
+              </a:schemeClr>
+            </a:gs>
+          </a:gsLst>
+          <a:lin ang="16200000" scaled="0"/>
+        </a:gradFill>
       </a:fillStyleLst>
       <a:lnStyleLst>
         <a:ln w="9525" cap="flat" cmpd="sng" algn="ctr">
           <a:solidFill>
             <a:schemeClr val="phClr">
-              <a:shade val="60000"/>
-              <a:satMod val="110000"/>
+              <a:shade val="95000"/>
+              <a:satMod val="105000"/>
             </a:schemeClr>
           </a:solidFill>
           <a:prstDash val="solid"/>
         </a:ln>
-        <a:ln w="12700" cap="flat" cmpd="sng" algn="ctr">
+        <a:ln w="25400" cap="flat" cmpd="sng" algn="ctr">
           <a:solidFill>
             <a:schemeClr val="phClr"/>
           </a:solidFill>
@@ -19595,46 +20096,40 @@
       <a:effectStyleLst>
         <a:effectStyle>
           <a:effectLst>
-            <a:outerShdw blurRad="38100" dist="25400" dir="5400000" algn="t" rotWithShape="0">
+            <a:outerShdw blurRad="40000" dist="20000" dir="5400000" rotWithShape="0">
               <a:srgbClr val="000000">
-                <a:alpha val="50000"/>
+                <a:alpha val="38000"/>
               </a:srgbClr>
             </a:outerShdw>
           </a:effectLst>
         </a:effectStyle>
         <a:effectStyle>
           <a:effectLst>
-            <a:outerShdw blurRad="38100" dist="25400" dir="5400000" algn="t" rotWithShape="0">
+            <a:outerShdw blurRad="40000" dist="23000" dir="5400000" rotWithShape="0">
               <a:srgbClr val="000000">
-                <a:alpha val="50000"/>
+                <a:alpha val="35000"/>
               </a:srgbClr>
             </a:outerShdw>
           </a:effectLst>
         </a:effectStyle>
         <a:effectStyle>
           <a:effectLst>
-            <a:outerShdw blurRad="50800" dist="50800" dir="5400000" algn="t" rotWithShape="0">
+            <a:outerShdw blurRad="40000" dist="23000" dir="5400000" rotWithShape="0">
               <a:srgbClr val="000000">
-                <a:alpha val="60000"/>
+                <a:alpha val="35000"/>
               </a:srgbClr>
             </a:outerShdw>
           </a:effectLst>
           <a:scene3d>
-            <a:camera prst="isometricBottomUp" fov="0">
+            <a:camera prst="orthographicFront">
               <a:rot lat="0" lon="0" rev="0"/>
             </a:camera>
-            <a:lightRig rig="soft" dir="b">
-              <a:rot lat="0" lon="0" rev="9000000"/>
+            <a:lightRig rig="threePt" dir="t">
+              <a:rot lat="0" lon="0" rev="1200000"/>
             </a:lightRig>
           </a:scene3d>
-          <a:sp3d contourW="35000" prstMaterial="matte">
-            <a:bevelT w="45000" h="38100" prst="convex"/>
-            <a:contourClr>
-              <a:schemeClr val="phClr">
-                <a:tint val="10000"/>
-                <a:satMod val="130000"/>
-              </a:schemeClr>
-            </a:contourClr>
+          <a:sp3d>
+            <a:bevelT w="63500" h="25400"/>
           </a:sp3d>
         </a:effectStyle>
       </a:effectStyleLst>
@@ -19646,40 +20141,47 @@
           <a:gsLst>
             <a:gs pos="0">
               <a:schemeClr val="phClr">
-                <a:shade val="40000"/>
-                <a:satMod val="165000"/>
+                <a:tint val="40000"/>
+                <a:satMod val="350000"/>
               </a:schemeClr>
             </a:gs>
-            <a:gs pos="50000">
+            <a:gs pos="40000">
               <a:schemeClr val="phClr">
-                <a:shade val="80000"/>
-                <a:satMod val="155000"/>
+                <a:tint val="45000"/>
+                <a:shade val="99000"/>
+                <a:satMod val="350000"/>
               </a:schemeClr>
             </a:gs>
             <a:gs pos="100000">
               <a:schemeClr val="phClr">
-                <a:tint val="95000"/>
+                <a:shade val="20000"/>
+                <a:satMod val="255000"/>
+              </a:schemeClr>
+            </a:gs>
+          </a:gsLst>
+          <a:path path="circle">
+            <a:fillToRect l="50000" t="-80000" r="50000" b="180000"/>
+          </a:path>
+        </a:gradFill>
+        <a:gradFill rotWithShape="1">
+          <a:gsLst>
+            <a:gs pos="0">
+              <a:schemeClr val="phClr">
+                <a:tint val="80000"/>
+                <a:satMod val="300000"/>
+              </a:schemeClr>
+            </a:gs>
+            <a:gs pos="100000">
+              <a:schemeClr val="phClr">
+                <a:shade val="30000"/>
                 <a:satMod val="200000"/>
               </a:schemeClr>
             </a:gs>
           </a:gsLst>
-          <a:lin ang="16200000" scaled="1"/>
+          <a:path path="circle">
+            <a:fillToRect l="50000" t="50000" r="50000" b="50000"/>
+          </a:path>
         </a:gradFill>
-        <a:blipFill>
-          <a:blip xmlns:r="http://schemas.openxmlformats.org/officeDocument/2006/relationships" r:embed="rId1">
-            <a:duotone>
-              <a:schemeClr val="phClr">
-                <a:tint val="95000"/>
-                <a:satMod val="200000"/>
-              </a:schemeClr>
-              <a:schemeClr val="phClr">
-                <a:shade val="80000"/>
-                <a:satMod val="100000"/>
-              </a:schemeClr>
-            </a:duotone>
-          </a:blip>
-          <a:tile tx="0" ty="0" sx="55000" sy="55000" flip="none" algn="tl"/>
-        </a:blipFill>
       </a:bgFillStyleLst>
     </a:fmtScheme>
   </a:themeElements>
